--- a/Introduction.pptx
+++ b/Introduction.pptx
@@ -132,6 +132,50 @@
 </p:cmAuthorLst>
 </file>
 
+<file path=ppt/changesInfos/changesInfo1.xml><?xml version="1.0" encoding="utf-8"?>
+<pc:chgInfo xmlns:a="http://schemas.openxmlformats.org/drawingml/2006/main" xmlns:r="http://schemas.openxmlformats.org/officeDocument/2006/relationships" xmlns:ac="http://schemas.microsoft.com/office/drawing/2013/main/command" xmlns:pc="http://schemas.microsoft.com/office/powerpoint/2013/main/command">
+  <pc:docChgLst>
+    <pc:chgData name="Nikita ." userId="462e6218bc258e6f" providerId="LiveId" clId="{04381A7F-3832-476A-A651-902063B64EF0}"/>
+    <pc:docChg chg="modSld">
+      <pc:chgData name="Nikita ." userId="462e6218bc258e6f" providerId="LiveId" clId="{04381A7F-3832-476A-A651-902063B64EF0}" dt="2023-04-26T11:16:32.492" v="42" actId="20577"/>
+      <pc:docMkLst>
+        <pc:docMk/>
+      </pc:docMkLst>
+      <pc:sldChg chg="modSp mod">
+        <pc:chgData name="Nikita ." userId="462e6218bc258e6f" providerId="LiveId" clId="{04381A7F-3832-476A-A651-902063B64EF0}" dt="2023-04-26T11:16:32.492" v="42" actId="20577"/>
+        <pc:sldMkLst>
+          <pc:docMk/>
+          <pc:sldMk cId="3267660822" sldId="287"/>
+        </pc:sldMkLst>
+        <pc:spChg chg="mod">
+          <ac:chgData name="Nikita ." userId="462e6218bc258e6f" providerId="LiveId" clId="{04381A7F-3832-476A-A651-902063B64EF0}" dt="2023-04-26T11:16:32.492" v="42" actId="20577"/>
+          <ac:spMkLst>
+            <pc:docMk/>
+            <pc:sldMk cId="3267660822" sldId="287"/>
+            <ac:spMk id="8" creationId="{47DCCAE0-5E0D-4AF9-BB4F-A5051CB85103}"/>
+          </ac:spMkLst>
+        </pc:spChg>
+      </pc:sldChg>
+      <pc:sldChg chg="modSp mod">
+        <pc:chgData name="Nikita ." userId="462e6218bc258e6f" providerId="LiveId" clId="{04381A7F-3832-476A-A651-902063B64EF0}" dt="2023-04-26T11:13:14.103" v="40" actId="20577"/>
+        <pc:sldMkLst>
+          <pc:docMk/>
+          <pc:sldMk cId="3558956554" sldId="288"/>
+        </pc:sldMkLst>
+        <pc:spChg chg="mod">
+          <ac:chgData name="Nikita ." userId="462e6218bc258e6f" providerId="LiveId" clId="{04381A7F-3832-476A-A651-902063B64EF0}" dt="2023-04-26T11:13:14.103" v="40" actId="20577"/>
+          <ac:spMkLst>
+            <pc:docMk/>
+            <pc:sldMk cId="3558956554" sldId="288"/>
+            <ac:spMk id="8" creationId="{47DCCAE0-5E0D-4AF9-BB4F-A5051CB85103}"/>
+          </ac:spMkLst>
+        </pc:spChg>
+      </pc:sldChg>
+    </pc:docChg>
+  </pc:docChgLst>
+</pc:chgInfo>
+</file>
+
 <file path=ppt/slideLayouts/slideLayout1.xml><?xml version="1.0" encoding="utf-8"?>
 <p:sldLayout xmlns:a="http://schemas.openxmlformats.org/drawingml/2006/main" xmlns:r="http://schemas.openxmlformats.org/officeDocument/2006/relationships" xmlns:p="http://schemas.openxmlformats.org/presentationml/2006/main" type="title" preserve="1">
   <p:cSld name="Diapositive de titre">
@@ -273,7 +317,7 @@
                 </a:solidFill>
                 <a:latin typeface="Myriad Pro"/>
               </a:rPr>
-              <a:t>2022/04/20</a:t>
+              <a:t>2023/04/26</a:t>
             </a:fld>
             <a:endParaRPr lang="en-ZA" sz="1800" b="0" strike="noStrike" spc="-1">
               <a:latin typeface="Times New Roman"/>
@@ -469,7 +513,7 @@
                 </a:solidFill>
                 <a:latin typeface="Myriad Pro"/>
               </a:rPr>
-              <a:t>2022/04/20</a:t>
+              <a:t>2023/04/26</a:t>
             </a:fld>
             <a:endParaRPr lang="en-ZA" sz="1800" b="0" strike="noStrike" spc="-1">
               <a:latin typeface="Times New Roman"/>
@@ -675,7 +719,7 @@
                 </a:solidFill>
                 <a:latin typeface="Myriad Pro"/>
               </a:rPr>
-              <a:t>2022/04/20</a:t>
+              <a:t>2023/04/26</a:t>
             </a:fld>
             <a:endParaRPr lang="en-ZA" sz="1800" b="0" strike="noStrike" spc="-1">
               <a:latin typeface="Times New Roman"/>
@@ -871,7 +915,7 @@
                 </a:solidFill>
                 <a:latin typeface="Myriad Pro"/>
               </a:rPr>
-              <a:t>2022/04/20</a:t>
+              <a:t>2023/04/26</a:t>
             </a:fld>
             <a:endParaRPr lang="en-ZA" sz="1800" b="0" strike="noStrike" spc="-1">
               <a:latin typeface="Times New Roman"/>
@@ -1143,7 +1187,7 @@
                 </a:solidFill>
                 <a:latin typeface="Myriad Pro"/>
               </a:rPr>
-              <a:t>2022/04/20</a:t>
+              <a:t>2023/04/26</a:t>
             </a:fld>
             <a:endParaRPr lang="en-ZA" sz="1800" b="0" strike="noStrike" spc="-1">
               <a:latin typeface="Times New Roman"/>
@@ -1401,7 +1445,7 @@
                 </a:solidFill>
                 <a:latin typeface="Myriad Pro"/>
               </a:rPr>
-              <a:t>2022/04/20</a:t>
+              <a:t>2023/04/26</a:t>
             </a:fld>
             <a:endParaRPr lang="en-ZA" sz="1800" b="0" strike="noStrike" spc="-1">
               <a:latin typeface="Times New Roman"/>
@@ -1794,7 +1838,7 @@
                 </a:solidFill>
                 <a:latin typeface="Myriad Pro"/>
               </a:rPr>
-              <a:t>2022/04/20</a:t>
+              <a:t>2023/04/26</a:t>
             </a:fld>
             <a:endParaRPr lang="en-ZA" sz="1800" b="0" strike="noStrike" spc="-1">
               <a:latin typeface="Times New Roman"/>
@@ -1938,7 +1982,7 @@
                 </a:solidFill>
                 <a:latin typeface="Myriad Pro"/>
               </a:rPr>
-              <a:t>2022/04/20</a:t>
+              <a:t>2023/04/26</a:t>
             </a:fld>
             <a:endParaRPr lang="en-ZA" sz="1800" b="0" strike="noStrike" spc="-1">
               <a:latin typeface="Times New Roman"/>
@@ -2059,7 +2103,7 @@
                 </a:solidFill>
                 <a:latin typeface="Myriad Pro"/>
               </a:rPr>
-              <a:t>2022/04/20</a:t>
+              <a:t>2023/04/26</a:t>
             </a:fld>
             <a:endParaRPr lang="en-ZA" sz="1800" b="0" strike="noStrike" spc="-1">
               <a:latin typeface="Times New Roman"/>
@@ -2362,7 +2406,7 @@
                 </a:solidFill>
                 <a:latin typeface="Myriad Pro"/>
               </a:rPr>
-              <a:t>2022/04/20</a:t>
+              <a:t>2023/04/26</a:t>
             </a:fld>
             <a:endParaRPr lang="en-ZA" sz="1800" b="0" strike="noStrike" spc="-1">
               <a:latin typeface="Times New Roman"/>
@@ -2645,7 +2689,7 @@
                 </a:solidFill>
                 <a:latin typeface="Myriad Pro"/>
               </a:rPr>
-              <a:t>2022/04/20</a:t>
+              <a:t>2023/04/26</a:t>
             </a:fld>
             <a:endParaRPr lang="en-ZA" sz="1800" b="0" strike="noStrike" spc="-1">
               <a:latin typeface="Times New Roman"/>
@@ -2884,7 +2928,7 @@
                 </a:solidFill>
                 <a:latin typeface="Myriad Pro"/>
               </a:rPr>
-              <a:t>2022/04/20</a:t>
+              <a:t>2023/04/26</a:t>
             </a:fld>
             <a:endParaRPr lang="en-ZA" sz="1800" b="0" strike="noStrike" spc="-1">
               <a:latin typeface="Times New Roman"/>
@@ -15606,7 +15650,29 @@
                 <a:ea typeface="ヒラギノ角ゴ Pro W3"/>
                 <a:cs typeface="Arial" panose="020B0604020202020204" pitchFamily="34" charset="0"/>
               </a:rPr>
-              <a:t>Save screenshots of your fitted peaks and the number of counts (Sum) in your peaks.</a:t>
+              <a:t>Save screenshots of your fitted peaks and the number of </a:t>
+            </a:r>
+            <a:r>
+              <a:rPr lang="en-ZA" sz="1600" spc="-1">
+                <a:solidFill>
+                  <a:srgbClr val="002060"/>
+                </a:solidFill>
+                <a:latin typeface="Arial" panose="020B0604020202020204" pitchFamily="34" charset="0"/>
+                <a:ea typeface="ヒラギノ角ゴ Pro W3"/>
+                <a:cs typeface="Arial" panose="020B0604020202020204" pitchFamily="34" charset="0"/>
+              </a:rPr>
+              <a:t>counts (sum</a:t>
+            </a:r>
+            <a:r>
+              <a:rPr lang="en-ZA" sz="1600" spc="-1" dirty="0">
+                <a:solidFill>
+                  <a:srgbClr val="002060"/>
+                </a:solidFill>
+                <a:latin typeface="Arial" panose="020B0604020202020204" pitchFamily="34" charset="0"/>
+                <a:ea typeface="ヒラギノ角ゴ Pro W3"/>
+                <a:cs typeface="Arial" panose="020B0604020202020204" pitchFamily="34" charset="0"/>
+              </a:rPr>
+              <a:t>) in your peaks.</a:t>
             </a:r>
           </a:p>
           <a:p>
@@ -15891,7 +15957,7 @@
         <p:spPr>
           <a:xfrm>
             <a:off x="141236" y="624029"/>
-            <a:ext cx="8885000" cy="4051880"/>
+            <a:ext cx="9002404" cy="4051880"/>
           </a:xfrm>
           <a:prstGeom prst="rect">
             <a:avLst/>
@@ -15939,7 +16005,7 @@
                 <a:ea typeface="ヒラギノ角ゴ Pro W3"/>
                 <a:cs typeface="Arial" panose="020B0604020202020204" pitchFamily="34" charset="0"/>
               </a:rPr>
-              <a:t>Download with “ git clone </a:t>
+              <a:t>Download the data files with “ git clone </a:t>
             </a:r>
             <a:r>
               <a:rPr lang="en-US" sz="1600" spc="-1" dirty="0">
@@ -15951,7 +16017,7 @@
                 <a:cs typeface="Arial" panose="020B0604020202020204" pitchFamily="34" charset="0"/>
                 <a:hlinkClick r:id="rId4"/>
               </a:rPr>
-              <a:t>https://github.com/UWCNuclear/RootEffi.git</a:t>
+              <a:t>https://github.com/UWCNuclear/DetectorEfficiency.git</a:t>
             </a:r>
             <a:r>
               <a:rPr lang="en-US" sz="1600" spc="-1" dirty="0">
@@ -15990,9 +16056,6 @@
           </a:p>
           <a:p>
             <a:pPr marL="343080" indent="-342720">
-              <a:lnSpc>
-                <a:spcPct val="100000"/>
-              </a:lnSpc>
               <a:spcBef>
                 <a:spcPts val="320"/>
               </a:spcBef>
@@ -16011,7 +16074,7 @@
                 <a:ea typeface="ヒラギノ角ゴ Pro W3"/>
                 <a:cs typeface="Arial" panose="020B0604020202020204" pitchFamily="34" charset="0"/>
               </a:rPr>
-              <a:t>Download the data files with “ git clone </a:t>
+              <a:t>Download with “ git clone </a:t>
             </a:r>
             <a:r>
               <a:rPr lang="en-US" sz="1600" spc="-1" dirty="0">
@@ -16023,7 +16086,7 @@
                 <a:cs typeface="Arial" panose="020B0604020202020204" pitchFamily="34" charset="0"/>
                 <a:hlinkClick r:id="rId5"/>
               </a:rPr>
-              <a:t>https://github.com/UWCNuclear/PeakFitting.git</a:t>
+              <a:t>https://github.com/UWCNuclear/RootEffi.git</a:t>
             </a:r>
             <a:r>
               <a:rPr lang="en-US" sz="1600" spc="-1" dirty="0">

--- a/Introduction.pptx
+++ b/Introduction.pptx
@@ -12,8 +12,6 @@
     <p:sldId id="286" r:id="rId6"/>
     <p:sldId id="281" r:id="rId7"/>
     <p:sldId id="282" r:id="rId8"/>
-    <p:sldId id="287" r:id="rId9"/>
-    <p:sldId id="288" r:id="rId10"/>
   </p:sldIdLst>
   <p:sldSz cx="9144000" cy="5143500" type="screen16x9"/>
   <p:notesSz cx="7559675" cy="10691813"/>
@@ -136,28 +134,59 @@
 <pc:chgInfo xmlns:a="http://schemas.openxmlformats.org/drawingml/2006/main" xmlns:r="http://schemas.openxmlformats.org/officeDocument/2006/relationships" xmlns:ac="http://schemas.microsoft.com/office/drawing/2013/main/command" xmlns:pc="http://schemas.microsoft.com/office/powerpoint/2013/main/command">
   <pc:docChgLst>
     <pc:chgData name="Nikita ." userId="462e6218bc258e6f" providerId="LiveId" clId="{04381A7F-3832-476A-A651-902063B64EF0}"/>
-    <pc:docChg chg="modSld">
-      <pc:chgData name="Nikita ." userId="462e6218bc258e6f" providerId="LiveId" clId="{04381A7F-3832-476A-A651-902063B64EF0}" dt="2023-04-26T11:16:32.492" v="42" actId="20577"/>
+    <pc:docChg chg="undo custSel addSld delSld modSld sldOrd">
+      <pc:chgData name="Nikita ." userId="462e6218bc258e6f" providerId="LiveId" clId="{04381A7F-3832-476A-A651-902063B64EF0}" dt="2023-04-27T14:36:54.327" v="116" actId="47"/>
       <pc:docMkLst>
         <pc:docMk/>
       </pc:docMkLst>
-      <pc:sldChg chg="modSp mod">
-        <pc:chgData name="Nikita ." userId="462e6218bc258e6f" providerId="LiveId" clId="{04381A7F-3832-476A-A651-902063B64EF0}" dt="2023-04-26T11:16:32.492" v="42" actId="20577"/>
+      <pc:sldChg chg="modSp mod modAnim">
+        <pc:chgData name="Nikita ." userId="462e6218bc258e6f" providerId="LiveId" clId="{04381A7F-3832-476A-A651-902063B64EF0}" dt="2023-04-27T14:33:54.128" v="89" actId="20577"/>
+        <pc:sldMkLst>
+          <pc:docMk/>
+          <pc:sldMk cId="4129018277" sldId="280"/>
+        </pc:sldMkLst>
+        <pc:spChg chg="mod">
+          <ac:chgData name="Nikita ." userId="462e6218bc258e6f" providerId="LiveId" clId="{04381A7F-3832-476A-A651-902063B64EF0}" dt="2023-04-27T14:33:20.756" v="84" actId="14100"/>
+          <ac:spMkLst>
+            <pc:docMk/>
+            <pc:sldMk cId="4129018277" sldId="280"/>
+            <ac:spMk id="7" creationId="{0FF64145-BAE8-4C6F-AADF-D9F33BCACC2D}"/>
+          </ac:spMkLst>
+        </pc:spChg>
+        <pc:spChg chg="mod">
+          <ac:chgData name="Nikita ." userId="462e6218bc258e6f" providerId="LiveId" clId="{04381A7F-3832-476A-A651-902063B64EF0}" dt="2023-04-27T14:33:54.128" v="89" actId="20577"/>
+          <ac:spMkLst>
+            <pc:docMk/>
+            <pc:sldMk cId="4129018277" sldId="280"/>
+            <ac:spMk id="8" creationId="{47DCCAE0-5E0D-4AF9-BB4F-A5051CB85103}"/>
+          </ac:spMkLst>
+        </pc:spChg>
+      </pc:sldChg>
+      <pc:sldChg chg="modSp del mod ord">
+        <pc:chgData name="Nikita ." userId="462e6218bc258e6f" providerId="LiveId" clId="{04381A7F-3832-476A-A651-902063B64EF0}" dt="2023-04-27T14:36:54.327" v="116" actId="47"/>
         <pc:sldMkLst>
           <pc:docMk/>
           <pc:sldMk cId="3267660822" sldId="287"/>
         </pc:sldMkLst>
         <pc:spChg chg="mod">
-          <ac:chgData name="Nikita ." userId="462e6218bc258e6f" providerId="LiveId" clId="{04381A7F-3832-476A-A651-902063B64EF0}" dt="2023-04-26T11:16:32.492" v="42" actId="20577"/>
+          <ac:chgData name="Nikita ." userId="462e6218bc258e6f" providerId="LiveId" clId="{04381A7F-3832-476A-A651-902063B64EF0}" dt="2023-04-27T14:35:42.579" v="114" actId="6549"/>
           <ac:spMkLst>
             <pc:docMk/>
             <pc:sldMk cId="3267660822" sldId="287"/>
             <ac:spMk id="8" creationId="{47DCCAE0-5E0D-4AF9-BB4F-A5051CB85103}"/>
           </ac:spMkLst>
         </pc:spChg>
+        <pc:spChg chg="mod">
+          <ac:chgData name="Nikita ." userId="462e6218bc258e6f" providerId="LiveId" clId="{04381A7F-3832-476A-A651-902063B64EF0}" dt="2023-04-27T14:34:33.332" v="95" actId="20577"/>
+          <ac:spMkLst>
+            <pc:docMk/>
+            <pc:sldMk cId="3267660822" sldId="287"/>
+            <ac:spMk id="58" creationId="{00000000-0000-0000-0000-000000000000}"/>
+          </ac:spMkLst>
+        </pc:spChg>
       </pc:sldChg>
-      <pc:sldChg chg="modSp mod">
-        <pc:chgData name="Nikita ." userId="462e6218bc258e6f" providerId="LiveId" clId="{04381A7F-3832-476A-A651-902063B64EF0}" dt="2023-04-26T11:13:14.103" v="40" actId="20577"/>
+      <pc:sldChg chg="modSp add del mod ord">
+        <pc:chgData name="Nikita ." userId="462e6218bc258e6f" providerId="LiveId" clId="{04381A7F-3832-476A-A651-902063B64EF0}" dt="2023-04-27T14:36:53.557" v="115" actId="47"/>
         <pc:sldMkLst>
           <pc:docMk/>
           <pc:sldMk cId="3558956554" sldId="288"/>
@@ -168,6 +197,22 @@
             <pc:docMk/>
             <pc:sldMk cId="3558956554" sldId="288"/>
             <ac:spMk id="8" creationId="{47DCCAE0-5E0D-4AF9-BB4F-A5051CB85103}"/>
+          </ac:spMkLst>
+        </pc:spChg>
+        <pc:spChg chg="mod">
+          <ac:chgData name="Nikita ." userId="462e6218bc258e6f" providerId="LiveId" clId="{04381A7F-3832-476A-A651-902063B64EF0}" dt="2023-04-27T14:34:58.692" v="111" actId="20577"/>
+          <ac:spMkLst>
+            <pc:docMk/>
+            <pc:sldMk cId="3558956554" sldId="288"/>
+            <ac:spMk id="57" creationId="{00000000-0000-0000-0000-000000000000}"/>
+          </ac:spMkLst>
+        </pc:spChg>
+        <pc:spChg chg="mod">
+          <ac:chgData name="Nikita ." userId="462e6218bc258e6f" providerId="LiveId" clId="{04381A7F-3832-476A-A651-902063B64EF0}" dt="2023-04-27T14:34:29.426" v="94" actId="20577"/>
+          <ac:spMkLst>
+            <pc:docMk/>
+            <pc:sldMk cId="3558956554" sldId="288"/>
+            <ac:spMk id="58" creationId="{00000000-0000-0000-0000-000000000000}"/>
           </ac:spMkLst>
         </pc:spChg>
       </pc:sldChg>
@@ -317,7 +362,7 @@
                 </a:solidFill>
                 <a:latin typeface="Myriad Pro"/>
               </a:rPr>
-              <a:t>2023/04/26</a:t>
+              <a:t>2023/04/27</a:t>
             </a:fld>
             <a:endParaRPr lang="en-ZA" sz="1800" b="0" strike="noStrike" spc="-1">
               <a:latin typeface="Times New Roman"/>
@@ -513,7 +558,7 @@
                 </a:solidFill>
                 <a:latin typeface="Myriad Pro"/>
               </a:rPr>
-              <a:t>2023/04/26</a:t>
+              <a:t>2023/04/27</a:t>
             </a:fld>
             <a:endParaRPr lang="en-ZA" sz="1800" b="0" strike="noStrike" spc="-1">
               <a:latin typeface="Times New Roman"/>
@@ -719,7 +764,7 @@
                 </a:solidFill>
                 <a:latin typeface="Myriad Pro"/>
               </a:rPr>
-              <a:t>2023/04/26</a:t>
+              <a:t>2023/04/27</a:t>
             </a:fld>
             <a:endParaRPr lang="en-ZA" sz="1800" b="0" strike="noStrike" spc="-1">
               <a:latin typeface="Times New Roman"/>
@@ -915,7 +960,7 @@
                 </a:solidFill>
                 <a:latin typeface="Myriad Pro"/>
               </a:rPr>
-              <a:t>2023/04/26</a:t>
+              <a:t>2023/04/27</a:t>
             </a:fld>
             <a:endParaRPr lang="en-ZA" sz="1800" b="0" strike="noStrike" spc="-1">
               <a:latin typeface="Times New Roman"/>
@@ -1187,7 +1232,7 @@
                 </a:solidFill>
                 <a:latin typeface="Myriad Pro"/>
               </a:rPr>
-              <a:t>2023/04/26</a:t>
+              <a:t>2023/04/27</a:t>
             </a:fld>
             <a:endParaRPr lang="en-ZA" sz="1800" b="0" strike="noStrike" spc="-1">
               <a:latin typeface="Times New Roman"/>
@@ -1445,7 +1490,7 @@
                 </a:solidFill>
                 <a:latin typeface="Myriad Pro"/>
               </a:rPr>
-              <a:t>2023/04/26</a:t>
+              <a:t>2023/04/27</a:t>
             </a:fld>
             <a:endParaRPr lang="en-ZA" sz="1800" b="0" strike="noStrike" spc="-1">
               <a:latin typeface="Times New Roman"/>
@@ -1838,7 +1883,7 @@
                 </a:solidFill>
                 <a:latin typeface="Myriad Pro"/>
               </a:rPr>
-              <a:t>2023/04/26</a:t>
+              <a:t>2023/04/27</a:t>
             </a:fld>
             <a:endParaRPr lang="en-ZA" sz="1800" b="0" strike="noStrike" spc="-1">
               <a:latin typeface="Times New Roman"/>
@@ -1982,7 +2027,7 @@
                 </a:solidFill>
                 <a:latin typeface="Myriad Pro"/>
               </a:rPr>
-              <a:t>2023/04/26</a:t>
+              <a:t>2023/04/27</a:t>
             </a:fld>
             <a:endParaRPr lang="en-ZA" sz="1800" b="0" strike="noStrike" spc="-1">
               <a:latin typeface="Times New Roman"/>
@@ -2103,7 +2148,7 @@
                 </a:solidFill>
                 <a:latin typeface="Myriad Pro"/>
               </a:rPr>
-              <a:t>2023/04/26</a:t>
+              <a:t>2023/04/27</a:t>
             </a:fld>
             <a:endParaRPr lang="en-ZA" sz="1800" b="0" strike="noStrike" spc="-1">
               <a:latin typeface="Times New Roman"/>
@@ -2406,7 +2451,7 @@
                 </a:solidFill>
                 <a:latin typeface="Myriad Pro"/>
               </a:rPr>
-              <a:t>2023/04/26</a:t>
+              <a:t>2023/04/27</a:t>
             </a:fld>
             <a:endParaRPr lang="en-ZA" sz="1800" b="0" strike="noStrike" spc="-1">
               <a:latin typeface="Times New Roman"/>
@@ -2689,7 +2734,7 @@
                 </a:solidFill>
                 <a:latin typeface="Myriad Pro"/>
               </a:rPr>
-              <a:t>2023/04/26</a:t>
+              <a:t>2023/04/27</a:t>
             </a:fld>
             <a:endParaRPr lang="en-ZA" sz="1800" b="0" strike="noStrike" spc="-1">
               <a:latin typeface="Times New Roman"/>
@@ -2928,7 +2973,7 @@
                 </a:solidFill>
                 <a:latin typeface="Myriad Pro"/>
               </a:rPr>
-              <a:t>2023/04/26</a:t>
+              <a:t>2023/04/27</a:t>
             </a:fld>
             <a:endParaRPr lang="en-ZA" sz="1800" b="0" strike="noStrike" spc="-1">
               <a:latin typeface="Times New Roman"/>
@@ -3804,8 +3849,27 @@
                 <a:ea typeface="ヒラギノ角ゴ Pro W3"/>
                 <a:cs typeface="Arial" panose="020B0604020202020204" pitchFamily="34" charset="0"/>
               </a:rPr>
-              <a:t>How to compile a code</a:t>
-            </a:r>
+              <a:t>How to fit peaks with </a:t>
+            </a:r>
+            <a:r>
+              <a:rPr lang="en-ZA" sz="1600" spc="-1" dirty="0" err="1">
+                <a:solidFill>
+                  <a:srgbClr val="002060"/>
+                </a:solidFill>
+                <a:latin typeface="Arial" panose="020B0604020202020204" pitchFamily="34" charset="0"/>
+                <a:ea typeface="ヒラギノ角ゴ Pro W3"/>
+                <a:cs typeface="Arial" panose="020B0604020202020204" pitchFamily="34" charset="0"/>
+              </a:rPr>
+              <a:t>GRSISort</a:t>
+            </a:r>
+            <a:endParaRPr lang="en-ZA" sz="1600" spc="-1" dirty="0">
+              <a:solidFill>
+                <a:srgbClr val="002060"/>
+              </a:solidFill>
+              <a:latin typeface="Arial" panose="020B0604020202020204" pitchFamily="34" charset="0"/>
+              <a:ea typeface="ヒラギノ角ゴ Pro W3"/>
+              <a:cs typeface="Arial" panose="020B0604020202020204" pitchFamily="34" charset="0"/>
+            </a:endParaRPr>
           </a:p>
           <a:p>
             <a:pPr marL="800280" lvl="1" indent="-342720">
@@ -3827,49 +3891,7 @@
                 <a:ea typeface="ヒラギノ角ゴ Pro W3"/>
                 <a:cs typeface="Arial" panose="020B0604020202020204" pitchFamily="34" charset="0"/>
               </a:rPr>
-              <a:t>How to fit peaks with </a:t>
-            </a:r>
-            <a:r>
-              <a:rPr lang="en-ZA" sz="1600" spc="-1" dirty="0" err="1">
-                <a:solidFill>
-                  <a:srgbClr val="002060"/>
-                </a:solidFill>
-                <a:latin typeface="Arial" panose="020B0604020202020204" pitchFamily="34" charset="0"/>
-                <a:ea typeface="ヒラギノ角ゴ Pro W3"/>
-                <a:cs typeface="Arial" panose="020B0604020202020204" pitchFamily="34" charset="0"/>
-              </a:rPr>
-              <a:t>GRSISort</a:t>
-            </a:r>
-            <a:endParaRPr lang="en-ZA" sz="1600" spc="-1" dirty="0">
-              <a:solidFill>
-                <a:srgbClr val="002060"/>
-              </a:solidFill>
-              <a:latin typeface="Arial" panose="020B0604020202020204" pitchFamily="34" charset="0"/>
-              <a:ea typeface="ヒラギノ角ゴ Pro W3"/>
-              <a:cs typeface="Arial" panose="020B0604020202020204" pitchFamily="34" charset="0"/>
-            </a:endParaRPr>
-          </a:p>
-          <a:p>
-            <a:pPr marL="800280" lvl="1" indent="-342720">
-              <a:spcBef>
-                <a:spcPts val="320"/>
-              </a:spcBef>
-              <a:buClr>
-                <a:srgbClr val="002060"/>
-              </a:buClr>
-              <a:buFont typeface="Wingdings" charset="2"/>
-              <a:buChar char=""/>
-            </a:pPr>
-            <a:r>
-              <a:rPr lang="en-ZA" sz="1600" spc="-1" dirty="0">
-                <a:solidFill>
-                  <a:srgbClr val="002060"/>
-                </a:solidFill>
-                <a:latin typeface="Arial" panose="020B0604020202020204" pitchFamily="34" charset="0"/>
-                <a:ea typeface="ヒラギノ角ゴ Pro W3"/>
-                <a:cs typeface="Arial" panose="020B0604020202020204" pitchFamily="34" charset="0"/>
-              </a:rPr>
-              <a:t>How to run a script in ROOT and </a:t>
+              <a:t>How to run a script in ROOT/</a:t>
             </a:r>
             <a:r>
               <a:rPr lang="en-ZA" sz="1600" spc="-1" dirty="0" err="1">
@@ -3954,7 +3976,7 @@
         <p:spPr>
           <a:xfrm>
             <a:off x="141236" y="624030"/>
-            <a:ext cx="8330819" cy="1786662"/>
+            <a:ext cx="8725673" cy="1786662"/>
           </a:xfrm>
           <a:prstGeom prst="rect">
             <a:avLst/>
@@ -4217,7 +4239,7 @@
                 <a:ea typeface="ヒラギノ角ゴ Pro W3"/>
                 <a:cs typeface="Arial" panose="020B0604020202020204" pitchFamily="34" charset="0"/>
               </a:rPr>
-              <a:t>Submit your fitted peaks, your edited </a:t>
+              <a:t>Submit screenshots of your fitted peaks, edited </a:t>
             </a:r>
             <a:r>
               <a:rPr lang="en-US" sz="1600" strike="noStrike" spc="-1" dirty="0" err="1">
@@ -4239,7 +4261,7 @@
                 <a:ea typeface="ヒラギノ角ゴ Pro W3"/>
                 <a:cs typeface="Arial" panose="020B0604020202020204" pitchFamily="34" charset="0"/>
               </a:rPr>
-              <a:t> script and your efficiency curve </a:t>
+              <a:t> script and efficiency curve </a:t>
             </a:r>
             <a:r>
               <a:rPr lang="en-US" sz="1600" spc="-1" dirty="0">
@@ -14885,1882 +14907,6 @@
 </p:sld>
 </file>
 
-<file path=ppt/slides/slide8.xml><?xml version="1.0" encoding="utf-8"?>
-<p:sld xmlns:a="http://schemas.openxmlformats.org/drawingml/2006/main" xmlns:r="http://schemas.openxmlformats.org/officeDocument/2006/relationships" xmlns:p="http://schemas.openxmlformats.org/presentationml/2006/main">
-  <p:cSld>
-    <p:spTree>
-      <p:nvGrpSpPr>
-        <p:cNvPr id="1" name=""/>
-        <p:cNvGrpSpPr/>
-        <p:nvPr/>
-      </p:nvGrpSpPr>
-      <p:grpSpPr>
-        <a:xfrm>
-          <a:off x="0" y="0"/>
-          <a:ext cx="0" cy="0"/>
-          <a:chOff x="0" y="0"/>
-          <a:chExt cx="0" cy="0"/>
-        </a:xfrm>
-      </p:grpSpPr>
-      <p:pic>
-        <p:nvPicPr>
-          <p:cNvPr id="55" name="Image 6"/>
-          <p:cNvPicPr/>
-          <p:nvPr/>
-        </p:nvPicPr>
-        <p:blipFill>
-          <a:blip r:embed="rId2"/>
-          <a:stretch/>
-        </p:blipFill>
-        <p:spPr>
-          <a:xfrm>
-            <a:off x="1404720" y="0"/>
-            <a:ext cx="7738920" cy="477000"/>
-          </a:xfrm>
-          <a:prstGeom prst="rect">
-            <a:avLst/>
-          </a:prstGeom>
-          <a:ln>
-            <a:noFill/>
-          </a:ln>
-        </p:spPr>
-      </p:pic>
-      <p:pic>
-        <p:nvPicPr>
-          <p:cNvPr id="56" name="Image 7"/>
-          <p:cNvPicPr/>
-          <p:nvPr/>
-        </p:nvPicPr>
-        <p:blipFill>
-          <a:blip r:embed="rId3"/>
-          <a:stretch/>
-        </p:blipFill>
-        <p:spPr>
-          <a:xfrm>
-            <a:off x="0" y="0"/>
-            <a:ext cx="1419120" cy="477000"/>
-          </a:xfrm>
-          <a:prstGeom prst="rect">
-            <a:avLst/>
-          </a:prstGeom>
-          <a:ln>
-            <a:noFill/>
-          </a:ln>
-        </p:spPr>
-      </p:pic>
-      <p:sp>
-        <p:nvSpPr>
-          <p:cNvPr id="57" name="TextShape 1"/>
-          <p:cNvSpPr txBox="1"/>
-          <p:nvPr/>
-        </p:nvSpPr>
-        <p:spPr>
-          <a:xfrm>
-            <a:off x="2646360" y="0"/>
-            <a:ext cx="6117480" cy="469440"/>
-          </a:xfrm>
-          <a:prstGeom prst="rect">
-            <a:avLst/>
-          </a:prstGeom>
-          <a:noFill/>
-          <a:ln>
-            <a:noFill/>
-          </a:ln>
-        </p:spPr>
-        <p:txBody>
-          <a:bodyPr anchor="ctr"/>
-          <a:lstStyle/>
-          <a:p>
-            <a:pPr algn="r"/>
-            <a:r>
-              <a:rPr lang="en-US" sz="2000" b="0" strike="noStrike" spc="-1" dirty="0">
-                <a:solidFill>
-                  <a:srgbClr val="FFFFFF"/>
-                </a:solidFill>
-                <a:latin typeface="Arial"/>
-              </a:rPr>
-              <a:t>How to Fit Peaks with </a:t>
-            </a:r>
-            <a:r>
-              <a:rPr lang="en-US" sz="2000" b="0" strike="noStrike" spc="-1" dirty="0" err="1">
-                <a:solidFill>
-                  <a:srgbClr val="FFFFFF"/>
-                </a:solidFill>
-                <a:latin typeface="Arial"/>
-              </a:rPr>
-              <a:t>GRSISort</a:t>
-            </a:r>
-            <a:endParaRPr lang="en-US" sz="2000" b="0" strike="noStrike" spc="-1" dirty="0">
-              <a:solidFill>
-                <a:srgbClr val="000000"/>
-              </a:solidFill>
-              <a:latin typeface="Calibri"/>
-            </a:endParaRPr>
-          </a:p>
-        </p:txBody>
-      </p:sp>
-      <p:sp>
-        <p:nvSpPr>
-          <p:cNvPr id="58" name="CustomShape 2"/>
-          <p:cNvSpPr/>
-          <p:nvPr/>
-        </p:nvSpPr>
-        <p:spPr>
-          <a:xfrm>
-            <a:off x="8420760" y="-69840"/>
-            <a:ext cx="726120" cy="390240"/>
-          </a:xfrm>
-          <a:prstGeom prst="rect">
-            <a:avLst/>
-          </a:prstGeom>
-          <a:noFill/>
-          <a:ln>
-            <a:noFill/>
-          </a:ln>
-        </p:spPr>
-        <p:style>
-          <a:lnRef idx="0">
-            <a:scrgbClr r="0" g="0" b="0"/>
-          </a:lnRef>
-          <a:fillRef idx="0">
-            <a:scrgbClr r="0" g="0" b="0"/>
-          </a:fillRef>
-          <a:effectRef idx="0">
-            <a:scrgbClr r="0" g="0" b="0"/>
-          </a:effectRef>
-          <a:fontRef idx="minor"/>
-        </p:style>
-        <p:txBody>
-          <a:bodyPr lIns="90000" tIns="45000" rIns="90000" bIns="45000" anchor="ctr"/>
-          <a:lstStyle/>
-          <a:p>
-            <a:pPr algn="r">
-              <a:lnSpc>
-                <a:spcPts val="3039"/>
-              </a:lnSpc>
-            </a:pPr>
-            <a:r>
-              <a:rPr lang="en-ZA" sz="1300" b="1" strike="noStrike" spc="-1" dirty="0">
-                <a:solidFill>
-                  <a:srgbClr val="FFFFFF"/>
-                </a:solidFill>
-                <a:latin typeface="Arial"/>
-                <a:ea typeface="MS PGothic"/>
-              </a:rPr>
-              <a:t>8</a:t>
-            </a:r>
-            <a:endParaRPr lang="en-ZA" sz="1300" b="0" strike="noStrike" spc="-1" dirty="0">
-              <a:latin typeface="Arial"/>
-            </a:endParaRPr>
-          </a:p>
-        </p:txBody>
-      </p:sp>
-      <p:sp>
-        <p:nvSpPr>
-          <p:cNvPr id="8" name="CustomShape 3">
-            <a:extLst>
-              <a:ext uri="{FF2B5EF4-FFF2-40B4-BE49-F238E27FC236}">
-                <a16:creationId xmlns:a16="http://schemas.microsoft.com/office/drawing/2014/main" id="{47DCCAE0-5E0D-4AF9-BB4F-A5051CB85103}"/>
-              </a:ext>
-            </a:extLst>
-          </p:cNvPr>
-          <p:cNvSpPr/>
-          <p:nvPr/>
-        </p:nvSpPr>
-        <p:spPr>
-          <a:xfrm>
-            <a:off x="141235" y="624028"/>
-            <a:ext cx="8843437" cy="4328972"/>
-          </a:xfrm>
-          <a:prstGeom prst="rect">
-            <a:avLst/>
-          </a:prstGeom>
-          <a:noFill/>
-          <a:ln>
-            <a:noFill/>
-          </a:ln>
-        </p:spPr>
-        <p:style>
-          <a:lnRef idx="0">
-            <a:scrgbClr r="0" g="0" b="0"/>
-          </a:lnRef>
-          <a:fillRef idx="0">
-            <a:scrgbClr r="0" g="0" b="0"/>
-          </a:fillRef>
-          <a:effectRef idx="0">
-            <a:scrgbClr r="0" g="0" b="0"/>
-          </a:effectRef>
-          <a:fontRef idx="minor"/>
-        </p:style>
-        <p:txBody>
-          <a:bodyPr lIns="90000" tIns="45000" rIns="90000" bIns="45000"/>
-          <a:lstStyle/>
-          <a:p>
-            <a:pPr marL="343080" indent="-342720">
-              <a:lnSpc>
-                <a:spcPct val="100000"/>
-              </a:lnSpc>
-              <a:spcBef>
-                <a:spcPts val="320"/>
-              </a:spcBef>
-              <a:buClr>
-                <a:srgbClr val="002060"/>
-              </a:buClr>
-              <a:buFont typeface="Wingdings" charset="2"/>
-              <a:buChar char=""/>
-            </a:pPr>
-            <a:r>
-              <a:rPr lang="en-US" sz="1600" spc="-1" dirty="0">
-                <a:solidFill>
-                  <a:srgbClr val="002060"/>
-                </a:solidFill>
-                <a:latin typeface="Arial" panose="020B0604020202020204" pitchFamily="34" charset="0"/>
-                <a:ea typeface="ヒラギノ角ゴ Pro W3"/>
-                <a:cs typeface="Arial" panose="020B0604020202020204" pitchFamily="34" charset="0"/>
-              </a:rPr>
-              <a:t>Installation instructions at </a:t>
-            </a:r>
-            <a:r>
-              <a:rPr lang="en-US" sz="1600" spc="-1" dirty="0">
-                <a:solidFill>
-                  <a:srgbClr val="002060"/>
-                </a:solidFill>
-                <a:latin typeface="Arial" panose="020B0604020202020204" pitchFamily="34" charset="0"/>
-                <a:ea typeface="ヒラギノ角ゴ Pro W3"/>
-                <a:cs typeface="Arial" panose="020B0604020202020204" pitchFamily="34" charset="0"/>
-                <a:hlinkClick r:id="rId4"/>
-              </a:rPr>
-              <a:t>https://github.com/UWCNuclear/UbuntuSetUp</a:t>
-            </a:r>
-            <a:endParaRPr lang="en-US" sz="1600" spc="-1" dirty="0">
-              <a:solidFill>
-                <a:srgbClr val="002060"/>
-              </a:solidFill>
-              <a:latin typeface="Arial" panose="020B0604020202020204" pitchFamily="34" charset="0"/>
-              <a:ea typeface="ヒラギノ角ゴ Pro W3"/>
-              <a:cs typeface="Arial" panose="020B0604020202020204" pitchFamily="34" charset="0"/>
-            </a:endParaRPr>
-          </a:p>
-          <a:p>
-            <a:pPr marL="343080" indent="-342720">
-              <a:lnSpc>
-                <a:spcPct val="100000"/>
-              </a:lnSpc>
-              <a:spcBef>
-                <a:spcPts val="320"/>
-              </a:spcBef>
-              <a:buClr>
-                <a:srgbClr val="002060"/>
-              </a:buClr>
-              <a:buFont typeface="Wingdings" charset="2"/>
-              <a:buChar char=""/>
-            </a:pPr>
-            <a:endParaRPr lang="en-US" sz="1600" spc="-1" dirty="0">
-              <a:solidFill>
-                <a:srgbClr val="002060"/>
-              </a:solidFill>
-              <a:latin typeface="Arial" panose="020B0604020202020204" pitchFamily="34" charset="0"/>
-              <a:ea typeface="ヒラギノ角ゴ Pro W3"/>
-              <a:cs typeface="Arial" panose="020B0604020202020204" pitchFamily="34" charset="0"/>
-            </a:endParaRPr>
-          </a:p>
-          <a:p>
-            <a:pPr marL="343080" indent="-342720">
-              <a:lnSpc>
-                <a:spcPct val="100000"/>
-              </a:lnSpc>
-              <a:spcBef>
-                <a:spcPts val="320"/>
-              </a:spcBef>
-              <a:buClr>
-                <a:srgbClr val="002060"/>
-              </a:buClr>
-              <a:buFont typeface="Wingdings" charset="2"/>
-              <a:buChar char=""/>
-            </a:pPr>
-            <a:r>
-              <a:rPr lang="en-US" sz="1600" spc="-1" dirty="0">
-                <a:solidFill>
-                  <a:srgbClr val="002060"/>
-                </a:solidFill>
-                <a:latin typeface="Arial" panose="020B0604020202020204" pitchFamily="34" charset="0"/>
-                <a:ea typeface="ヒラギノ角ゴ Pro W3"/>
-                <a:cs typeface="Arial" panose="020B0604020202020204" pitchFamily="34" charset="0"/>
-              </a:rPr>
-              <a:t>Open the file with “ </a:t>
-            </a:r>
-            <a:r>
-              <a:rPr lang="en-US" sz="1600" spc="-1" dirty="0" err="1">
-                <a:solidFill>
-                  <a:srgbClr val="002060"/>
-                </a:solidFill>
-                <a:latin typeface="Arial" panose="020B0604020202020204" pitchFamily="34" charset="0"/>
-                <a:ea typeface="ヒラギノ角ゴ Pro W3"/>
-                <a:cs typeface="Arial" panose="020B0604020202020204" pitchFamily="34" charset="0"/>
-              </a:rPr>
-              <a:t>grsisort</a:t>
-            </a:r>
-            <a:r>
-              <a:rPr lang="en-US" sz="1600" spc="-1" dirty="0">
-                <a:solidFill>
-                  <a:srgbClr val="002060"/>
-                </a:solidFill>
-                <a:latin typeface="Arial" panose="020B0604020202020204" pitchFamily="34" charset="0"/>
-                <a:ea typeface="ヒラギノ角ゴ Pro W3"/>
-                <a:cs typeface="Arial" panose="020B0604020202020204" pitchFamily="34" charset="0"/>
-              </a:rPr>
-              <a:t> -l Eu152_</a:t>
-            </a:r>
-            <a:r>
-              <a:rPr lang="en-US" sz="1600" b="1" i="1" spc="-1" dirty="0">
-                <a:solidFill>
-                  <a:srgbClr val="002060"/>
-                </a:solidFill>
-                <a:latin typeface="Arial" panose="020B0604020202020204" pitchFamily="34" charset="0"/>
-                <a:ea typeface="ヒラギノ角ゴ Pro W3"/>
-                <a:cs typeface="Arial" panose="020B0604020202020204" pitchFamily="34" charset="0"/>
-              </a:rPr>
-              <a:t>ARRAYNAME</a:t>
-            </a:r>
-            <a:r>
-              <a:rPr lang="en-US" sz="1600" spc="-1" dirty="0">
-                <a:solidFill>
-                  <a:srgbClr val="002060"/>
-                </a:solidFill>
-                <a:latin typeface="Arial" panose="020B0604020202020204" pitchFamily="34" charset="0"/>
-                <a:ea typeface="ヒラギノ角ゴ Pro W3"/>
-                <a:cs typeface="Arial" panose="020B0604020202020204" pitchFamily="34" charset="0"/>
-              </a:rPr>
-              <a:t>.root ”</a:t>
-            </a:r>
-          </a:p>
-          <a:p>
-            <a:pPr marL="343080" indent="-342720">
-              <a:lnSpc>
-                <a:spcPct val="100000"/>
-              </a:lnSpc>
-              <a:spcBef>
-                <a:spcPts val="320"/>
-              </a:spcBef>
-              <a:buClr>
-                <a:srgbClr val="002060"/>
-              </a:buClr>
-              <a:buFont typeface="Wingdings" charset="2"/>
-              <a:buChar char=""/>
-            </a:pPr>
-            <a:r>
-              <a:rPr lang="en-US" sz="1600" spc="-1" dirty="0">
-                <a:solidFill>
-                  <a:srgbClr val="002060"/>
-                </a:solidFill>
-                <a:latin typeface="Arial" panose="020B0604020202020204" pitchFamily="34" charset="0"/>
-                <a:ea typeface="ヒラギノ角ゴ Pro W3"/>
-                <a:cs typeface="Arial" panose="020B0604020202020204" pitchFamily="34" charset="0"/>
-              </a:rPr>
-              <a:t>See the list of histograms in the file with “.ls”</a:t>
-            </a:r>
-          </a:p>
-          <a:p>
-            <a:pPr marL="343080" indent="-342720">
-              <a:lnSpc>
-                <a:spcPct val="100000"/>
-              </a:lnSpc>
-              <a:spcBef>
-                <a:spcPts val="320"/>
-              </a:spcBef>
-              <a:buClr>
-                <a:srgbClr val="002060"/>
-              </a:buClr>
-              <a:buFont typeface="Wingdings" charset="2"/>
-              <a:buChar char=""/>
-            </a:pPr>
-            <a:r>
-              <a:rPr lang="en-US" sz="1600" strike="noStrike" spc="-1" dirty="0">
-                <a:solidFill>
-                  <a:srgbClr val="002060"/>
-                </a:solidFill>
-                <a:latin typeface="Arial" panose="020B0604020202020204" pitchFamily="34" charset="0"/>
-                <a:ea typeface="ヒラギノ角ゴ Pro W3"/>
-                <a:cs typeface="Arial" panose="020B0604020202020204" pitchFamily="34" charset="0"/>
-              </a:rPr>
-              <a:t>Draw histogram with “ </a:t>
-            </a:r>
-            <a:r>
-              <a:rPr lang="en-US" sz="1600" strike="noStrike" spc="-1" dirty="0" err="1">
-                <a:solidFill>
-                  <a:srgbClr val="002060"/>
-                </a:solidFill>
-                <a:latin typeface="Arial" panose="020B0604020202020204" pitchFamily="34" charset="0"/>
-                <a:ea typeface="ヒラギノ角ゴ Pro W3"/>
-                <a:cs typeface="Arial" panose="020B0604020202020204" pitchFamily="34" charset="0"/>
-              </a:rPr>
-              <a:t>gammaSingles</a:t>
-            </a:r>
-            <a:r>
-              <a:rPr lang="en-US" sz="1600" strike="noStrike" spc="-1" dirty="0">
-                <a:solidFill>
-                  <a:srgbClr val="002060"/>
-                </a:solidFill>
-                <a:latin typeface="Arial" panose="020B0604020202020204" pitchFamily="34" charset="0"/>
-                <a:ea typeface="ヒラギノ角ゴ Pro W3"/>
-                <a:cs typeface="Arial" panose="020B0604020202020204" pitchFamily="34" charset="0"/>
-              </a:rPr>
-              <a:t>-&gt;Draw() ”</a:t>
-            </a:r>
-          </a:p>
-          <a:p>
-            <a:pPr marL="343080" indent="-342720">
-              <a:spcBef>
-                <a:spcPts val="320"/>
-              </a:spcBef>
-              <a:buClr>
-                <a:srgbClr val="002060"/>
-              </a:buClr>
-              <a:buFont typeface="Wingdings" charset="2"/>
-              <a:buChar char=""/>
-            </a:pPr>
-            <a:r>
-              <a:rPr lang="en-US" sz="1600" spc="-1" dirty="0">
-                <a:solidFill>
-                  <a:srgbClr val="002060"/>
-                </a:solidFill>
-                <a:latin typeface="Arial" panose="020B0604020202020204" pitchFamily="34" charset="0"/>
-                <a:ea typeface="ヒラギノ角ゴ Pro W3"/>
-                <a:cs typeface="Arial" panose="020B0604020202020204" pitchFamily="34" charset="0"/>
-              </a:rPr>
-              <a:t>Display rough peak energies by pressing “s”</a:t>
-            </a:r>
-            <a:endParaRPr lang="en-US" sz="1600" strike="noStrike" spc="-1" dirty="0">
-              <a:solidFill>
-                <a:srgbClr val="002060"/>
-              </a:solidFill>
-              <a:latin typeface="Arial" panose="020B0604020202020204" pitchFamily="34" charset="0"/>
-              <a:ea typeface="ヒラギノ角ゴ Pro W3"/>
-              <a:cs typeface="Arial" panose="020B0604020202020204" pitchFamily="34" charset="0"/>
-            </a:endParaRPr>
-          </a:p>
-          <a:p>
-            <a:pPr marL="343080" indent="-342720">
-              <a:spcBef>
-                <a:spcPts val="320"/>
-              </a:spcBef>
-              <a:buClr>
-                <a:srgbClr val="002060"/>
-              </a:buClr>
-              <a:buFont typeface="Wingdings" charset="2"/>
-              <a:buChar char=""/>
-            </a:pPr>
-            <a:r>
-              <a:rPr lang="en-US" sz="1600" strike="noStrike" spc="-1" dirty="0">
-                <a:solidFill>
-                  <a:srgbClr val="002060"/>
-                </a:solidFill>
-                <a:latin typeface="Arial" panose="020B0604020202020204" pitchFamily="34" charset="0"/>
-                <a:ea typeface="ヒラギノ角ゴ Pro W3"/>
-                <a:cs typeface="Arial" panose="020B0604020202020204" pitchFamily="34" charset="0"/>
-              </a:rPr>
-              <a:t>Click and drag on x-axis to zoom in, </a:t>
-            </a:r>
-            <a:r>
-              <a:rPr lang="en-ZA" sz="1600" strike="noStrike" spc="-1" dirty="0">
-                <a:solidFill>
-                  <a:srgbClr val="002060"/>
-                </a:solidFill>
-                <a:latin typeface="Arial" panose="020B0604020202020204" pitchFamily="34" charset="0"/>
-                <a:ea typeface="ヒラギノ角ゴ Pro W3"/>
-                <a:cs typeface="Arial" panose="020B0604020202020204" pitchFamily="34" charset="0"/>
-              </a:rPr>
-              <a:t>zoom out </a:t>
-            </a:r>
-            <a:r>
-              <a:rPr lang="en-US" sz="1600" spc="-1" dirty="0">
-                <a:solidFill>
-                  <a:srgbClr val="002060"/>
-                </a:solidFill>
-                <a:latin typeface="Arial" panose="020B0604020202020204" pitchFamily="34" charset="0"/>
-                <a:ea typeface="ヒラギノ角ゴ Pro W3"/>
-                <a:cs typeface="Arial" panose="020B0604020202020204" pitchFamily="34" charset="0"/>
-              </a:rPr>
-              <a:t>by pressing</a:t>
-            </a:r>
-            <a:r>
-              <a:rPr lang="en-ZA" sz="1600" strike="noStrike" spc="-1" dirty="0">
-                <a:solidFill>
-                  <a:srgbClr val="002060"/>
-                </a:solidFill>
-                <a:latin typeface="Arial" panose="020B0604020202020204" pitchFamily="34" charset="0"/>
-                <a:ea typeface="ヒラギノ角ゴ Pro W3"/>
-                <a:cs typeface="Arial" panose="020B0604020202020204" pitchFamily="34" charset="0"/>
-              </a:rPr>
-              <a:t> “o”</a:t>
-            </a:r>
-          </a:p>
-          <a:p>
-            <a:pPr marL="343080" indent="-342720">
-              <a:spcBef>
-                <a:spcPts val="320"/>
-              </a:spcBef>
-              <a:buClr>
-                <a:srgbClr val="002060"/>
-              </a:buClr>
-              <a:buFont typeface="Wingdings" charset="2"/>
-              <a:buChar char=""/>
-            </a:pPr>
-            <a:r>
-              <a:rPr lang="en-US" sz="1600" strike="noStrike" spc="-1" dirty="0">
-                <a:solidFill>
-                  <a:srgbClr val="002060"/>
-                </a:solidFill>
-                <a:latin typeface="Arial" panose="020B0604020202020204" pitchFamily="34" charset="0"/>
-                <a:ea typeface="ヒラギノ角ゴ Pro W3"/>
-                <a:cs typeface="Arial" panose="020B0604020202020204" pitchFamily="34" charset="0"/>
-              </a:rPr>
-              <a:t>Click and drag on y-axis to zoom in, right click and click “</a:t>
-            </a:r>
-            <a:r>
-              <a:rPr lang="en-US" sz="1600" strike="noStrike" spc="-1" dirty="0" err="1">
-                <a:solidFill>
-                  <a:srgbClr val="002060"/>
-                </a:solidFill>
-                <a:latin typeface="Arial" panose="020B0604020202020204" pitchFamily="34" charset="0"/>
-                <a:ea typeface="ヒラギノ角ゴ Pro W3"/>
-                <a:cs typeface="Arial" panose="020B0604020202020204" pitchFamily="34" charset="0"/>
-              </a:rPr>
-              <a:t>UnZoom</a:t>
-            </a:r>
-            <a:r>
-              <a:rPr lang="en-US" sz="1600" strike="noStrike" spc="-1" dirty="0">
-                <a:solidFill>
-                  <a:srgbClr val="002060"/>
-                </a:solidFill>
-                <a:latin typeface="Arial" panose="020B0604020202020204" pitchFamily="34" charset="0"/>
-                <a:ea typeface="ヒラギノ角ゴ Pro W3"/>
-                <a:cs typeface="Arial" panose="020B0604020202020204" pitchFamily="34" charset="0"/>
-              </a:rPr>
-              <a:t>” to z</a:t>
-            </a:r>
-            <a:r>
-              <a:rPr lang="en-ZA" sz="1600" strike="noStrike" spc="-1" dirty="0" err="1">
-                <a:solidFill>
-                  <a:srgbClr val="002060"/>
-                </a:solidFill>
-                <a:latin typeface="Arial" panose="020B0604020202020204" pitchFamily="34" charset="0"/>
-                <a:ea typeface="ヒラギノ角ゴ Pro W3"/>
-                <a:cs typeface="Arial" panose="020B0604020202020204" pitchFamily="34" charset="0"/>
-              </a:rPr>
-              <a:t>oom</a:t>
-            </a:r>
-            <a:r>
-              <a:rPr lang="en-ZA" sz="1600" strike="noStrike" spc="-1" dirty="0">
-                <a:solidFill>
-                  <a:srgbClr val="002060"/>
-                </a:solidFill>
-                <a:latin typeface="Arial" panose="020B0604020202020204" pitchFamily="34" charset="0"/>
-                <a:ea typeface="ヒラギノ角ゴ Pro W3"/>
-                <a:cs typeface="Arial" panose="020B0604020202020204" pitchFamily="34" charset="0"/>
-              </a:rPr>
-              <a:t> out</a:t>
-            </a:r>
-            <a:endParaRPr lang="en-US" sz="1600" strike="noStrike" spc="-1" dirty="0">
-              <a:solidFill>
-                <a:srgbClr val="002060"/>
-              </a:solidFill>
-              <a:latin typeface="Arial" panose="020B0604020202020204" pitchFamily="34" charset="0"/>
-              <a:ea typeface="ヒラギノ角ゴ Pro W3"/>
-              <a:cs typeface="Arial" panose="020B0604020202020204" pitchFamily="34" charset="0"/>
-            </a:endParaRPr>
-          </a:p>
-          <a:p>
-            <a:pPr marL="343080" indent="-342720">
-              <a:lnSpc>
-                <a:spcPct val="100000"/>
-              </a:lnSpc>
-              <a:spcBef>
-                <a:spcPts val="320"/>
-              </a:spcBef>
-              <a:buClr>
-                <a:srgbClr val="002060"/>
-              </a:buClr>
-              <a:buFont typeface="Wingdings" charset="2"/>
-              <a:buChar char=""/>
-            </a:pPr>
-            <a:r>
-              <a:rPr lang="en-US" sz="1600" strike="noStrike" spc="-1" dirty="0">
-                <a:solidFill>
-                  <a:srgbClr val="002060"/>
-                </a:solidFill>
-                <a:latin typeface="Arial" panose="020B0604020202020204" pitchFamily="34" charset="0"/>
-                <a:ea typeface="ヒラギノ角ゴ Pro W3"/>
-                <a:cs typeface="Arial" panose="020B0604020202020204" pitchFamily="34" charset="0"/>
-              </a:rPr>
-              <a:t>Click and click on spectrum to set the fitting boundaries around your peak</a:t>
-            </a:r>
-          </a:p>
-          <a:p>
-            <a:pPr marL="343080" indent="-342720">
-              <a:lnSpc>
-                <a:spcPct val="100000"/>
-              </a:lnSpc>
-              <a:spcBef>
-                <a:spcPts val="320"/>
-              </a:spcBef>
-              <a:buClr>
-                <a:srgbClr val="002060"/>
-              </a:buClr>
-              <a:buFont typeface="Wingdings" charset="2"/>
-              <a:buChar char=""/>
-            </a:pPr>
-            <a:r>
-              <a:rPr lang="en-US" sz="1600" strike="noStrike" spc="-1" dirty="0">
-                <a:solidFill>
-                  <a:srgbClr val="002060"/>
-                </a:solidFill>
-                <a:latin typeface="Arial" panose="020B0604020202020204" pitchFamily="34" charset="0"/>
-                <a:ea typeface="ヒラギノ角ゴ Pro W3"/>
-                <a:cs typeface="Arial" panose="020B0604020202020204" pitchFamily="34" charset="0"/>
-              </a:rPr>
-              <a:t>Fit </a:t>
-            </a:r>
-            <a:r>
-              <a:rPr lang="en-US" sz="1600" spc="-1" dirty="0">
-                <a:solidFill>
-                  <a:srgbClr val="002060"/>
-                </a:solidFill>
-                <a:latin typeface="Arial" panose="020B0604020202020204" pitchFamily="34" charset="0"/>
-                <a:ea typeface="ヒラギノ角ゴ Pro W3"/>
-                <a:cs typeface="Arial" panose="020B0604020202020204" pitchFamily="34" charset="0"/>
-              </a:rPr>
-              <a:t>by pressing</a:t>
-            </a:r>
-            <a:r>
-              <a:rPr lang="en-US" sz="1600" strike="noStrike" spc="-1" dirty="0">
-                <a:solidFill>
-                  <a:srgbClr val="002060"/>
-                </a:solidFill>
-                <a:latin typeface="Arial" panose="020B0604020202020204" pitchFamily="34" charset="0"/>
-                <a:ea typeface="ヒラギノ角ゴ Pro W3"/>
-                <a:cs typeface="Arial" panose="020B0604020202020204" pitchFamily="34" charset="0"/>
-              </a:rPr>
-              <a:t> “f”</a:t>
-            </a:r>
-          </a:p>
-          <a:p>
-            <a:pPr marL="343080" indent="-342720">
-              <a:lnSpc>
-                <a:spcPct val="100000"/>
-              </a:lnSpc>
-              <a:spcBef>
-                <a:spcPts val="320"/>
-              </a:spcBef>
-              <a:buClr>
-                <a:srgbClr val="002060"/>
-              </a:buClr>
-              <a:buFont typeface="Wingdings" charset="2"/>
-              <a:buChar char=""/>
-            </a:pPr>
-            <a:r>
-              <a:rPr lang="en-US" sz="1600" spc="-1" dirty="0">
-                <a:solidFill>
-                  <a:srgbClr val="002060"/>
-                </a:solidFill>
-                <a:latin typeface="Arial" panose="020B0604020202020204" pitchFamily="34" charset="0"/>
-                <a:ea typeface="ヒラギノ角ゴ Pro W3"/>
-                <a:cs typeface="Arial" panose="020B0604020202020204" pitchFamily="34" charset="0"/>
-              </a:rPr>
-              <a:t>Remove all markers by pressing “n”</a:t>
-            </a:r>
-            <a:endParaRPr lang="en-US" sz="1600" strike="noStrike" spc="-1" dirty="0">
-              <a:solidFill>
-                <a:srgbClr val="002060"/>
-              </a:solidFill>
-              <a:latin typeface="Arial" panose="020B0604020202020204" pitchFamily="34" charset="0"/>
-              <a:ea typeface="ヒラギノ角ゴ Pro W3"/>
-              <a:cs typeface="Arial" panose="020B0604020202020204" pitchFamily="34" charset="0"/>
-            </a:endParaRPr>
-          </a:p>
-          <a:p>
-            <a:pPr marL="343080" indent="-342720">
-              <a:lnSpc>
-                <a:spcPct val="100000"/>
-              </a:lnSpc>
-              <a:spcBef>
-                <a:spcPts val="320"/>
-              </a:spcBef>
-              <a:buClr>
-                <a:srgbClr val="002060"/>
-              </a:buClr>
-              <a:buFont typeface="Wingdings" charset="2"/>
-              <a:buChar char=""/>
-            </a:pPr>
-            <a:r>
-              <a:rPr lang="en-ZA" sz="1600" strike="noStrike" spc="-1" dirty="0">
-                <a:solidFill>
-                  <a:srgbClr val="002060"/>
-                </a:solidFill>
-                <a:latin typeface="Arial" panose="020B0604020202020204" pitchFamily="34" charset="0"/>
-                <a:ea typeface="ヒラギノ角ゴ Pro W3"/>
-                <a:cs typeface="Arial" panose="020B0604020202020204" pitchFamily="34" charset="0"/>
-              </a:rPr>
-              <a:t>“.q” to quit</a:t>
-            </a:r>
-          </a:p>
-          <a:p>
-            <a:pPr marL="343080" indent="-342720">
-              <a:lnSpc>
-                <a:spcPct val="100000"/>
-              </a:lnSpc>
-              <a:spcBef>
-                <a:spcPts val="320"/>
-              </a:spcBef>
-              <a:buClr>
-                <a:srgbClr val="002060"/>
-              </a:buClr>
-              <a:buFont typeface="Wingdings" charset="2"/>
-              <a:buChar char=""/>
-            </a:pPr>
-            <a:endParaRPr lang="en-ZA" sz="1600" spc="-1" dirty="0">
-              <a:solidFill>
-                <a:srgbClr val="002060"/>
-              </a:solidFill>
-              <a:latin typeface="Arial" panose="020B0604020202020204" pitchFamily="34" charset="0"/>
-              <a:ea typeface="ヒラギノ角ゴ Pro W3"/>
-              <a:cs typeface="Arial" panose="020B0604020202020204" pitchFamily="34" charset="0"/>
-            </a:endParaRPr>
-          </a:p>
-          <a:p>
-            <a:pPr marL="343080" indent="-342720">
-              <a:lnSpc>
-                <a:spcPct val="100000"/>
-              </a:lnSpc>
-              <a:spcBef>
-                <a:spcPts val="320"/>
-              </a:spcBef>
-              <a:buClr>
-                <a:srgbClr val="002060"/>
-              </a:buClr>
-              <a:buFont typeface="Wingdings" charset="2"/>
-              <a:buChar char=""/>
-            </a:pPr>
-            <a:r>
-              <a:rPr lang="en-ZA" sz="1600" spc="-1" dirty="0">
-                <a:solidFill>
-                  <a:srgbClr val="002060"/>
-                </a:solidFill>
-                <a:latin typeface="Arial" panose="020B0604020202020204" pitchFamily="34" charset="0"/>
-                <a:ea typeface="ヒラギノ角ゴ Pro W3"/>
-                <a:cs typeface="Arial" panose="020B0604020202020204" pitchFamily="34" charset="0"/>
-              </a:rPr>
-              <a:t>Save screenshots of your fitted peaks and the number of </a:t>
-            </a:r>
-            <a:r>
-              <a:rPr lang="en-ZA" sz="1600" spc="-1">
-                <a:solidFill>
-                  <a:srgbClr val="002060"/>
-                </a:solidFill>
-                <a:latin typeface="Arial" panose="020B0604020202020204" pitchFamily="34" charset="0"/>
-                <a:ea typeface="ヒラギノ角ゴ Pro W3"/>
-                <a:cs typeface="Arial" panose="020B0604020202020204" pitchFamily="34" charset="0"/>
-              </a:rPr>
-              <a:t>counts (sum</a:t>
-            </a:r>
-            <a:r>
-              <a:rPr lang="en-ZA" sz="1600" spc="-1" dirty="0">
-                <a:solidFill>
-                  <a:srgbClr val="002060"/>
-                </a:solidFill>
-                <a:latin typeface="Arial" panose="020B0604020202020204" pitchFamily="34" charset="0"/>
-                <a:ea typeface="ヒラギノ角ゴ Pro W3"/>
-                <a:cs typeface="Arial" panose="020B0604020202020204" pitchFamily="34" charset="0"/>
-              </a:rPr>
-              <a:t>) in your peaks.</a:t>
-            </a:r>
-          </a:p>
-          <a:p>
-            <a:pPr marL="343080" indent="-342720">
-              <a:lnSpc>
-                <a:spcPct val="100000"/>
-              </a:lnSpc>
-              <a:spcBef>
-                <a:spcPts val="320"/>
-              </a:spcBef>
-              <a:buClr>
-                <a:srgbClr val="002060"/>
-              </a:buClr>
-              <a:buFont typeface="Wingdings" charset="2"/>
-              <a:buChar char=""/>
-            </a:pPr>
-            <a:r>
-              <a:rPr lang="en-ZA" sz="1600" spc="-1" dirty="0">
-                <a:solidFill>
-                  <a:srgbClr val="002060"/>
-                </a:solidFill>
-                <a:latin typeface="Arial" panose="020B0604020202020204" pitchFamily="34" charset="0"/>
-                <a:ea typeface="ヒラギノ角ゴ Pro W3"/>
-                <a:cs typeface="Arial" panose="020B0604020202020204" pitchFamily="34" charset="0"/>
-              </a:rPr>
-              <a:t>More tools at </a:t>
-            </a:r>
-            <a:r>
-              <a:rPr lang="en-ZA" sz="1600" spc="-1" dirty="0">
-                <a:solidFill>
-                  <a:srgbClr val="002060"/>
-                </a:solidFill>
-                <a:latin typeface="Arial" panose="020B0604020202020204" pitchFamily="34" charset="0"/>
-                <a:ea typeface="ヒラギノ角ゴ Pro W3"/>
-                <a:cs typeface="Arial" panose="020B0604020202020204" pitchFamily="34" charset="0"/>
-                <a:hlinkClick r:id="rId5"/>
-              </a:rPr>
-              <a:t>https://github.com/GRIFFINCollaboration/GRSISort/wiki/Interactive-Analysis</a:t>
-            </a:r>
-            <a:endParaRPr lang="en-ZA" sz="1600" spc="-1" dirty="0">
-              <a:solidFill>
-                <a:srgbClr val="002060"/>
-              </a:solidFill>
-              <a:latin typeface="Arial" panose="020B0604020202020204" pitchFamily="34" charset="0"/>
-              <a:ea typeface="ヒラギノ角ゴ Pro W3"/>
-              <a:cs typeface="Arial" panose="020B0604020202020204" pitchFamily="34" charset="0"/>
-            </a:endParaRPr>
-          </a:p>
-        </p:txBody>
-      </p:sp>
-    </p:spTree>
-    <p:extLst>
-      <p:ext uri="{BB962C8B-B14F-4D97-AF65-F5344CB8AC3E}">
-        <p14:creationId xmlns:p14="http://schemas.microsoft.com/office/powerpoint/2010/main" val="3267660822"/>
-      </p:ext>
-    </p:extLst>
-  </p:cSld>
-  <p:clrMapOvr>
-    <a:masterClrMapping/>
-  </p:clrMapOvr>
-  <p:timing>
-    <p:tnLst>
-      <p:par>
-        <p:cTn id="1" dur="indefinite" restart="never" nodeType="tmRoot">
-          <p:childTnLst>
-            <p:seq>
-              <p:cTn id="2" dur="indefinite" nodeType="mainSeq"/>
-              <p:prevCondLst>
-                <p:cond evt="onPrev" delay="0">
-                  <p:tgtEl>
-                    <p:sldTgt/>
-                  </p:tgtEl>
-                </p:cond>
-              </p:prevCondLst>
-              <p:nextCondLst>
-                <p:cond evt="onNext" delay="0">
-                  <p:tgtEl>
-                    <p:sldTgt/>
-                  </p:tgtEl>
-                </p:cond>
-              </p:nextCondLst>
-            </p:seq>
-          </p:childTnLst>
-        </p:cTn>
-      </p:par>
-    </p:tnLst>
-  </p:timing>
-</p:sld>
-</file>
-
-<file path=ppt/slides/slide9.xml><?xml version="1.0" encoding="utf-8"?>
-<p:sld xmlns:a="http://schemas.openxmlformats.org/drawingml/2006/main" xmlns:r="http://schemas.openxmlformats.org/officeDocument/2006/relationships" xmlns:p="http://schemas.openxmlformats.org/presentationml/2006/main">
-  <p:cSld>
-    <p:spTree>
-      <p:nvGrpSpPr>
-        <p:cNvPr id="1" name=""/>
-        <p:cNvGrpSpPr/>
-        <p:nvPr/>
-      </p:nvGrpSpPr>
-      <p:grpSpPr>
-        <a:xfrm>
-          <a:off x="0" y="0"/>
-          <a:ext cx="0" cy="0"/>
-          <a:chOff x="0" y="0"/>
-          <a:chExt cx="0" cy="0"/>
-        </a:xfrm>
-      </p:grpSpPr>
-      <p:pic>
-        <p:nvPicPr>
-          <p:cNvPr id="55" name="Image 6"/>
-          <p:cNvPicPr/>
-          <p:nvPr/>
-        </p:nvPicPr>
-        <p:blipFill>
-          <a:blip r:embed="rId2"/>
-          <a:stretch/>
-        </p:blipFill>
-        <p:spPr>
-          <a:xfrm>
-            <a:off x="1404720" y="0"/>
-            <a:ext cx="7738920" cy="477000"/>
-          </a:xfrm>
-          <a:prstGeom prst="rect">
-            <a:avLst/>
-          </a:prstGeom>
-          <a:ln>
-            <a:noFill/>
-          </a:ln>
-        </p:spPr>
-      </p:pic>
-      <p:pic>
-        <p:nvPicPr>
-          <p:cNvPr id="56" name="Image 7"/>
-          <p:cNvPicPr/>
-          <p:nvPr/>
-        </p:nvPicPr>
-        <p:blipFill>
-          <a:blip r:embed="rId3"/>
-          <a:stretch/>
-        </p:blipFill>
-        <p:spPr>
-          <a:xfrm>
-            <a:off x="0" y="0"/>
-            <a:ext cx="1419120" cy="477000"/>
-          </a:xfrm>
-          <a:prstGeom prst="rect">
-            <a:avLst/>
-          </a:prstGeom>
-          <a:ln>
-            <a:noFill/>
-          </a:ln>
-        </p:spPr>
-      </p:pic>
-      <p:sp>
-        <p:nvSpPr>
-          <p:cNvPr id="57" name="TextShape 1"/>
-          <p:cNvSpPr txBox="1"/>
-          <p:nvPr/>
-        </p:nvSpPr>
-        <p:spPr>
-          <a:xfrm>
-            <a:off x="2646360" y="0"/>
-            <a:ext cx="6117480" cy="469440"/>
-          </a:xfrm>
-          <a:prstGeom prst="rect">
-            <a:avLst/>
-          </a:prstGeom>
-          <a:noFill/>
-          <a:ln>
-            <a:noFill/>
-          </a:ln>
-        </p:spPr>
-        <p:txBody>
-          <a:bodyPr anchor="ctr"/>
-          <a:lstStyle/>
-          <a:p>
-            <a:pPr algn="r"/>
-            <a:r>
-              <a:rPr lang="en-US" sz="2000" b="0" strike="noStrike" spc="-1" dirty="0">
-                <a:solidFill>
-                  <a:srgbClr val="FFFFFF"/>
-                </a:solidFill>
-                <a:latin typeface="Arial"/>
-              </a:rPr>
-              <a:t>How to Fit the Detector Efficiency with </a:t>
-            </a:r>
-            <a:r>
-              <a:rPr lang="en-US" sz="2000" b="0" strike="noStrike" spc="-1" dirty="0" err="1">
-                <a:solidFill>
-                  <a:srgbClr val="FFFFFF"/>
-                </a:solidFill>
-                <a:latin typeface="Arial"/>
-              </a:rPr>
-              <a:t>RootEffi</a:t>
-            </a:r>
-            <a:r>
-              <a:rPr lang="en-US" sz="2000" b="0" strike="noStrike" spc="-1" dirty="0">
-                <a:solidFill>
-                  <a:srgbClr val="FFFFFF"/>
-                </a:solidFill>
-                <a:latin typeface="Arial"/>
-              </a:rPr>
-              <a:t> </a:t>
-            </a:r>
-            <a:endParaRPr lang="en-US" sz="2000" b="0" strike="noStrike" spc="-1" dirty="0">
-              <a:solidFill>
-                <a:srgbClr val="000000"/>
-              </a:solidFill>
-              <a:latin typeface="Calibri"/>
-            </a:endParaRPr>
-          </a:p>
-        </p:txBody>
-      </p:sp>
-      <p:sp>
-        <p:nvSpPr>
-          <p:cNvPr id="58" name="CustomShape 2"/>
-          <p:cNvSpPr/>
-          <p:nvPr/>
-        </p:nvSpPr>
-        <p:spPr>
-          <a:xfrm>
-            <a:off x="8420760" y="-69840"/>
-            <a:ext cx="726120" cy="390240"/>
-          </a:xfrm>
-          <a:prstGeom prst="rect">
-            <a:avLst/>
-          </a:prstGeom>
-          <a:noFill/>
-          <a:ln>
-            <a:noFill/>
-          </a:ln>
-        </p:spPr>
-        <p:style>
-          <a:lnRef idx="0">
-            <a:scrgbClr r="0" g="0" b="0"/>
-          </a:lnRef>
-          <a:fillRef idx="0">
-            <a:scrgbClr r="0" g="0" b="0"/>
-          </a:fillRef>
-          <a:effectRef idx="0">
-            <a:scrgbClr r="0" g="0" b="0"/>
-          </a:effectRef>
-          <a:fontRef idx="minor"/>
-        </p:style>
-        <p:txBody>
-          <a:bodyPr lIns="90000" tIns="45000" rIns="90000" bIns="45000" anchor="ctr"/>
-          <a:lstStyle/>
-          <a:p>
-            <a:pPr algn="r">
-              <a:lnSpc>
-                <a:spcPts val="3039"/>
-              </a:lnSpc>
-            </a:pPr>
-            <a:r>
-              <a:rPr lang="en-ZA" sz="1300" b="1" strike="noStrike" spc="-1" dirty="0">
-                <a:solidFill>
-                  <a:srgbClr val="FFFFFF"/>
-                </a:solidFill>
-                <a:latin typeface="Arial"/>
-                <a:ea typeface="MS PGothic"/>
-              </a:rPr>
-              <a:t>9</a:t>
-            </a:r>
-            <a:endParaRPr lang="en-ZA" sz="1300" b="0" strike="noStrike" spc="-1" dirty="0">
-              <a:latin typeface="Arial"/>
-            </a:endParaRPr>
-          </a:p>
-        </p:txBody>
-      </p:sp>
-      <p:sp>
-        <p:nvSpPr>
-          <p:cNvPr id="8" name="CustomShape 3">
-            <a:extLst>
-              <a:ext uri="{FF2B5EF4-FFF2-40B4-BE49-F238E27FC236}">
-                <a16:creationId xmlns:a16="http://schemas.microsoft.com/office/drawing/2014/main" id="{47DCCAE0-5E0D-4AF9-BB4F-A5051CB85103}"/>
-              </a:ext>
-            </a:extLst>
-          </p:cNvPr>
-          <p:cNvSpPr/>
-          <p:nvPr/>
-        </p:nvSpPr>
-        <p:spPr>
-          <a:xfrm>
-            <a:off x="141236" y="624029"/>
-            <a:ext cx="9002404" cy="4051880"/>
-          </a:xfrm>
-          <a:prstGeom prst="rect">
-            <a:avLst/>
-          </a:prstGeom>
-          <a:noFill/>
-          <a:ln>
-            <a:noFill/>
-          </a:ln>
-        </p:spPr>
-        <p:style>
-          <a:lnRef idx="0">
-            <a:scrgbClr r="0" g="0" b="0"/>
-          </a:lnRef>
-          <a:fillRef idx="0">
-            <a:scrgbClr r="0" g="0" b="0"/>
-          </a:fillRef>
-          <a:effectRef idx="0">
-            <a:scrgbClr r="0" g="0" b="0"/>
-          </a:effectRef>
-          <a:fontRef idx="minor"/>
-        </p:style>
-        <p:txBody>
-          <a:bodyPr lIns="90000" tIns="45000" rIns="90000" bIns="45000"/>
-          <a:lstStyle/>
-          <a:p>
-            <a:pPr marL="343080" indent="-342720">
-              <a:lnSpc>
-                <a:spcPct val="100000"/>
-              </a:lnSpc>
-              <a:spcBef>
-                <a:spcPts val="320"/>
-              </a:spcBef>
-              <a:buClr>
-                <a:srgbClr val="002060"/>
-              </a:buClr>
-              <a:buFont typeface="Wingdings" charset="2"/>
-              <a:buChar char=""/>
-            </a:pPr>
-            <a:r>
-              <a:rPr lang="en-US" sz="1600" spc="-1" dirty="0">
-                <a:solidFill>
-                  <a:srgbClr val="002060"/>
-                </a:solidFill>
-                <a:latin typeface="Arial" panose="020B0604020202020204" pitchFamily="34" charset="0"/>
-                <a:ea typeface="ヒラギノ角ゴ Pro W3"/>
-                <a:cs typeface="Arial" panose="020B0604020202020204" pitchFamily="34" charset="0"/>
-              </a:rPr>
-              <a:t>Download the data files with “ git clone </a:t>
-            </a:r>
-            <a:r>
-              <a:rPr lang="en-US" sz="1600" spc="-1" dirty="0">
-                <a:solidFill>
-                  <a:srgbClr val="002060"/>
-                </a:solidFill>
-                <a:latin typeface="Arial" panose="020B0604020202020204" pitchFamily="34" charset="0"/>
-                <a:ea typeface="ヒラギノ角ゴ Pro W3"/>
-                <a:cs typeface="Arial" panose="020B0604020202020204" pitchFamily="34" charset="0"/>
-                <a:hlinkClick r:id="rId4"/>
-              </a:rPr>
-              <a:t>https://github.com/UWCNuclear/DetectorEfficiency.git</a:t>
-            </a:r>
-            <a:r>
-              <a:rPr lang="en-US" sz="1600" spc="-1" dirty="0">
-                <a:solidFill>
-                  <a:srgbClr val="002060"/>
-                </a:solidFill>
-                <a:latin typeface="Arial" panose="020B0604020202020204" pitchFamily="34" charset="0"/>
-                <a:ea typeface="ヒラギノ角ゴ Pro W3"/>
-                <a:cs typeface="Arial" panose="020B0604020202020204" pitchFamily="34" charset="0"/>
-              </a:rPr>
-              <a:t> ”</a:t>
-            </a:r>
-          </a:p>
-          <a:p>
-            <a:pPr marL="343080" indent="-342720">
-              <a:lnSpc>
-                <a:spcPct val="100000"/>
-              </a:lnSpc>
-              <a:spcBef>
-                <a:spcPts val="320"/>
-              </a:spcBef>
-              <a:buClr>
-                <a:srgbClr val="002060"/>
-              </a:buClr>
-              <a:buFont typeface="Wingdings" charset="2"/>
-              <a:buChar char=""/>
-            </a:pPr>
-            <a:endParaRPr lang="en-US" sz="1600" spc="-1" dirty="0">
-              <a:solidFill>
-                <a:srgbClr val="002060"/>
-              </a:solidFill>
-              <a:latin typeface="Arial" panose="020B0604020202020204" pitchFamily="34" charset="0"/>
-              <a:ea typeface="ヒラギノ角ゴ Pro W3"/>
-              <a:cs typeface="Arial" panose="020B0604020202020204" pitchFamily="34" charset="0"/>
-            </a:endParaRPr>
-          </a:p>
-          <a:p>
-            <a:pPr marL="343080" indent="-342720">
-              <a:spcBef>
-                <a:spcPts val="320"/>
-              </a:spcBef>
-              <a:buClr>
-                <a:srgbClr val="002060"/>
-              </a:buClr>
-              <a:buFont typeface="Wingdings" charset="2"/>
-              <a:buChar char=""/>
-            </a:pPr>
-            <a:r>
-              <a:rPr lang="en-US" sz="1600" spc="-1" dirty="0">
-                <a:solidFill>
-                  <a:srgbClr val="002060"/>
-                </a:solidFill>
-                <a:latin typeface="Arial" panose="020B0604020202020204" pitchFamily="34" charset="0"/>
-                <a:ea typeface="ヒラギノ角ゴ Pro W3"/>
-                <a:cs typeface="Arial" panose="020B0604020202020204" pitchFamily="34" charset="0"/>
-              </a:rPr>
-              <a:t>Download with “ git clone </a:t>
-            </a:r>
-            <a:r>
-              <a:rPr lang="en-US" sz="1600" spc="-1" dirty="0">
-                <a:solidFill>
-                  <a:srgbClr val="002060"/>
-                </a:solidFill>
-                <a:latin typeface="Arial" panose="020B0604020202020204" pitchFamily="34" charset="0"/>
-                <a:ea typeface="ヒラギノ角ゴ Pro W3"/>
-                <a:cs typeface="Arial" panose="020B0604020202020204" pitchFamily="34" charset="0"/>
-                <a:hlinkClick r:id="rId5"/>
-              </a:rPr>
-              <a:t>https://github.com/UWCNuclear/RootEffi.git</a:t>
-            </a:r>
-            <a:r>
-              <a:rPr lang="en-US" sz="1600" spc="-1" dirty="0">
-                <a:solidFill>
-                  <a:srgbClr val="002060"/>
-                </a:solidFill>
-                <a:latin typeface="Arial" panose="020B0604020202020204" pitchFamily="34" charset="0"/>
-                <a:ea typeface="ヒラギノ角ゴ Pro W3"/>
-                <a:cs typeface="Arial" panose="020B0604020202020204" pitchFamily="34" charset="0"/>
-              </a:rPr>
-              <a:t> ”</a:t>
-            </a:r>
-          </a:p>
-          <a:p>
-            <a:pPr marL="343080" indent="-342720">
-              <a:lnSpc>
-                <a:spcPct val="100000"/>
-              </a:lnSpc>
-              <a:spcBef>
-                <a:spcPts val="320"/>
-              </a:spcBef>
-              <a:buClr>
-                <a:srgbClr val="002060"/>
-              </a:buClr>
-              <a:buFont typeface="Wingdings" charset="2"/>
-              <a:buChar char=""/>
-            </a:pPr>
-            <a:endParaRPr lang="en-ZA" sz="1600" spc="-1" dirty="0">
-              <a:solidFill>
-                <a:srgbClr val="002060"/>
-              </a:solidFill>
-              <a:latin typeface="Arial" panose="020B0604020202020204" pitchFamily="34" charset="0"/>
-              <a:ea typeface="ヒラギノ角ゴ Pro W3"/>
-              <a:cs typeface="Arial" panose="020B0604020202020204" pitchFamily="34" charset="0"/>
-            </a:endParaRPr>
-          </a:p>
-          <a:p>
-            <a:pPr marL="343080" indent="-342720">
-              <a:lnSpc>
-                <a:spcPct val="100000"/>
-              </a:lnSpc>
-              <a:spcBef>
-                <a:spcPts val="320"/>
-              </a:spcBef>
-              <a:buClr>
-                <a:srgbClr val="002060"/>
-              </a:buClr>
-              <a:buFont typeface="Wingdings" charset="2"/>
-              <a:buChar char=""/>
-            </a:pPr>
-            <a:r>
-              <a:rPr lang="en-ZA" sz="1600" spc="-1" dirty="0">
-                <a:solidFill>
-                  <a:srgbClr val="002060"/>
-                </a:solidFill>
-                <a:latin typeface="Arial" panose="020B0604020202020204" pitchFamily="34" charset="0"/>
-                <a:ea typeface="ヒラギノ角ゴ Pro W3"/>
-                <a:cs typeface="Arial" panose="020B0604020202020204" pitchFamily="34" charset="0"/>
-              </a:rPr>
-              <a:t>In </a:t>
-            </a:r>
-            <a:r>
-              <a:rPr lang="en-ZA" sz="1600" spc="-1" dirty="0" err="1">
-                <a:solidFill>
-                  <a:srgbClr val="002060"/>
-                </a:solidFill>
-                <a:latin typeface="Arial" panose="020B0604020202020204" pitchFamily="34" charset="0"/>
-                <a:ea typeface="ヒラギノ角ゴ Pro W3"/>
-                <a:cs typeface="Arial" panose="020B0604020202020204" pitchFamily="34" charset="0"/>
-              </a:rPr>
-              <a:t>gedit</a:t>
-            </a:r>
-            <a:r>
-              <a:rPr lang="en-ZA" sz="1600" spc="-1" dirty="0">
-                <a:solidFill>
-                  <a:srgbClr val="002060"/>
-                </a:solidFill>
-                <a:latin typeface="Arial" panose="020B0604020202020204" pitchFamily="34" charset="0"/>
-                <a:ea typeface="ヒラギノ角ゴ Pro W3"/>
-                <a:cs typeface="Arial" panose="020B0604020202020204" pitchFamily="34" charset="0"/>
-              </a:rPr>
-              <a:t>, edit </a:t>
-            </a:r>
-            <a:r>
-              <a:rPr lang="en-ZA" sz="1600" spc="-1" dirty="0" err="1">
-                <a:solidFill>
-                  <a:srgbClr val="002060"/>
-                </a:solidFill>
-                <a:latin typeface="Arial" panose="020B0604020202020204" pitchFamily="34" charset="0"/>
-                <a:ea typeface="ヒラギノ角ゴ Pro W3"/>
-                <a:cs typeface="Arial" panose="020B0604020202020204" pitchFamily="34" charset="0"/>
-              </a:rPr>
-              <a:t>RootEffi.C</a:t>
-            </a:r>
-            <a:r>
-              <a:rPr lang="en-ZA" sz="1600" spc="-1" dirty="0">
-                <a:solidFill>
-                  <a:srgbClr val="002060"/>
-                </a:solidFill>
-                <a:latin typeface="Arial" panose="020B0604020202020204" pitchFamily="34" charset="0"/>
-                <a:ea typeface="ヒラギノ角ゴ Pro W3"/>
-                <a:cs typeface="Arial" panose="020B0604020202020204" pitchFamily="34" charset="0"/>
-              </a:rPr>
-              <a:t> with the peak areas and uncertainties obtained from your data file.</a:t>
-            </a:r>
-          </a:p>
-          <a:p>
-            <a:pPr marL="343080" indent="-342720">
-              <a:lnSpc>
-                <a:spcPct val="100000"/>
-              </a:lnSpc>
-              <a:spcBef>
-                <a:spcPts val="320"/>
-              </a:spcBef>
-              <a:buClr>
-                <a:srgbClr val="002060"/>
-              </a:buClr>
-              <a:buFont typeface="Wingdings" charset="2"/>
-              <a:buChar char=""/>
-            </a:pPr>
-            <a:endParaRPr lang="en-ZA" sz="1600" spc="-1" dirty="0">
-              <a:solidFill>
-                <a:srgbClr val="002060"/>
-              </a:solidFill>
-              <a:latin typeface="Arial" panose="020B0604020202020204" pitchFamily="34" charset="0"/>
-              <a:ea typeface="ヒラギノ角ゴ Pro W3"/>
-              <a:cs typeface="Arial" panose="020B0604020202020204" pitchFamily="34" charset="0"/>
-            </a:endParaRPr>
-          </a:p>
-          <a:p>
-            <a:pPr marL="343080" indent="-342720">
-              <a:lnSpc>
-                <a:spcPct val="100000"/>
-              </a:lnSpc>
-              <a:spcBef>
-                <a:spcPts val="320"/>
-              </a:spcBef>
-              <a:buClr>
-                <a:srgbClr val="002060"/>
-              </a:buClr>
-              <a:buFont typeface="Wingdings" charset="2"/>
-              <a:buChar char=""/>
-            </a:pPr>
-            <a:r>
-              <a:rPr lang="en-US" sz="1600" spc="-1" dirty="0">
-                <a:solidFill>
-                  <a:srgbClr val="002060"/>
-                </a:solidFill>
-                <a:latin typeface="Arial" panose="020B0604020202020204" pitchFamily="34" charset="0"/>
-                <a:ea typeface="ヒラギノ角ゴ Pro W3"/>
-                <a:cs typeface="Arial" panose="020B0604020202020204" pitchFamily="34" charset="0"/>
-              </a:rPr>
-              <a:t>Whenever you edit a script, you should save it and close ROOT/</a:t>
-            </a:r>
-            <a:r>
-              <a:rPr lang="en-US" sz="1600" spc="-1" dirty="0" err="1">
-                <a:solidFill>
-                  <a:srgbClr val="002060"/>
-                </a:solidFill>
-                <a:latin typeface="Arial" panose="020B0604020202020204" pitchFamily="34" charset="0"/>
-                <a:ea typeface="ヒラギノ角ゴ Pro W3"/>
-                <a:cs typeface="Arial" panose="020B0604020202020204" pitchFamily="34" charset="0"/>
-              </a:rPr>
-              <a:t>GRSISort</a:t>
-            </a:r>
-            <a:r>
-              <a:rPr lang="en-US" sz="1600" spc="-1" dirty="0">
-                <a:solidFill>
-                  <a:srgbClr val="002060"/>
-                </a:solidFill>
-                <a:latin typeface="Arial" panose="020B0604020202020204" pitchFamily="34" charset="0"/>
-                <a:ea typeface="ヒラギノ角ゴ Pro W3"/>
-                <a:cs typeface="Arial" panose="020B0604020202020204" pitchFamily="34" charset="0"/>
-              </a:rPr>
-              <a:t> to run it again.</a:t>
-            </a:r>
-          </a:p>
-          <a:p>
-            <a:pPr marL="343080" indent="-342720">
-              <a:lnSpc>
-                <a:spcPct val="100000"/>
-              </a:lnSpc>
-              <a:spcBef>
-                <a:spcPts val="320"/>
-              </a:spcBef>
-              <a:buClr>
-                <a:srgbClr val="002060"/>
-              </a:buClr>
-              <a:buFont typeface="Wingdings" charset="2"/>
-              <a:buChar char=""/>
-            </a:pPr>
-            <a:endParaRPr lang="en-ZA" sz="1600" spc="-1" dirty="0">
-              <a:solidFill>
-                <a:srgbClr val="002060"/>
-              </a:solidFill>
-              <a:latin typeface="Arial" panose="020B0604020202020204" pitchFamily="34" charset="0"/>
-              <a:ea typeface="ヒラギノ角ゴ Pro W3"/>
-              <a:cs typeface="Arial" panose="020B0604020202020204" pitchFamily="34" charset="0"/>
-            </a:endParaRPr>
-          </a:p>
-          <a:p>
-            <a:pPr marL="343080" indent="-342720">
-              <a:lnSpc>
-                <a:spcPct val="100000"/>
-              </a:lnSpc>
-              <a:spcBef>
-                <a:spcPts val="320"/>
-              </a:spcBef>
-              <a:buClr>
-                <a:srgbClr val="002060"/>
-              </a:buClr>
-              <a:buFont typeface="Wingdings" charset="2"/>
-              <a:buChar char=""/>
-            </a:pPr>
-            <a:r>
-              <a:rPr lang="en-US" sz="1600" spc="-1" dirty="0">
-                <a:solidFill>
-                  <a:srgbClr val="002060"/>
-                </a:solidFill>
-                <a:latin typeface="Arial" panose="020B0604020202020204" pitchFamily="34" charset="0"/>
-                <a:ea typeface="ヒラギノ角ゴ Pro W3"/>
-                <a:cs typeface="Arial" panose="020B0604020202020204" pitchFamily="34" charset="0"/>
-              </a:rPr>
-              <a:t>To run </a:t>
-            </a:r>
-            <a:r>
-              <a:rPr lang="en-US" sz="1600" spc="-1" dirty="0" err="1">
-                <a:solidFill>
-                  <a:srgbClr val="002060"/>
-                </a:solidFill>
-                <a:latin typeface="Arial" panose="020B0604020202020204" pitchFamily="34" charset="0"/>
-                <a:ea typeface="ヒラギノ角ゴ Pro W3"/>
-                <a:cs typeface="Arial" panose="020B0604020202020204" pitchFamily="34" charset="0"/>
-              </a:rPr>
-              <a:t>RootEffi</a:t>
-            </a:r>
-            <a:r>
-              <a:rPr lang="en-US" sz="1600" spc="-1" dirty="0">
-                <a:solidFill>
-                  <a:srgbClr val="002060"/>
-                </a:solidFill>
-                <a:latin typeface="Arial" panose="020B0604020202020204" pitchFamily="34" charset="0"/>
-                <a:ea typeface="ヒラギノ角ゴ Pro W3"/>
-                <a:cs typeface="Arial" panose="020B0604020202020204" pitchFamily="34" charset="0"/>
-              </a:rPr>
-              <a:t>, type in the command line “ </a:t>
-            </a:r>
-            <a:r>
-              <a:rPr lang="en-US" sz="1600" spc="-1" dirty="0" err="1">
-                <a:solidFill>
-                  <a:srgbClr val="002060"/>
-                </a:solidFill>
-                <a:latin typeface="Arial" panose="020B0604020202020204" pitchFamily="34" charset="0"/>
-                <a:ea typeface="ヒラギノ角ゴ Pro W3"/>
-                <a:cs typeface="Arial" panose="020B0604020202020204" pitchFamily="34" charset="0"/>
-              </a:rPr>
-              <a:t>grsisort</a:t>
-            </a:r>
-            <a:r>
-              <a:rPr lang="en-US" sz="1600" spc="-1" dirty="0">
-                <a:solidFill>
-                  <a:srgbClr val="002060"/>
-                </a:solidFill>
-                <a:latin typeface="Arial" panose="020B0604020202020204" pitchFamily="34" charset="0"/>
-                <a:ea typeface="ヒラギノ角ゴ Pro W3"/>
-                <a:cs typeface="Arial" panose="020B0604020202020204" pitchFamily="34" charset="0"/>
-              </a:rPr>
-              <a:t> -l </a:t>
-            </a:r>
-            <a:r>
-              <a:rPr lang="en-US" sz="1600" spc="-1" dirty="0" err="1">
-                <a:solidFill>
-                  <a:srgbClr val="002060"/>
-                </a:solidFill>
-                <a:latin typeface="Arial" panose="020B0604020202020204" pitchFamily="34" charset="0"/>
-                <a:ea typeface="ヒラギノ角ゴ Pro W3"/>
-                <a:cs typeface="Arial" panose="020B0604020202020204" pitchFamily="34" charset="0"/>
-              </a:rPr>
-              <a:t>RootEffi.C</a:t>
-            </a:r>
-            <a:r>
-              <a:rPr lang="en-US" sz="1600" spc="-1" dirty="0">
-                <a:solidFill>
-                  <a:srgbClr val="002060"/>
-                </a:solidFill>
-                <a:latin typeface="Arial" panose="020B0604020202020204" pitchFamily="34" charset="0"/>
-                <a:ea typeface="ヒラギノ角ゴ Pro W3"/>
-                <a:cs typeface="Arial" panose="020B0604020202020204" pitchFamily="34" charset="0"/>
-              </a:rPr>
-              <a:t> ”</a:t>
-            </a:r>
-            <a:br>
-              <a:rPr lang="en-US" sz="1600" spc="-1" dirty="0">
-                <a:solidFill>
-                  <a:srgbClr val="002060"/>
-                </a:solidFill>
-                <a:latin typeface="Arial" panose="020B0604020202020204" pitchFamily="34" charset="0"/>
-                <a:ea typeface="ヒラギノ角ゴ Pro W3"/>
-                <a:cs typeface="Arial" panose="020B0604020202020204" pitchFamily="34" charset="0"/>
-              </a:rPr>
-            </a:br>
-            <a:r>
-              <a:rPr lang="en-US" sz="1600" spc="-1" dirty="0">
-                <a:solidFill>
-                  <a:srgbClr val="002060"/>
-                </a:solidFill>
-                <a:latin typeface="Arial" panose="020B0604020202020204" pitchFamily="34" charset="0"/>
-                <a:ea typeface="ヒラギノ角ゴ Pro W3"/>
-                <a:cs typeface="Arial" panose="020B0604020202020204" pitchFamily="34" charset="0"/>
-              </a:rPr>
-              <a:t>or “ </a:t>
-            </a:r>
-            <a:r>
-              <a:rPr lang="en-US" sz="1600" spc="-1" dirty="0" err="1">
-                <a:solidFill>
-                  <a:srgbClr val="002060"/>
-                </a:solidFill>
-                <a:latin typeface="Arial" panose="020B0604020202020204" pitchFamily="34" charset="0"/>
-                <a:ea typeface="ヒラギノ角ゴ Pro W3"/>
-                <a:cs typeface="Arial" panose="020B0604020202020204" pitchFamily="34" charset="0"/>
-              </a:rPr>
-              <a:t>grsisort</a:t>
-            </a:r>
-            <a:r>
-              <a:rPr lang="en-US" sz="1600" spc="-1" dirty="0">
-                <a:solidFill>
-                  <a:srgbClr val="002060"/>
-                </a:solidFill>
-                <a:latin typeface="Arial" panose="020B0604020202020204" pitchFamily="34" charset="0"/>
-                <a:ea typeface="ヒラギノ角ゴ Pro W3"/>
-                <a:cs typeface="Arial" panose="020B0604020202020204" pitchFamily="34" charset="0"/>
-              </a:rPr>
-              <a:t> -l ” and then “ .x </a:t>
-            </a:r>
-            <a:r>
-              <a:rPr lang="en-US" sz="1600" spc="-1" dirty="0" err="1">
-                <a:solidFill>
-                  <a:srgbClr val="002060"/>
-                </a:solidFill>
-                <a:latin typeface="Arial" panose="020B0604020202020204" pitchFamily="34" charset="0"/>
-                <a:ea typeface="ヒラギノ角ゴ Pro W3"/>
-                <a:cs typeface="Arial" panose="020B0604020202020204" pitchFamily="34" charset="0"/>
-              </a:rPr>
-              <a:t>RootEffi.C</a:t>
-            </a:r>
-            <a:r>
-              <a:rPr lang="en-US" sz="1600" spc="-1" dirty="0">
-                <a:solidFill>
-                  <a:srgbClr val="002060"/>
-                </a:solidFill>
-                <a:latin typeface="Arial" panose="020B0604020202020204" pitchFamily="34" charset="0"/>
-                <a:ea typeface="ヒラギノ角ゴ Pro W3"/>
-                <a:cs typeface="Arial" panose="020B0604020202020204" pitchFamily="34" charset="0"/>
-              </a:rPr>
-              <a:t> ”</a:t>
-            </a:r>
-            <a:endParaRPr lang="en-ZA" sz="1600" spc="-1" dirty="0">
-              <a:solidFill>
-                <a:srgbClr val="002060"/>
-              </a:solidFill>
-              <a:latin typeface="Arial" panose="020B0604020202020204" pitchFamily="34" charset="0"/>
-              <a:ea typeface="ヒラギノ角ゴ Pro W3"/>
-              <a:cs typeface="Arial" panose="020B0604020202020204" pitchFamily="34" charset="0"/>
-            </a:endParaRPr>
-          </a:p>
-          <a:p>
-            <a:pPr marL="343080" indent="-342720">
-              <a:lnSpc>
-                <a:spcPct val="100000"/>
-              </a:lnSpc>
-              <a:spcBef>
-                <a:spcPts val="320"/>
-              </a:spcBef>
-              <a:buClr>
-                <a:srgbClr val="002060"/>
-              </a:buClr>
-              <a:buFont typeface="Wingdings" charset="2"/>
-              <a:buChar char=""/>
-            </a:pPr>
-            <a:endParaRPr lang="en-ZA" sz="1600" spc="-1" dirty="0">
-              <a:solidFill>
-                <a:srgbClr val="002060"/>
-              </a:solidFill>
-              <a:latin typeface="Arial" panose="020B0604020202020204" pitchFamily="34" charset="0"/>
-              <a:ea typeface="ヒラギノ角ゴ Pro W3"/>
-              <a:cs typeface="Arial" panose="020B0604020202020204" pitchFamily="34" charset="0"/>
-            </a:endParaRPr>
-          </a:p>
-          <a:p>
-            <a:pPr marL="343080" indent="-342720">
-              <a:lnSpc>
-                <a:spcPct val="100000"/>
-              </a:lnSpc>
-              <a:spcBef>
-                <a:spcPts val="320"/>
-              </a:spcBef>
-              <a:buClr>
-                <a:srgbClr val="002060"/>
-              </a:buClr>
-              <a:buFont typeface="Wingdings" charset="2"/>
-              <a:buChar char=""/>
-            </a:pPr>
-            <a:r>
-              <a:rPr lang="en-ZA" sz="1600" spc="-1" dirty="0">
-                <a:solidFill>
-                  <a:srgbClr val="002060"/>
-                </a:solidFill>
-                <a:latin typeface="Arial" panose="020B0604020202020204" pitchFamily="34" charset="0"/>
-                <a:ea typeface="ヒラギノ角ゴ Pro W3"/>
-                <a:cs typeface="Arial" panose="020B0604020202020204" pitchFamily="34" charset="0"/>
-              </a:rPr>
-              <a:t>Save your edited script and your new efficiency curve</a:t>
-            </a:r>
-          </a:p>
-          <a:p>
-            <a:pPr marL="343080" indent="-342720">
-              <a:lnSpc>
-                <a:spcPct val="100000"/>
-              </a:lnSpc>
-              <a:spcBef>
-                <a:spcPts val="320"/>
-              </a:spcBef>
-              <a:buClr>
-                <a:srgbClr val="002060"/>
-              </a:buClr>
-              <a:buFont typeface="Wingdings" charset="2"/>
-              <a:buChar char=""/>
-            </a:pPr>
-            <a:endParaRPr lang="en-ZA" sz="1600" spc="-1" dirty="0">
-              <a:solidFill>
-                <a:srgbClr val="002060"/>
-              </a:solidFill>
-              <a:latin typeface="Arial" panose="020B0604020202020204" pitchFamily="34" charset="0"/>
-              <a:ea typeface="ヒラギノ角ゴ Pro W3"/>
-              <a:cs typeface="Arial" panose="020B0604020202020204" pitchFamily="34" charset="0"/>
-            </a:endParaRPr>
-          </a:p>
-          <a:p>
-            <a:pPr marL="343080" indent="-342720">
-              <a:spcBef>
-                <a:spcPts val="320"/>
-              </a:spcBef>
-              <a:buClr>
-                <a:srgbClr val="002060"/>
-              </a:buClr>
-              <a:buFont typeface="Wingdings" charset="2"/>
-              <a:buChar char=""/>
-            </a:pPr>
-            <a:r>
-              <a:rPr lang="en-US" sz="1600" strike="noStrike" spc="-1" dirty="0">
-                <a:solidFill>
-                  <a:srgbClr val="002060"/>
-                </a:solidFill>
-                <a:latin typeface="Arial" panose="020B0604020202020204" pitchFamily="34" charset="0"/>
-                <a:ea typeface="ヒラギノ角ゴ Pro W3"/>
-                <a:cs typeface="Arial" panose="020B0604020202020204" pitchFamily="34" charset="0"/>
-              </a:rPr>
-              <a:t>In one file, submit your fitted peaks, your edited </a:t>
-            </a:r>
-            <a:r>
-              <a:rPr lang="en-US" sz="1600" strike="noStrike" spc="-1" dirty="0" err="1">
-                <a:solidFill>
-                  <a:srgbClr val="002060"/>
-                </a:solidFill>
-                <a:latin typeface="Arial" panose="020B0604020202020204" pitchFamily="34" charset="0"/>
-                <a:ea typeface="ヒラギノ角ゴ Pro W3"/>
-                <a:cs typeface="Arial" panose="020B0604020202020204" pitchFamily="34" charset="0"/>
-              </a:rPr>
-              <a:t>RootEffi</a:t>
-            </a:r>
-            <a:r>
-              <a:rPr lang="en-US" sz="1600" strike="noStrike" spc="-1" dirty="0">
-                <a:solidFill>
-                  <a:srgbClr val="002060"/>
-                </a:solidFill>
-                <a:latin typeface="Arial" panose="020B0604020202020204" pitchFamily="34" charset="0"/>
-                <a:ea typeface="ヒラギノ角ゴ Pro W3"/>
-                <a:cs typeface="Arial" panose="020B0604020202020204" pitchFamily="34" charset="0"/>
-              </a:rPr>
-              <a:t> script, and your efficiency curve</a:t>
-            </a:r>
-            <a:r>
-              <a:rPr lang="en-ZA" sz="1600" strike="noStrike" spc="-1" dirty="0">
-                <a:solidFill>
-                  <a:srgbClr val="002060"/>
-                </a:solidFill>
-                <a:latin typeface="Arial" panose="020B0604020202020204" pitchFamily="34" charset="0"/>
-                <a:ea typeface="ヒラギノ角ゴ Pro W3"/>
-                <a:cs typeface="Arial" panose="020B0604020202020204" pitchFamily="34" charset="0"/>
-              </a:rPr>
-              <a:t> </a:t>
-            </a:r>
-            <a:r>
-              <a:rPr lang="en-ZA" sz="1600" spc="-1" dirty="0">
-                <a:solidFill>
-                  <a:srgbClr val="002060"/>
-                </a:solidFill>
-                <a:latin typeface="Arial" panose="020B0604020202020204" pitchFamily="34" charset="0"/>
-                <a:ea typeface="ヒラギノ角ゴ Pro W3"/>
-                <a:cs typeface="Arial" panose="020B0604020202020204" pitchFamily="34" charset="0"/>
-                <a:sym typeface="Wingdings" panose="05000000000000000000" pitchFamily="2" charset="2"/>
-              </a:rPr>
-              <a:t></a:t>
-            </a:r>
-            <a:endParaRPr lang="en-ZA" sz="1600" spc="-1" dirty="0">
-              <a:solidFill>
-                <a:srgbClr val="002060"/>
-              </a:solidFill>
-              <a:latin typeface="Arial" panose="020B0604020202020204" pitchFamily="34" charset="0"/>
-              <a:ea typeface="ヒラギノ角ゴ Pro W3"/>
-              <a:cs typeface="Arial" panose="020B0604020202020204" pitchFamily="34" charset="0"/>
-            </a:endParaRPr>
-          </a:p>
-        </p:txBody>
-      </p:sp>
-      <p:sp>
-        <p:nvSpPr>
-          <p:cNvPr id="2" name="Rectangle 1">
-            <a:extLst>
-              <a:ext uri="{FF2B5EF4-FFF2-40B4-BE49-F238E27FC236}">
-                <a16:creationId xmlns:a16="http://schemas.microsoft.com/office/drawing/2014/main" id="{D3F0F587-252E-4B6A-9E54-3E0F82EFC622}"/>
-              </a:ext>
-            </a:extLst>
-          </p:cNvPr>
-          <p:cNvSpPr>
-            <a:spLocks noChangeArrowheads="1"/>
-          </p:cNvSpPr>
-          <p:nvPr/>
-        </p:nvSpPr>
-        <p:spPr bwMode="auto">
-          <a:xfrm>
-            <a:off x="0" y="0"/>
-            <a:ext cx="9144000" cy="457200"/>
-          </a:xfrm>
-          <a:prstGeom prst="rect">
-            <a:avLst/>
-          </a:prstGeom>
-          <a:noFill/>
-          <a:ln>
-            <a:noFill/>
-          </a:ln>
-          <a:effectLst/>
-          <a:extLst>
-            <a:ext uri="{909E8E84-426E-40DD-AFC4-6F175D3DCCD1}">
-              <a14:hiddenFill xmlns:a14="http://schemas.microsoft.com/office/drawing/2010/main">
-                <a:solidFill>
-                  <a:schemeClr val="accent1"/>
-                </a:solidFill>
-              </a14:hiddenFill>
-            </a:ext>
-            <a:ext uri="{91240B29-F687-4F45-9708-019B960494DF}">
-              <a14:hiddenLine xmlns:a14="http://schemas.microsoft.com/office/drawing/2010/main" w="9525">
-                <a:solidFill>
-                  <a:schemeClr val="tx1"/>
-                </a:solidFill>
-                <a:miter lim="800000"/>
-                <a:headEnd/>
-                <a:tailEnd/>
-              </a14:hiddenLine>
-            </a:ext>
-            <a:ext uri="{AF507438-7753-43E0-B8FC-AC1667EBCBE1}">
-              <a14:hiddenEffects xmlns:a14="http://schemas.microsoft.com/office/drawing/2010/main">
-                <a:effectLst>
-                  <a:outerShdw dist="35921" dir="2700000" algn="ctr" rotWithShape="0">
-                    <a:schemeClr val="bg2"/>
-                  </a:outerShdw>
-                </a:effectLst>
-              </a14:hiddenEffects>
-            </a:ext>
-          </a:extLst>
-        </p:spPr>
-        <p:txBody>
-          <a:bodyPr vert="horz" wrap="none" lIns="0" tIns="0" rIns="0" bIns="0" numCol="1" anchor="ctr" anchorCtr="0" compatLnSpc="1">
-            <a:prstTxWarp prst="textNoShape">
-              <a:avLst/>
-            </a:prstTxWarp>
-            <a:spAutoFit/>
-          </a:bodyPr>
-          <a:lstStyle/>
-          <a:p>
-            <a:pPr marL="0" marR="0" lvl="0" indent="0" algn="l" defTabSz="914400" rtl="0" eaLnBrk="0" fontAlgn="base" latinLnBrk="0" hangingPunct="0">
-              <a:lnSpc>
-                <a:spcPct val="100000"/>
-              </a:lnSpc>
-              <a:spcBef>
-                <a:spcPct val="0"/>
-              </a:spcBef>
-              <a:spcAft>
-                <a:spcPct val="0"/>
-              </a:spcAft>
-              <a:buClrTx/>
-              <a:buSzTx/>
-              <a:buFontTx/>
-              <a:buNone/>
-              <a:tabLst/>
-            </a:pPr>
-            <a:r>
-              <a:rPr kumimoji="0" lang="fr-FR" altLang="fr-FR" sz="900" b="0" i="0" u="none" strike="noStrike" cap="none" normalizeH="0" baseline="0">
-                <a:ln>
-                  <a:noFill/>
-                </a:ln>
-                <a:solidFill>
-                  <a:srgbClr val="24292E"/>
-                </a:solidFill>
-                <a:effectLst/>
-                <a:latin typeface="SFMono-Regular"/>
-              </a:rPr>
-              <a:t>git clone https://github.com/UWCNuclear/PeakFitting.git</a:t>
-            </a:r>
-            <a:r>
-              <a:rPr kumimoji="0" lang="fr-FR" altLang="fr-FR" sz="600" b="0" i="0" u="none" strike="noStrike" cap="none" normalizeH="0" baseline="0">
-                <a:ln>
-                  <a:noFill/>
-                </a:ln>
-                <a:solidFill>
-                  <a:schemeClr val="tx1"/>
-                </a:solidFill>
-                <a:effectLst/>
-              </a:rPr>
-              <a:t> </a:t>
-            </a:r>
-            <a:endParaRPr kumimoji="0" lang="fr-FR" altLang="fr-FR" sz="1800" b="0" i="0" u="none" strike="noStrike" cap="none" normalizeH="0" baseline="0">
-              <a:ln>
-                <a:noFill/>
-              </a:ln>
-              <a:solidFill>
-                <a:schemeClr val="tx1"/>
-              </a:solidFill>
-              <a:effectLst/>
-              <a:latin typeface="Arial" panose="020B0604020202020204" pitchFamily="34" charset="0"/>
-            </a:endParaRPr>
-          </a:p>
-        </p:txBody>
-      </p:sp>
-    </p:spTree>
-    <p:extLst>
-      <p:ext uri="{BB962C8B-B14F-4D97-AF65-F5344CB8AC3E}">
-        <p14:creationId xmlns:p14="http://schemas.microsoft.com/office/powerpoint/2010/main" val="3558956554"/>
-      </p:ext>
-    </p:extLst>
-  </p:cSld>
-  <p:clrMapOvr>
-    <a:masterClrMapping/>
-  </p:clrMapOvr>
-  <p:timing>
-    <p:tnLst>
-      <p:par>
-        <p:cTn id="1" dur="indefinite" restart="never" nodeType="tmRoot">
-          <p:childTnLst>
-            <p:seq>
-              <p:cTn id="2" dur="indefinite" nodeType="mainSeq"/>
-              <p:prevCondLst>
-                <p:cond evt="onPrev" delay="0">
-                  <p:tgtEl>
-                    <p:sldTgt/>
-                  </p:tgtEl>
-                </p:cond>
-              </p:prevCondLst>
-              <p:nextCondLst>
-                <p:cond evt="onNext" delay="0">
-                  <p:tgtEl>
-                    <p:sldTgt/>
-                  </p:tgtEl>
-                </p:cond>
-              </p:nextCondLst>
-            </p:seq>
-          </p:childTnLst>
-        </p:cTn>
-      </p:par>
-    </p:tnLst>
-  </p:timing>
-</p:sld>
-</file>
-
 <file path=ppt/theme/theme1.xml><?xml version="1.0" encoding="utf-8"?>
 <a:theme xmlns:a="http://schemas.openxmlformats.org/drawingml/2006/main" name="Office Theme">
   <a:themeElements>

--- a/Introduction.pptx
+++ b/Introduction.pptx
@@ -8,10 +8,10 @@
     <p:sldId id="280" r:id="rId2"/>
     <p:sldId id="283" r:id="rId3"/>
     <p:sldId id="289" r:id="rId4"/>
-    <p:sldId id="285" r:id="rId5"/>
-    <p:sldId id="286" r:id="rId6"/>
-    <p:sldId id="281" r:id="rId7"/>
-    <p:sldId id="282" r:id="rId8"/>
+    <p:sldId id="281" r:id="rId5"/>
+    <p:sldId id="282" r:id="rId6"/>
+    <p:sldId id="286" r:id="rId7"/>
+    <p:sldId id="285" r:id="rId8"/>
   </p:sldIdLst>
   <p:sldSz cx="9144000" cy="5143500" type="screen16x9"/>
   <p:notesSz cx="7559675" cy="10691813"/>
@@ -362,7 +362,7 @@
                 </a:solidFill>
                 <a:latin typeface="Myriad Pro"/>
               </a:rPr>
-              <a:t>2023/04/27</a:t>
+              <a:t>2024/04/23</a:t>
             </a:fld>
             <a:endParaRPr lang="en-ZA" sz="1800" b="0" strike="noStrike" spc="-1">
               <a:latin typeface="Times New Roman"/>
@@ -418,7 +418,7 @@
                 </a:solidFill>
                 <a:latin typeface="Myriad Pro"/>
               </a:rPr>
-              <a:t>‹N°›</a:t>
+              <a:t>‹#›</a:t>
             </a:fld>
             <a:endParaRPr lang="en-ZA" sz="1800" b="0" strike="noStrike" spc="-1">
               <a:latin typeface="Times New Roman"/>
@@ -558,7 +558,7 @@
                 </a:solidFill>
                 <a:latin typeface="Myriad Pro"/>
               </a:rPr>
-              <a:t>2023/04/27</a:t>
+              <a:t>2024/04/23</a:t>
             </a:fld>
             <a:endParaRPr lang="en-ZA" sz="1800" b="0" strike="noStrike" spc="-1">
               <a:latin typeface="Times New Roman"/>
@@ -614,7 +614,7 @@
                 </a:solidFill>
                 <a:latin typeface="Myriad Pro"/>
               </a:rPr>
-              <a:t>‹N°›</a:t>
+              <a:t>‹#›</a:t>
             </a:fld>
             <a:endParaRPr lang="en-ZA" sz="1800" b="0" strike="noStrike" spc="-1">
               <a:latin typeface="Times New Roman"/>
@@ -764,7 +764,7 @@
                 </a:solidFill>
                 <a:latin typeface="Myriad Pro"/>
               </a:rPr>
-              <a:t>2023/04/27</a:t>
+              <a:t>2024/04/23</a:t>
             </a:fld>
             <a:endParaRPr lang="en-ZA" sz="1800" b="0" strike="noStrike" spc="-1">
               <a:latin typeface="Times New Roman"/>
@@ -820,7 +820,7 @@
                 </a:solidFill>
                 <a:latin typeface="Myriad Pro"/>
               </a:rPr>
-              <a:t>‹N°›</a:t>
+              <a:t>‹#›</a:t>
             </a:fld>
             <a:endParaRPr lang="en-ZA" sz="1800" b="0" strike="noStrike" spc="-1">
               <a:latin typeface="Times New Roman"/>
@@ -960,7 +960,7 @@
                 </a:solidFill>
                 <a:latin typeface="Myriad Pro"/>
               </a:rPr>
-              <a:t>2023/04/27</a:t>
+              <a:t>2024/04/23</a:t>
             </a:fld>
             <a:endParaRPr lang="en-ZA" sz="1800" b="0" strike="noStrike" spc="-1">
               <a:latin typeface="Times New Roman"/>
@@ -1016,7 +1016,7 @@
                 </a:solidFill>
                 <a:latin typeface="Myriad Pro"/>
               </a:rPr>
-              <a:t>‹N°›</a:t>
+              <a:t>‹#›</a:t>
             </a:fld>
             <a:endParaRPr lang="en-ZA" sz="1800" b="0" strike="noStrike" spc="-1">
               <a:latin typeface="Times New Roman"/>
@@ -1232,7 +1232,7 @@
                 </a:solidFill>
                 <a:latin typeface="Myriad Pro"/>
               </a:rPr>
-              <a:t>2023/04/27</a:t>
+              <a:t>2024/04/23</a:t>
             </a:fld>
             <a:endParaRPr lang="en-ZA" sz="1800" b="0" strike="noStrike" spc="-1">
               <a:latin typeface="Times New Roman"/>
@@ -1288,7 +1288,7 @@
                 </a:solidFill>
                 <a:latin typeface="Myriad Pro"/>
               </a:rPr>
-              <a:t>‹N°›</a:t>
+              <a:t>‹#›</a:t>
             </a:fld>
             <a:endParaRPr lang="en-ZA" sz="1800" b="0" strike="noStrike" spc="-1">
               <a:latin typeface="Times New Roman"/>
@@ -1490,7 +1490,7 @@
                 </a:solidFill>
                 <a:latin typeface="Myriad Pro"/>
               </a:rPr>
-              <a:t>2023/04/27</a:t>
+              <a:t>2024/04/23</a:t>
             </a:fld>
             <a:endParaRPr lang="en-ZA" sz="1800" b="0" strike="noStrike" spc="-1">
               <a:latin typeface="Times New Roman"/>
@@ -1546,7 +1546,7 @@
                 </a:solidFill>
                 <a:latin typeface="Myriad Pro"/>
               </a:rPr>
-              <a:t>‹N°›</a:t>
+              <a:t>‹#›</a:t>
             </a:fld>
             <a:endParaRPr lang="en-ZA" sz="1800" b="0" strike="noStrike" spc="-1">
               <a:latin typeface="Times New Roman"/>
@@ -1883,7 +1883,7 @@
                 </a:solidFill>
                 <a:latin typeface="Myriad Pro"/>
               </a:rPr>
-              <a:t>2023/04/27</a:t>
+              <a:t>2024/04/23</a:t>
             </a:fld>
             <a:endParaRPr lang="en-ZA" sz="1800" b="0" strike="noStrike" spc="-1">
               <a:latin typeface="Times New Roman"/>
@@ -1939,7 +1939,7 @@
                 </a:solidFill>
                 <a:latin typeface="Myriad Pro"/>
               </a:rPr>
-              <a:t>‹N°›</a:t>
+              <a:t>‹#›</a:t>
             </a:fld>
             <a:endParaRPr lang="en-ZA" sz="1800" b="0" strike="noStrike" spc="-1">
               <a:latin typeface="Times New Roman"/>
@@ -2027,7 +2027,7 @@
                 </a:solidFill>
                 <a:latin typeface="Myriad Pro"/>
               </a:rPr>
-              <a:t>2023/04/27</a:t>
+              <a:t>2024/04/23</a:t>
             </a:fld>
             <a:endParaRPr lang="en-ZA" sz="1800" b="0" strike="noStrike" spc="-1">
               <a:latin typeface="Times New Roman"/>
@@ -2083,7 +2083,7 @@
                 </a:solidFill>
                 <a:latin typeface="Myriad Pro"/>
               </a:rPr>
-              <a:t>‹N°›</a:t>
+              <a:t>‹#›</a:t>
             </a:fld>
             <a:endParaRPr lang="en-ZA" sz="1800" b="0" strike="noStrike" spc="-1">
               <a:latin typeface="Times New Roman"/>
@@ -2148,7 +2148,7 @@
                 </a:solidFill>
                 <a:latin typeface="Myriad Pro"/>
               </a:rPr>
-              <a:t>2023/04/27</a:t>
+              <a:t>2024/04/23</a:t>
             </a:fld>
             <a:endParaRPr lang="en-ZA" sz="1800" b="0" strike="noStrike" spc="-1">
               <a:latin typeface="Times New Roman"/>
@@ -2204,7 +2204,7 @@
                 </a:solidFill>
                 <a:latin typeface="Myriad Pro"/>
               </a:rPr>
-              <a:t>‹N°›</a:t>
+              <a:t>‹#›</a:t>
             </a:fld>
             <a:endParaRPr lang="en-ZA" sz="1800" b="0" strike="noStrike" spc="-1">
               <a:latin typeface="Times New Roman"/>
@@ -2451,7 +2451,7 @@
                 </a:solidFill>
                 <a:latin typeface="Myriad Pro"/>
               </a:rPr>
-              <a:t>2023/04/27</a:t>
+              <a:t>2024/04/23</a:t>
             </a:fld>
             <a:endParaRPr lang="en-ZA" sz="1800" b="0" strike="noStrike" spc="-1">
               <a:latin typeface="Times New Roman"/>
@@ -2507,7 +2507,7 @@
                 </a:solidFill>
                 <a:latin typeface="Myriad Pro"/>
               </a:rPr>
-              <a:t>‹N°›</a:t>
+              <a:t>‹#›</a:t>
             </a:fld>
             <a:endParaRPr lang="en-ZA" sz="1800" b="0" strike="noStrike" spc="-1">
               <a:latin typeface="Times New Roman"/>
@@ -2734,7 +2734,7 @@
                 </a:solidFill>
                 <a:latin typeface="Myriad Pro"/>
               </a:rPr>
-              <a:t>2023/04/27</a:t>
+              <a:t>2024/04/23</a:t>
             </a:fld>
             <a:endParaRPr lang="en-ZA" sz="1800" b="0" strike="noStrike" spc="-1">
               <a:latin typeface="Times New Roman"/>
@@ -2790,7 +2790,7 @@
                 </a:solidFill>
                 <a:latin typeface="Myriad Pro"/>
               </a:rPr>
-              <a:t>‹N°›</a:t>
+              <a:t>‹#›</a:t>
             </a:fld>
             <a:endParaRPr lang="en-ZA" sz="1800" b="0" strike="noStrike" spc="-1">
               <a:latin typeface="Times New Roman"/>
@@ -2973,7 +2973,7 @@
                 </a:solidFill>
                 <a:latin typeface="Myriad Pro"/>
               </a:rPr>
-              <a:t>2023/04/27</a:t>
+              <a:t>2024/04/23</a:t>
             </a:fld>
             <a:endParaRPr lang="en-ZA" sz="1800" b="0" strike="noStrike" spc="-1">
               <a:latin typeface="Times New Roman"/>
@@ -3065,7 +3065,7 @@
                 </a:solidFill>
                 <a:latin typeface="Myriad Pro"/>
               </a:rPr>
-              <a:t>‹N°›</a:t>
+              <a:t>‹#›</a:t>
             </a:fld>
             <a:endParaRPr lang="en-ZA" sz="1800" b="0" strike="noStrike" spc="-1">
               <a:latin typeface="Times New Roman"/>
@@ -3471,7 +3471,7 @@
                 </a:solidFill>
                 <a:latin typeface="Arial"/>
               </a:rPr>
-              <a:t>Detector Efficiency and Peak Fitting</a:t>
+              <a:t>Practical on Detector Efficiency</a:t>
             </a:r>
             <a:endParaRPr lang="en-US" sz="2000" b="0" strike="noStrike" spc="-1" dirty="0">
               <a:solidFill>
@@ -3553,7 +3553,7 @@
         <p:spPr>
           <a:xfrm>
             <a:off x="141236" y="624029"/>
-            <a:ext cx="8330819" cy="4315116"/>
+            <a:ext cx="8810607" cy="4315116"/>
           </a:xfrm>
           <a:prstGeom prst="rect">
             <a:avLst/>
@@ -3803,7 +3803,7 @@
                 <a:ea typeface="ヒラギノ角ゴ Pro W3"/>
                 <a:cs typeface="Arial" panose="020B0604020202020204" pitchFamily="34" charset="0"/>
               </a:rPr>
-              <a:t>How to determine the detection efficiency</a:t>
+              <a:t>How to find nuclear information</a:t>
             </a:r>
           </a:p>
           <a:p>
@@ -3826,8 +3826,27 @@
                 <a:ea typeface="ヒラギノ角ゴ Pro W3"/>
                 <a:cs typeface="Arial" panose="020B0604020202020204" pitchFamily="34" charset="0"/>
               </a:rPr>
-              <a:t>How to find nuclear information</a:t>
-            </a:r>
+              <a:t>How to fit peaks with </a:t>
+            </a:r>
+            <a:r>
+              <a:rPr lang="en-ZA" sz="1600" spc="-1" dirty="0" err="1">
+                <a:solidFill>
+                  <a:srgbClr val="002060"/>
+                </a:solidFill>
+                <a:latin typeface="Arial" panose="020B0604020202020204" pitchFamily="34" charset="0"/>
+                <a:ea typeface="ヒラギノ角ゴ Pro W3"/>
+                <a:cs typeface="Arial" panose="020B0604020202020204" pitchFamily="34" charset="0"/>
+              </a:rPr>
+              <a:t>GRSISort</a:t>
+            </a:r>
+            <a:endParaRPr lang="en-ZA" sz="1600" spc="-1" dirty="0">
+              <a:solidFill>
+                <a:srgbClr val="002060"/>
+              </a:solidFill>
+              <a:latin typeface="Arial" panose="020B0604020202020204" pitchFamily="34" charset="0"/>
+              <a:ea typeface="ヒラギノ角ゴ Pro W3"/>
+              <a:cs typeface="Arial" panose="020B0604020202020204" pitchFamily="34" charset="0"/>
+            </a:endParaRPr>
           </a:p>
           <a:p>
             <a:pPr marL="800280" lvl="1" indent="-342720">
@@ -3849,7 +3868,7 @@
                 <a:ea typeface="ヒラギノ角ゴ Pro W3"/>
                 <a:cs typeface="Arial" panose="020B0604020202020204" pitchFamily="34" charset="0"/>
               </a:rPr>
-              <a:t>How to fit peaks with </a:t>
+              <a:t>How to run a script in ROOT/</a:t>
             </a:r>
             <a:r>
               <a:rPr lang="en-ZA" sz="1600" spc="-1" dirty="0" err="1">
@@ -3891,27 +3910,8 @@
                 <a:ea typeface="ヒラギノ角ゴ Pro W3"/>
                 <a:cs typeface="Arial" panose="020B0604020202020204" pitchFamily="34" charset="0"/>
               </a:rPr>
-              <a:t>How to run a script in ROOT/</a:t>
-            </a:r>
-            <a:r>
-              <a:rPr lang="en-ZA" sz="1600" spc="-1" dirty="0" err="1">
-                <a:solidFill>
-                  <a:srgbClr val="002060"/>
-                </a:solidFill>
-                <a:latin typeface="Arial" panose="020B0604020202020204" pitchFamily="34" charset="0"/>
-                <a:ea typeface="ヒラギノ角ゴ Pro W3"/>
-                <a:cs typeface="Arial" panose="020B0604020202020204" pitchFamily="34" charset="0"/>
-              </a:rPr>
-              <a:t>GRSISort</a:t>
-            </a:r>
-            <a:endParaRPr lang="en-ZA" sz="1600" spc="-1" dirty="0">
-              <a:solidFill>
-                <a:srgbClr val="002060"/>
-              </a:solidFill>
-              <a:latin typeface="Arial" panose="020B0604020202020204" pitchFamily="34" charset="0"/>
-              <a:ea typeface="ヒラギノ角ゴ Pro W3"/>
-              <a:cs typeface="Arial" panose="020B0604020202020204" pitchFamily="34" charset="0"/>
-            </a:endParaRPr>
+              <a:t>How to determine the detection efficiency</a:t>
+            </a:r>
           </a:p>
           <a:p>
             <a:pPr marL="343080" indent="-342720">
@@ -4045,48 +4045,6 @@
               </a:rPr>
               <a:t>The detection efficiency calibration of real germanium detector arrays!</a:t>
             </a:r>
-          </a:p>
-          <a:p>
-            <a:pPr marL="800280" lvl="1" indent="-342720">
-              <a:spcBef>
-                <a:spcPts val="320"/>
-              </a:spcBef>
-              <a:buClr>
-                <a:srgbClr val="002060"/>
-              </a:buClr>
-              <a:buFont typeface="Wingdings" charset="2"/>
-              <a:buChar char=""/>
-            </a:pPr>
-            <a:r>
-              <a:rPr lang="en-US" sz="1600" spc="-1" dirty="0">
-                <a:solidFill>
-                  <a:srgbClr val="002060"/>
-                </a:solidFill>
-                <a:latin typeface="Arial" panose="020B0604020202020204" pitchFamily="34" charset="0"/>
-                <a:ea typeface="ヒラギノ角ゴ Pro W3"/>
-                <a:cs typeface="Arial" panose="020B0604020202020204" pitchFamily="34" charset="0"/>
-              </a:rPr>
-              <a:t>Install </a:t>
-            </a:r>
-            <a:r>
-              <a:rPr lang="en-US" sz="1600" spc="-1" dirty="0" err="1">
-                <a:solidFill>
-                  <a:srgbClr val="002060"/>
-                </a:solidFill>
-                <a:latin typeface="Arial" panose="020B0604020202020204" pitchFamily="34" charset="0"/>
-                <a:ea typeface="ヒラギノ角ゴ Pro W3"/>
-                <a:cs typeface="Arial" panose="020B0604020202020204" pitchFamily="34" charset="0"/>
-              </a:rPr>
-              <a:t>GRSISort</a:t>
-            </a:r>
-            <a:endParaRPr lang="en-US" sz="1600" spc="-1" dirty="0">
-              <a:solidFill>
-                <a:srgbClr val="002060"/>
-              </a:solidFill>
-              <a:latin typeface="Arial" panose="020B0604020202020204" pitchFamily="34" charset="0"/>
-              <a:ea typeface="ヒラギノ角ゴ Pro W3"/>
-              <a:cs typeface="Arial" panose="020B0604020202020204" pitchFamily="34" charset="0"/>
-            </a:endParaRPr>
           </a:p>
           <a:p>
             <a:pPr marL="800280" lvl="1" indent="-342720">
@@ -4770,7 +4728,7 @@
                 <a:latin typeface="Arial"/>
                 <a:cs typeface="Arial"/>
               </a:rPr>
-              <a:t>Soccer Ball</a:t>
+              <a:t>GAMKA</a:t>
             </a:r>
             <a:r>
               <a:rPr lang="en-GB" sz="1200" dirty="0">
@@ -7786,7 +7744,7 @@
                 <a:latin typeface="Arial"/>
                 <a:cs typeface="Arial"/>
               </a:rPr>
-              <a:t>Soccer Ball</a:t>
+              <a:t>GAMKA</a:t>
             </a:r>
             <a:r>
               <a:rPr lang="en-GB" sz="1200" dirty="0">
@@ -8925,18 +8883,95 @@
       </p:grpSpPr>
       <p:pic>
         <p:nvPicPr>
-          <p:cNvPr id="55" name="Image 6"/>
+          <p:cNvPr id="2050" name="Picture 2" descr="Learn Behaviour of Radiations in Electric and Magnetic Fields in 3 minutes.">
+            <a:extLst>
+              <a:ext uri="{FF2B5EF4-FFF2-40B4-BE49-F238E27FC236}">
+                <a16:creationId xmlns:a16="http://schemas.microsoft.com/office/drawing/2014/main" id="{2820D00A-A393-4ADE-BDC0-8BF24ADBB510}"/>
+              </a:ext>
+            </a:extLst>
+          </p:cNvPr>
+          <p:cNvPicPr>
+            <a:picLocks noChangeAspect="1" noChangeArrowheads="1" noCrop="1"/>
+          </p:cNvPicPr>
+          <p:nvPr/>
+        </p:nvPicPr>
+        <p:blipFill>
+          <a:blip r:embed="rId2">
+            <a:extLst>
+              <a:ext uri="{28A0092B-C50C-407E-A947-70E740481C1C}">
+                <a14:useLocalDpi xmlns:a14="http://schemas.microsoft.com/office/drawing/2010/main" val="0"/>
+              </a:ext>
+            </a:extLst>
+          </a:blip>
+          <a:srcRect/>
+          <a:stretch>
+            <a:fillRect/>
+          </a:stretch>
+        </p:blipFill>
+        <p:spPr bwMode="auto">
+          <a:xfrm>
+            <a:off x="-337427" y="2394571"/>
+            <a:ext cx="2093974" cy="1612280"/>
+          </a:xfrm>
+          <a:prstGeom prst="rect">
+            <a:avLst/>
+          </a:prstGeom>
+          <a:noFill/>
+          <a:extLst>
+            <a:ext uri="{909E8E84-426E-40DD-AFC4-6F175D3DCCD1}">
+              <a14:hiddenFill xmlns:a14="http://schemas.microsoft.com/office/drawing/2010/main">
+                <a:solidFill>
+                  <a:srgbClr val="FFFFFF"/>
+                </a:solidFill>
+              </a14:hiddenFill>
+            </a:ext>
+          </a:extLst>
+        </p:spPr>
+      </p:pic>
+      <p:pic>
+        <p:nvPicPr>
+          <p:cNvPr id="20" name="Image 19">
+            <a:extLst>
+              <a:ext uri="{FF2B5EF4-FFF2-40B4-BE49-F238E27FC236}">
+                <a16:creationId xmlns:a16="http://schemas.microsoft.com/office/drawing/2014/main" id="{28EB1300-C349-4CBD-8A18-616AA2F4C951}"/>
+              </a:ext>
+            </a:extLst>
+          </p:cNvPr>
+          <p:cNvPicPr>
+            <a:picLocks noChangeAspect="1"/>
+          </p:cNvPicPr>
+          <p:nvPr/>
+        </p:nvPicPr>
+        <p:blipFill>
+          <a:blip r:embed="rId3"/>
+          <a:stretch>
+            <a:fillRect/>
+          </a:stretch>
+        </p:blipFill>
+        <p:spPr>
+          <a:xfrm rot="2257161">
+            <a:off x="971763" y="595186"/>
+            <a:ext cx="1803416" cy="2293543"/>
+          </a:xfrm>
+          <a:prstGeom prst="rect">
+            <a:avLst/>
+          </a:prstGeom>
+        </p:spPr>
+      </p:pic>
+      <p:pic>
+        <p:nvPicPr>
+          <p:cNvPr id="56" name="Image 7"/>
           <p:cNvPicPr/>
           <p:nvPr/>
         </p:nvPicPr>
         <p:blipFill>
-          <a:blip r:embed="rId2"/>
+          <a:blip r:embed="rId4"/>
           <a:stretch/>
         </p:blipFill>
         <p:spPr>
           <a:xfrm>
-            <a:off x="1404720" y="0"/>
-            <a:ext cx="7738920" cy="477000"/>
+            <a:off x="0" y="0"/>
+            <a:ext cx="1419120" cy="477000"/>
           </a:xfrm>
           <a:prstGeom prst="rect">
             <a:avLst/>
@@ -8948,18 +8983,18 @@
       </p:pic>
       <p:pic>
         <p:nvPicPr>
-          <p:cNvPr id="56" name="Image 7"/>
+          <p:cNvPr id="55" name="Image 6"/>
           <p:cNvPicPr/>
           <p:nvPr/>
         </p:nvPicPr>
         <p:blipFill>
-          <a:blip r:embed="rId3"/>
+          <a:blip r:embed="rId5"/>
           <a:stretch/>
         </p:blipFill>
         <p:spPr>
           <a:xfrm>
-            <a:off x="0" y="0"/>
-            <a:ext cx="1419120" cy="477000"/>
+            <a:off x="1404720" y="0"/>
+            <a:ext cx="7738920" cy="477000"/>
           </a:xfrm>
           <a:prstGeom prst="rect">
             <a:avLst/>
@@ -9000,8 +9035,14 @@
                 </a:solidFill>
                 <a:latin typeface="Arial"/>
               </a:rPr>
-              <a:t>How Semiconductor Detectors Work</a:t>
-            </a:r>
+              <a:t>How to Determine the Detection Efficiency </a:t>
+            </a:r>
+            <a:endParaRPr lang="en-US" sz="2000" b="0" strike="noStrike" spc="-1" dirty="0">
+              <a:solidFill>
+                <a:srgbClr val="000000"/>
+              </a:solidFill>
+              <a:latin typeface="Calibri"/>
+            </a:endParaRPr>
           </a:p>
         </p:txBody>
       </p:sp>
@@ -9055,91 +9096,293 @@
               </a:rPr>
               <a:t>4</a:t>
             </a:r>
+            <a:endParaRPr lang="en-ZA" sz="1300" b="0" strike="noStrike" spc="-1" dirty="0">
+              <a:latin typeface="Arial"/>
+            </a:endParaRPr>
           </a:p>
         </p:txBody>
       </p:sp>
-      <p:sp>
-        <p:nvSpPr>
-          <p:cNvPr id="8" name="CustomShape 3">
+      <p:pic>
+        <p:nvPicPr>
+          <p:cNvPr id="7" name="Image 6">
             <a:extLst>
               <a:ext uri="{FF2B5EF4-FFF2-40B4-BE49-F238E27FC236}">
-                <a16:creationId xmlns:a16="http://schemas.microsoft.com/office/drawing/2014/main" id="{47DCCAE0-5E0D-4AF9-BB4F-A5051CB85103}"/>
+                <a16:creationId xmlns:a16="http://schemas.microsoft.com/office/drawing/2014/main" id="{9221DD59-D502-43B4-B0A1-F2AEFD705786}"/>
               </a:ext>
             </a:extLst>
           </p:cNvPr>
-          <p:cNvSpPr/>
+          <p:cNvPicPr>
+            <a:picLocks noChangeAspect="1"/>
+          </p:cNvPicPr>
           <p:nvPr/>
-        </p:nvSpPr>
+        </p:nvPicPr>
+        <p:blipFill>
+          <a:blip r:embed="rId6"/>
+          <a:stretch>
+            <a:fillRect/>
+          </a:stretch>
+        </p:blipFill>
         <p:spPr>
           <a:xfrm>
-            <a:off x="141235" y="624030"/>
-            <a:ext cx="3886995" cy="574388"/>
+            <a:off x="2780580" y="3006915"/>
+            <a:ext cx="4052960" cy="726065"/>
           </a:xfrm>
           <a:prstGeom prst="rect">
             <a:avLst/>
           </a:prstGeom>
-          <a:noFill/>
-          <a:ln>
-            <a:noFill/>
+          <a:ln w="19050">
+            <a:solidFill>
+              <a:schemeClr val="accent1"/>
+            </a:solidFill>
+          </a:ln>
+        </p:spPr>
+      </p:pic>
+      <p:pic>
+        <p:nvPicPr>
+          <p:cNvPr id="15" name="Image 14">
+            <a:extLst>
+              <a:ext uri="{FF2B5EF4-FFF2-40B4-BE49-F238E27FC236}">
+                <a16:creationId xmlns:a16="http://schemas.microsoft.com/office/drawing/2014/main" id="{64615BC0-9482-4043-B2E8-54434B498850}"/>
+              </a:ext>
+            </a:extLst>
+          </p:cNvPr>
+          <p:cNvPicPr>
+            <a:picLocks noChangeAspect="1"/>
+          </p:cNvPicPr>
+          <p:nvPr/>
+        </p:nvPicPr>
+        <p:blipFill>
+          <a:blip r:embed="rId7"/>
+          <a:stretch>
+            <a:fillRect/>
+          </a:stretch>
+        </p:blipFill>
+        <p:spPr>
+          <a:xfrm>
+            <a:off x="4853916" y="1329977"/>
+            <a:ext cx="1190625" cy="666750"/>
+          </a:xfrm>
+          <a:prstGeom prst="rect">
+            <a:avLst/>
+          </a:prstGeom>
+        </p:spPr>
+      </p:pic>
+      <p:pic>
+        <p:nvPicPr>
+          <p:cNvPr id="18" name="Image 17">
+            <a:extLst>
+              <a:ext uri="{FF2B5EF4-FFF2-40B4-BE49-F238E27FC236}">
+                <a16:creationId xmlns:a16="http://schemas.microsoft.com/office/drawing/2014/main" id="{2C28A64E-26C0-4317-9CD0-C886E5575ADB}"/>
+              </a:ext>
+            </a:extLst>
+          </p:cNvPr>
+          <p:cNvPicPr>
+            <a:picLocks noChangeAspect="1"/>
+          </p:cNvPicPr>
+          <p:nvPr/>
+        </p:nvPicPr>
+        <p:blipFill>
+          <a:blip r:embed="rId8"/>
+          <a:stretch>
+            <a:fillRect/>
+          </a:stretch>
+        </p:blipFill>
+        <p:spPr>
+          <a:xfrm>
+            <a:off x="2848635" y="672241"/>
+            <a:ext cx="4695825" cy="600075"/>
+          </a:xfrm>
+          <a:prstGeom prst="rect">
+            <a:avLst/>
+          </a:prstGeom>
+        </p:spPr>
+      </p:pic>
+      <p:cxnSp>
+        <p:nvCxnSpPr>
+          <p:cNvPr id="24" name="Straight Arrow Connector 26">
+            <a:extLst>
+              <a:ext uri="{FF2B5EF4-FFF2-40B4-BE49-F238E27FC236}">
+                <a16:creationId xmlns:a16="http://schemas.microsoft.com/office/drawing/2014/main" id="{CF3C1D8E-5E6E-4153-8B0C-B890B7CE533C}"/>
+              </a:ext>
+            </a:extLst>
+          </p:cNvPr>
+          <p:cNvCxnSpPr>
+            <a:cxnSpLocks/>
+          </p:cNvCxnSpPr>
+          <p:nvPr/>
+        </p:nvCxnSpPr>
+        <p:spPr>
+          <a:xfrm flipH="1">
+            <a:off x="6144872" y="1536261"/>
+            <a:ext cx="590465" cy="0"/>
+          </a:xfrm>
+          <a:prstGeom prst="straightConnector1">
+            <a:avLst/>
+          </a:prstGeom>
+          <a:ln w="12700">
+            <a:solidFill>
+              <a:schemeClr val="tx1"/>
+            </a:solidFill>
+            <a:headEnd type="none"/>
+            <a:tailEnd type="arrow"/>
           </a:ln>
         </p:spPr>
         <p:style>
-          <a:lnRef idx="0">
-            <a:scrgbClr r="0" g="0" b="0"/>
+          <a:lnRef idx="1">
+            <a:schemeClr val="accent1"/>
           </a:lnRef>
           <a:fillRef idx="0">
-            <a:scrgbClr r="0" g="0" b="0"/>
+            <a:schemeClr val="accent1"/>
           </a:fillRef>
           <a:effectRef idx="0">
-            <a:scrgbClr r="0" g="0" b="0"/>
+            <a:schemeClr val="accent1"/>
           </a:effectRef>
-          <a:fontRef idx="minor"/>
+          <a:fontRef idx="minor">
+            <a:schemeClr val="tx1"/>
+          </a:fontRef>
         </p:style>
-        <p:txBody>
-          <a:bodyPr lIns="90000" tIns="45000" rIns="90000" bIns="45000"/>
-          <a:lstStyle/>
-          <a:p>
-            <a:pPr marL="343080" indent="-342720">
-              <a:lnSpc>
-                <a:spcPct val="100000"/>
-              </a:lnSpc>
-              <a:spcBef>
-                <a:spcPts val="320"/>
-              </a:spcBef>
-              <a:buClr>
-                <a:srgbClr val="002060"/>
-              </a:buClr>
-              <a:buFont typeface="Wingdings" charset="2"/>
-              <a:buChar char=""/>
-            </a:pPr>
-            <a:r>
-              <a:rPr lang="en-US" sz="1600" strike="noStrike" spc="-1" dirty="0">
-                <a:solidFill>
-                  <a:srgbClr val="002060"/>
-                </a:solidFill>
-                <a:latin typeface="Arial" panose="020B0604020202020204" pitchFamily="34" charset="0"/>
-                <a:ea typeface="ヒラギノ角ゴ Pro W3"/>
-                <a:cs typeface="Arial" panose="020B0604020202020204" pitchFamily="34" charset="0"/>
-              </a:rPr>
-              <a:t>An external field creates an area depleted of free charge carriers.</a:t>
-            </a:r>
-            <a:endParaRPr lang="en-ZA" sz="1600" spc="-1" dirty="0">
-              <a:solidFill>
-                <a:srgbClr val="002060"/>
-              </a:solidFill>
-              <a:latin typeface="Arial" panose="020B0604020202020204" pitchFamily="34" charset="0"/>
-              <a:ea typeface="ヒラギノ角ゴ Pro W3"/>
-              <a:cs typeface="Arial" panose="020B0604020202020204" pitchFamily="34" charset="0"/>
-            </a:endParaRPr>
-          </a:p>
-        </p:txBody>
-      </p:sp>
+      </p:cxnSp>
+      <p:cxnSp>
+        <p:nvCxnSpPr>
+          <p:cNvPr id="26" name="Straight Arrow Connector 26">
+            <a:extLst>
+              <a:ext uri="{FF2B5EF4-FFF2-40B4-BE49-F238E27FC236}">
+                <a16:creationId xmlns:a16="http://schemas.microsoft.com/office/drawing/2014/main" id="{6D47C796-AA9D-41AD-A1CB-462CA0643554}"/>
+              </a:ext>
+            </a:extLst>
+          </p:cNvPr>
+          <p:cNvCxnSpPr>
+            <a:cxnSpLocks/>
+          </p:cNvCxnSpPr>
+          <p:nvPr/>
+        </p:nvCxnSpPr>
+        <p:spPr>
+          <a:xfrm flipH="1">
+            <a:off x="6144872" y="1829910"/>
+            <a:ext cx="590465" cy="0"/>
+          </a:xfrm>
+          <a:prstGeom prst="straightConnector1">
+            <a:avLst/>
+          </a:prstGeom>
+          <a:ln w="12700">
+            <a:solidFill>
+              <a:schemeClr val="tx1"/>
+            </a:solidFill>
+            <a:headEnd type="none"/>
+            <a:tailEnd type="arrow"/>
+          </a:ln>
+        </p:spPr>
+        <p:style>
+          <a:lnRef idx="1">
+            <a:schemeClr val="accent1"/>
+          </a:lnRef>
+          <a:fillRef idx="0">
+            <a:schemeClr val="accent1"/>
+          </a:fillRef>
+          <a:effectRef idx="0">
+            <a:schemeClr val="accent1"/>
+          </a:effectRef>
+          <a:fontRef idx="minor">
+            <a:schemeClr val="tx1"/>
+          </a:fontRef>
+        </p:style>
+      </p:cxnSp>
+      <p:cxnSp>
+        <p:nvCxnSpPr>
+          <p:cNvPr id="27" name="Straight Arrow Connector 26">
+            <a:extLst>
+              <a:ext uri="{FF2B5EF4-FFF2-40B4-BE49-F238E27FC236}">
+                <a16:creationId xmlns:a16="http://schemas.microsoft.com/office/drawing/2014/main" id="{DC8813FC-61F6-4015-8556-831416EBA4BA}"/>
+              </a:ext>
+            </a:extLst>
+          </p:cNvPr>
+          <p:cNvCxnSpPr>
+            <a:cxnSpLocks/>
+          </p:cNvCxnSpPr>
+          <p:nvPr/>
+        </p:nvCxnSpPr>
+        <p:spPr>
+          <a:xfrm flipH="1" flipV="1">
+            <a:off x="5634018" y="2014408"/>
+            <a:ext cx="1101319" cy="151353"/>
+          </a:xfrm>
+          <a:prstGeom prst="straightConnector1">
+            <a:avLst/>
+          </a:prstGeom>
+          <a:ln w="12700">
+            <a:solidFill>
+              <a:schemeClr val="tx1"/>
+            </a:solidFill>
+            <a:headEnd type="none"/>
+            <a:tailEnd type="arrow"/>
+          </a:ln>
+        </p:spPr>
+        <p:style>
+          <a:lnRef idx="1">
+            <a:schemeClr val="accent1"/>
+          </a:lnRef>
+          <a:fillRef idx="0">
+            <a:schemeClr val="accent1"/>
+          </a:fillRef>
+          <a:effectRef idx="0">
+            <a:schemeClr val="accent1"/>
+          </a:effectRef>
+          <a:fontRef idx="minor">
+            <a:schemeClr val="tx1"/>
+          </a:fontRef>
+        </p:style>
+      </p:cxnSp>
+      <p:cxnSp>
+        <p:nvCxnSpPr>
+          <p:cNvPr id="32" name="Straight Arrow Connector 26">
+            <a:extLst>
+              <a:ext uri="{FF2B5EF4-FFF2-40B4-BE49-F238E27FC236}">
+                <a16:creationId xmlns:a16="http://schemas.microsoft.com/office/drawing/2014/main" id="{E27915E7-0F0B-4BC5-B1E2-F48B8C2D737C}"/>
+              </a:ext>
+            </a:extLst>
+          </p:cNvPr>
+          <p:cNvCxnSpPr>
+            <a:cxnSpLocks/>
+          </p:cNvCxnSpPr>
+          <p:nvPr/>
+        </p:nvCxnSpPr>
+        <p:spPr>
+          <a:xfrm flipH="1" flipV="1">
+            <a:off x="5330283" y="2054388"/>
+            <a:ext cx="1405054" cy="420486"/>
+          </a:xfrm>
+          <a:prstGeom prst="straightConnector1">
+            <a:avLst/>
+          </a:prstGeom>
+          <a:ln w="12700">
+            <a:solidFill>
+              <a:schemeClr val="tx1"/>
+            </a:solidFill>
+            <a:headEnd type="none"/>
+            <a:tailEnd type="arrow"/>
+          </a:ln>
+        </p:spPr>
+        <p:style>
+          <a:lnRef idx="1">
+            <a:schemeClr val="accent1"/>
+          </a:lnRef>
+          <a:fillRef idx="0">
+            <a:schemeClr val="accent1"/>
+          </a:fillRef>
+          <a:effectRef idx="0">
+            <a:schemeClr val="accent1"/>
+          </a:effectRef>
+          <a:fontRef idx="minor">
+            <a:schemeClr val="tx1"/>
+          </a:fontRef>
+        </p:style>
+      </p:cxnSp>
       <p:sp>
         <p:nvSpPr>
-          <p:cNvPr id="7" name="TextBox 3">
+          <p:cNvPr id="37" name="TextBox 3">
             <a:extLst>
               <a:ext uri="{FF2B5EF4-FFF2-40B4-BE49-F238E27FC236}">
-                <a16:creationId xmlns:a16="http://schemas.microsoft.com/office/drawing/2014/main" id="{740533F4-08BC-4160-90CF-EC420AA07E96}"/>
+                <a16:creationId xmlns:a16="http://schemas.microsoft.com/office/drawing/2014/main" id="{1A432730-817B-4703-972D-3F3B7577B326}"/>
               </a:ext>
             </a:extLst>
           </p:cNvPr>
@@ -9148,8 +9391,8 @@
         </p:nvSpPr>
         <p:spPr>
           <a:xfrm>
-            <a:off x="3908498" y="4866501"/>
-            <a:ext cx="5283993" cy="276999"/>
+            <a:off x="6835668" y="1355098"/>
+            <a:ext cx="2307972" cy="338554"/>
           </a:xfrm>
           <a:prstGeom prst="rect">
             <a:avLst/>
@@ -9260,54 +9503,31 @@
           </a:lstStyle>
           <a:p>
             <a:r>
-              <a:rPr lang="en-GB" sz="1200" dirty="0">
+              <a:rPr lang="en-GB" sz="1600" dirty="0">
                 <a:solidFill>
                   <a:srgbClr val="21225A"/>
                 </a:solidFill>
                 <a:latin typeface="Arial"/>
                 <a:cs typeface="Arial"/>
               </a:rPr>
-              <a:t>W.R. Leo, </a:t>
-            </a:r>
-            <a:r>
-              <a:rPr lang="en-GB" sz="1200" i="1" dirty="0">
-                <a:solidFill>
-                  <a:srgbClr val="21225A"/>
-                </a:solidFill>
-                <a:latin typeface="Arial"/>
-                <a:cs typeface="Arial"/>
-              </a:rPr>
-              <a:t>Techniques for Nuclear and Particle Physics Experiments </a:t>
-            </a:r>
-            <a:r>
-              <a:rPr lang="en-GB" sz="1200" dirty="0">
-                <a:solidFill>
-                  <a:srgbClr val="21225A"/>
-                </a:solidFill>
-                <a:latin typeface="Arial"/>
-                <a:cs typeface="Arial"/>
-              </a:rPr>
-              <a:t>(1994)</a:t>
-            </a:r>
-            <a:r>
-              <a:rPr lang="en-GB" sz="1200" b="1" dirty="0">
-                <a:solidFill>
-                  <a:srgbClr val="21225A"/>
-                </a:solidFill>
-                <a:latin typeface="Arial"/>
-                <a:cs typeface="Arial"/>
-              </a:rPr>
-              <a:t>.</a:t>
-            </a:r>
+              <a:t>Area of the photopeak</a:t>
+            </a:r>
+            <a:endParaRPr lang="en-GB" sz="1600" b="1" dirty="0">
+              <a:solidFill>
+                <a:srgbClr val="21225A"/>
+              </a:solidFill>
+              <a:latin typeface="Arial"/>
+              <a:cs typeface="Arial"/>
+            </a:endParaRPr>
           </a:p>
         </p:txBody>
       </p:sp>
       <p:sp>
         <p:nvSpPr>
-          <p:cNvPr id="12" name="TextBox 3">
+          <p:cNvPr id="38" name="TextBox 3">
             <a:extLst>
               <a:ext uri="{FF2B5EF4-FFF2-40B4-BE49-F238E27FC236}">
-                <a16:creationId xmlns:a16="http://schemas.microsoft.com/office/drawing/2014/main" id="{CC149BE6-8A42-47FD-9F93-878EC5E8DD3F}"/>
+                <a16:creationId xmlns:a16="http://schemas.microsoft.com/office/drawing/2014/main" id="{B1B75497-7286-49CD-800C-C4ABE78AB9CF}"/>
               </a:ext>
             </a:extLst>
           </p:cNvPr>
@@ -9316,8 +9536,8 @@
         </p:nvSpPr>
         <p:spPr>
           <a:xfrm>
-            <a:off x="5139531" y="4651080"/>
-            <a:ext cx="4052960" cy="276999"/>
+            <a:off x="6833540" y="1663352"/>
+            <a:ext cx="2307972" cy="338554"/>
           </a:xfrm>
           <a:prstGeom prst="rect">
             <a:avLst/>
@@ -9428,161 +9648,31 @@
           </a:lstStyle>
           <a:p>
             <a:r>
-              <a:rPr lang="en-GB" sz="1200" dirty="0">
+              <a:rPr lang="en-GB" sz="1600" dirty="0">
                 <a:solidFill>
                   <a:srgbClr val="21225A"/>
                 </a:solidFill>
                 <a:latin typeface="Arial"/>
                 <a:cs typeface="Arial"/>
               </a:rPr>
-              <a:t>G.F. Knoll, </a:t>
-            </a:r>
-            <a:r>
-              <a:rPr lang="en-GB" sz="1200" i="1" dirty="0">
-                <a:solidFill>
-                  <a:srgbClr val="21225A"/>
-                </a:solidFill>
-                <a:latin typeface="Arial"/>
-                <a:cs typeface="Arial"/>
-              </a:rPr>
-              <a:t>Radiation Detection and Measurement </a:t>
-            </a:r>
-            <a:r>
-              <a:rPr lang="en-GB" sz="1200" dirty="0">
-                <a:solidFill>
-                  <a:srgbClr val="21225A"/>
-                </a:solidFill>
-                <a:latin typeface="Arial"/>
-                <a:cs typeface="Arial"/>
-              </a:rPr>
-              <a:t>(1989)</a:t>
-            </a:r>
-            <a:r>
-              <a:rPr lang="en-GB" sz="1200" b="1" dirty="0">
-                <a:solidFill>
-                  <a:srgbClr val="21225A"/>
-                </a:solidFill>
-                <a:latin typeface="Arial"/>
-                <a:cs typeface="Arial"/>
-              </a:rPr>
-              <a:t>.</a:t>
-            </a:r>
+              <a:t>Data collection time</a:t>
+            </a:r>
+            <a:endParaRPr lang="en-GB" sz="1600" b="1" dirty="0">
+              <a:solidFill>
+                <a:srgbClr val="21225A"/>
+              </a:solidFill>
+              <a:latin typeface="Arial"/>
+              <a:cs typeface="Arial"/>
+            </a:endParaRPr>
           </a:p>
         </p:txBody>
       </p:sp>
-      <p:pic>
-        <p:nvPicPr>
-          <p:cNvPr id="3074" name="Picture 2" descr="Coaxial detector cross-sections. The HPGe material may be either high-purity p or n-type. The corresponding electrode configurations are shown for each type (Knoll 2000).">
+      <p:sp>
+        <p:nvSpPr>
+          <p:cNvPr id="39" name="TextBox 3">
             <a:extLst>
               <a:ext uri="{FF2B5EF4-FFF2-40B4-BE49-F238E27FC236}">
-                <a16:creationId xmlns:a16="http://schemas.microsoft.com/office/drawing/2014/main" id="{646915B5-E0F0-4763-BFB7-EA0DE537783B}"/>
-              </a:ext>
-            </a:extLst>
-          </p:cNvPr>
-          <p:cNvPicPr>
-            <a:picLocks noChangeAspect="1" noChangeArrowheads="1"/>
-          </p:cNvPicPr>
-          <p:nvPr/>
-        </p:nvPicPr>
-        <p:blipFill>
-          <a:blip r:embed="rId4">
-            <a:extLst>
-              <a:ext uri="{28A0092B-C50C-407E-A947-70E740481C1C}">
-                <a14:useLocalDpi xmlns:a14="http://schemas.microsoft.com/office/drawing/2010/main" val="0"/>
-              </a:ext>
-            </a:extLst>
-          </a:blip>
-          <a:srcRect/>
-          <a:stretch>
-            <a:fillRect/>
-          </a:stretch>
-        </p:blipFill>
-        <p:spPr bwMode="auto">
-          <a:xfrm>
-            <a:off x="4161055" y="2538690"/>
-            <a:ext cx="4855150" cy="1885949"/>
-          </a:xfrm>
-          <a:prstGeom prst="rect">
-            <a:avLst/>
-          </a:prstGeom>
-          <a:noFill/>
-          <a:extLst>
-            <a:ext uri="{909E8E84-426E-40DD-AFC4-6F175D3DCCD1}">
-              <a14:hiddenFill xmlns:a14="http://schemas.microsoft.com/office/drawing/2010/main">
-                <a:solidFill>
-                  <a:srgbClr val="FFFFFF"/>
-                </a:solidFill>
-              </a14:hiddenFill>
-            </a:ext>
-          </a:extLst>
-        </p:spPr>
-      </p:pic>
-      <p:pic>
-        <p:nvPicPr>
-          <p:cNvPr id="3" name="Image 2">
-            <a:extLst>
-              <a:ext uri="{FF2B5EF4-FFF2-40B4-BE49-F238E27FC236}">
-                <a16:creationId xmlns:a16="http://schemas.microsoft.com/office/drawing/2014/main" id="{ED65578C-341B-41C0-ABDA-136E9420EB6B}"/>
-              </a:ext>
-            </a:extLst>
-          </p:cNvPr>
-          <p:cNvPicPr>
-            <a:picLocks noChangeAspect="1"/>
-          </p:cNvPicPr>
-          <p:nvPr/>
-        </p:nvPicPr>
-        <p:blipFill>
-          <a:blip r:embed="rId5"/>
-          <a:stretch>
-            <a:fillRect/>
-          </a:stretch>
-        </p:blipFill>
-        <p:spPr>
-          <a:xfrm>
-            <a:off x="21504" y="2557621"/>
-            <a:ext cx="3886994" cy="2487230"/>
-          </a:xfrm>
-          <a:prstGeom prst="rect">
-            <a:avLst/>
-          </a:prstGeom>
-        </p:spPr>
-      </p:pic>
-      <p:pic>
-        <p:nvPicPr>
-          <p:cNvPr id="5" name="Image 4">
-            <a:extLst>
-              <a:ext uri="{FF2B5EF4-FFF2-40B4-BE49-F238E27FC236}">
-                <a16:creationId xmlns:a16="http://schemas.microsoft.com/office/drawing/2014/main" id="{1B04B2E0-A3F7-441A-A6CC-13656ED7DF41}"/>
-              </a:ext>
-            </a:extLst>
-          </p:cNvPr>
-          <p:cNvPicPr>
-            <a:picLocks noChangeAspect="1"/>
-          </p:cNvPicPr>
-          <p:nvPr/>
-        </p:nvPicPr>
-        <p:blipFill>
-          <a:blip r:embed="rId6"/>
-          <a:stretch>
-            <a:fillRect/>
-          </a:stretch>
-        </p:blipFill>
-        <p:spPr>
-          <a:xfrm>
-            <a:off x="5274180" y="546840"/>
-            <a:ext cx="2628900" cy="1885950"/>
-          </a:xfrm>
-          <a:prstGeom prst="rect">
-            <a:avLst/>
-          </a:prstGeom>
-        </p:spPr>
-      </p:pic>
-      <p:sp>
-        <p:nvSpPr>
-          <p:cNvPr id="17" name="TextBox 3">
-            <a:extLst>
-              <a:ext uri="{FF2B5EF4-FFF2-40B4-BE49-F238E27FC236}">
-                <a16:creationId xmlns:a16="http://schemas.microsoft.com/office/drawing/2014/main" id="{C0A03F53-3894-49E3-ACAA-14ACEA560EFF}"/>
+                <a16:creationId xmlns:a16="http://schemas.microsoft.com/office/drawing/2014/main" id="{DFAD5014-2545-4E76-9C2E-60F6F919B585}"/>
               </a:ext>
             </a:extLst>
           </p:cNvPr>
@@ -9591,8 +9681,8 @@
         </p:nvSpPr>
         <p:spPr>
           <a:xfrm>
-            <a:off x="5718954" y="4451233"/>
-            <a:ext cx="3526487" cy="276999"/>
+            <a:off x="6836028" y="2014408"/>
+            <a:ext cx="2307972" cy="338554"/>
           </a:xfrm>
           <a:prstGeom prst="rect">
             <a:avLst/>
@@ -9703,265 +9793,224 @@
           </a:lstStyle>
           <a:p>
             <a:r>
-              <a:rPr lang="en-GB" sz="1200" dirty="0">
+              <a:rPr lang="en-GB" sz="1600" dirty="0">
                 <a:solidFill>
                   <a:srgbClr val="21225A"/>
                 </a:solidFill>
                 <a:latin typeface="Arial"/>
                 <a:cs typeface="Arial"/>
               </a:rPr>
-              <a:t>K.S. Krane, </a:t>
-            </a:r>
-            <a:r>
-              <a:rPr lang="en-GB" sz="1200" i="1" dirty="0">
-                <a:solidFill>
-                  <a:srgbClr val="21225A"/>
-                </a:solidFill>
-                <a:latin typeface="Arial"/>
-                <a:cs typeface="Arial"/>
-              </a:rPr>
-              <a:t>Introductory Nuclear Physics </a:t>
-            </a:r>
-            <a:r>
-              <a:rPr lang="en-GB" sz="1200" dirty="0">
-                <a:solidFill>
-                  <a:srgbClr val="21225A"/>
-                </a:solidFill>
-                <a:latin typeface="Arial"/>
-                <a:cs typeface="Arial"/>
-              </a:rPr>
-              <a:t>(1988)</a:t>
-            </a:r>
-            <a:r>
-              <a:rPr lang="en-GB" sz="1200" b="1" dirty="0">
-                <a:solidFill>
-                  <a:srgbClr val="21225A"/>
-                </a:solidFill>
-                <a:latin typeface="Arial"/>
-                <a:cs typeface="Arial"/>
-              </a:rPr>
-              <a:t>.</a:t>
-            </a:r>
+              <a:t>Activity of the source</a:t>
+            </a:r>
+            <a:endParaRPr lang="en-GB" sz="1600" b="1" dirty="0">
+              <a:solidFill>
+                <a:srgbClr val="21225A"/>
+              </a:solidFill>
+              <a:latin typeface="Arial"/>
+              <a:cs typeface="Arial"/>
+            </a:endParaRPr>
           </a:p>
         </p:txBody>
       </p:sp>
       <p:sp>
         <p:nvSpPr>
-          <p:cNvPr id="18" name="CustomShape 3">
+          <p:cNvPr id="40" name="TextBox 3">
             <a:extLst>
               <a:ext uri="{FF2B5EF4-FFF2-40B4-BE49-F238E27FC236}">
-                <a16:creationId xmlns:a16="http://schemas.microsoft.com/office/drawing/2014/main" id="{D4616CE4-0206-4208-9381-019ED1F0CB43}"/>
+                <a16:creationId xmlns:a16="http://schemas.microsoft.com/office/drawing/2014/main" id="{2CBBA0DA-1BEF-44F9-A58C-FECEEE76E7C6}"/>
               </a:ext>
             </a:extLst>
           </p:cNvPr>
-          <p:cNvSpPr/>
+          <p:cNvSpPr txBox="1"/>
           <p:nvPr/>
         </p:nvSpPr>
         <p:spPr>
           <a:xfrm>
-            <a:off x="141234" y="1154353"/>
-            <a:ext cx="3886995" cy="574388"/>
+            <a:off x="6833540" y="2352962"/>
+            <a:ext cx="2307972" cy="584775"/>
           </a:xfrm>
           <a:prstGeom prst="rect">
             <a:avLst/>
           </a:prstGeom>
           <a:noFill/>
-          <a:ln>
-            <a:noFill/>
-          </a:ln>
         </p:spPr>
-        <p:style>
-          <a:lnRef idx="0">
-            <a:scrgbClr r="0" g="0" b="0"/>
-          </a:lnRef>
-          <a:fillRef idx="0">
-            <a:scrgbClr r="0" g="0" b="0"/>
-          </a:fillRef>
-          <a:effectRef idx="0">
-            <a:scrgbClr r="0" g="0" b="0"/>
-          </a:effectRef>
-          <a:fontRef idx="minor"/>
-        </p:style>
         <p:txBody>
-          <a:bodyPr lIns="90000" tIns="45000" rIns="90000" bIns="45000"/>
-          <a:lstStyle/>
-          <a:p>
-            <a:pPr marL="343080" indent="-342720">
-              <a:lnSpc>
-                <a:spcPct val="100000"/>
-              </a:lnSpc>
-              <a:spcBef>
-                <a:spcPts val="320"/>
-              </a:spcBef>
-              <a:buClr>
-                <a:srgbClr val="002060"/>
-              </a:buClr>
-              <a:buFont typeface="Wingdings" charset="2"/>
-              <a:buChar char=""/>
-            </a:pPr>
-            <a:r>
-              <a:rPr lang="en-US" sz="1600" strike="noStrike" spc="-1" dirty="0">
-                <a:solidFill>
-                  <a:srgbClr val="002060"/>
-                </a:solidFill>
-                <a:latin typeface="Arial" panose="020B0604020202020204" pitchFamily="34" charset="0"/>
-                <a:ea typeface="ヒラギノ角ゴ Pro W3"/>
-                <a:cs typeface="Arial" panose="020B0604020202020204" pitchFamily="34" charset="0"/>
-              </a:rPr>
-              <a:t>Radiation interacts with the crystal and produces of electron-hole pairs</a:t>
-            </a:r>
-            <a:r>
-              <a:rPr lang="en-ZA" sz="1600" strike="noStrike" spc="-1" dirty="0">
-                <a:solidFill>
-                  <a:srgbClr val="002060"/>
-                </a:solidFill>
-                <a:latin typeface="Arial" panose="020B0604020202020204" pitchFamily="34" charset="0"/>
-                <a:ea typeface="ヒラギノ角ゴ Pro W3"/>
-                <a:cs typeface="Arial" panose="020B0604020202020204" pitchFamily="34" charset="0"/>
-              </a:rPr>
-              <a:t>.</a:t>
-            </a:r>
+          <a:bodyPr rot="0" spcFirstLastPara="0" vert="horz" wrap="square" lIns="91440" tIns="45720" rIns="91440" bIns="45720" numCol="1" spcCol="0" rtlCol="0" fromWordArt="0" anchor="t" anchorCtr="0" forceAA="0" compatLnSpc="1">
+            <a:prstTxWarp prst="textNoShape">
+              <a:avLst/>
+            </a:prstTxWarp>
+            <a:spAutoFit/>
+          </a:bodyPr>
+          <a:lstStyle>
+            <a:defPPr>
+              <a:defRPr lang="en-US"/>
+            </a:defPPr>
+            <a:lvl1pPr marL="0" algn="l" defTabSz="457200" rtl="0" eaLnBrk="1" latinLnBrk="0" hangingPunct="1">
+              <a:defRPr sz="1800" kern="1200">
+                <a:solidFill>
+                  <a:schemeClr val="tx1"/>
+                </a:solidFill>
+                <a:latin typeface="+mn-lt"/>
+                <a:ea typeface="+mn-ea"/>
+                <a:cs typeface="+mn-cs"/>
+              </a:defRPr>
+            </a:lvl1pPr>
+            <a:lvl2pPr marL="457200" algn="l" defTabSz="457200" rtl="0" eaLnBrk="1" latinLnBrk="0" hangingPunct="1">
+              <a:defRPr sz="1800" kern="1200">
+                <a:solidFill>
+                  <a:schemeClr val="tx1"/>
+                </a:solidFill>
+                <a:latin typeface="+mn-lt"/>
+                <a:ea typeface="+mn-ea"/>
+                <a:cs typeface="+mn-cs"/>
+              </a:defRPr>
+            </a:lvl2pPr>
+            <a:lvl3pPr marL="914400" algn="l" defTabSz="457200" rtl="0" eaLnBrk="1" latinLnBrk="0" hangingPunct="1">
+              <a:defRPr sz="1800" kern="1200">
+                <a:solidFill>
+                  <a:schemeClr val="tx1"/>
+                </a:solidFill>
+                <a:latin typeface="+mn-lt"/>
+                <a:ea typeface="+mn-ea"/>
+                <a:cs typeface="+mn-cs"/>
+              </a:defRPr>
+            </a:lvl3pPr>
+            <a:lvl4pPr marL="1371600" algn="l" defTabSz="457200" rtl="0" eaLnBrk="1" latinLnBrk="0" hangingPunct="1">
+              <a:defRPr sz="1800" kern="1200">
+                <a:solidFill>
+                  <a:schemeClr val="tx1"/>
+                </a:solidFill>
+                <a:latin typeface="+mn-lt"/>
+                <a:ea typeface="+mn-ea"/>
+                <a:cs typeface="+mn-cs"/>
+              </a:defRPr>
+            </a:lvl4pPr>
+            <a:lvl5pPr marL="1828800" algn="l" defTabSz="457200" rtl="0" eaLnBrk="1" latinLnBrk="0" hangingPunct="1">
+              <a:defRPr sz="1800" kern="1200">
+                <a:solidFill>
+                  <a:schemeClr val="tx1"/>
+                </a:solidFill>
+                <a:latin typeface="+mn-lt"/>
+                <a:ea typeface="+mn-ea"/>
+                <a:cs typeface="+mn-cs"/>
+              </a:defRPr>
+            </a:lvl5pPr>
+            <a:lvl6pPr marL="2286000" algn="l" defTabSz="457200" rtl="0" eaLnBrk="1" latinLnBrk="0" hangingPunct="1">
+              <a:defRPr sz="1800" kern="1200">
+                <a:solidFill>
+                  <a:schemeClr val="tx1"/>
+                </a:solidFill>
+                <a:latin typeface="+mn-lt"/>
+                <a:ea typeface="+mn-ea"/>
+                <a:cs typeface="+mn-cs"/>
+              </a:defRPr>
+            </a:lvl6pPr>
+            <a:lvl7pPr marL="2743200" algn="l" defTabSz="457200" rtl="0" eaLnBrk="1" latinLnBrk="0" hangingPunct="1">
+              <a:defRPr sz="1800" kern="1200">
+                <a:solidFill>
+                  <a:schemeClr val="tx1"/>
+                </a:solidFill>
+                <a:latin typeface="+mn-lt"/>
+                <a:ea typeface="+mn-ea"/>
+                <a:cs typeface="+mn-cs"/>
+              </a:defRPr>
+            </a:lvl7pPr>
+            <a:lvl8pPr marL="3200400" algn="l" defTabSz="457200" rtl="0" eaLnBrk="1" latinLnBrk="0" hangingPunct="1">
+              <a:defRPr sz="1800" kern="1200">
+                <a:solidFill>
+                  <a:schemeClr val="tx1"/>
+                </a:solidFill>
+                <a:latin typeface="+mn-lt"/>
+                <a:ea typeface="+mn-ea"/>
+                <a:cs typeface="+mn-cs"/>
+              </a:defRPr>
+            </a:lvl8pPr>
+            <a:lvl9pPr marL="3657600" algn="l" defTabSz="457200" rtl="0" eaLnBrk="1" latinLnBrk="0" hangingPunct="1">
+              <a:defRPr sz="1800" kern="1200">
+                <a:solidFill>
+                  <a:schemeClr val="tx1"/>
+                </a:solidFill>
+                <a:latin typeface="+mn-lt"/>
+                <a:ea typeface="+mn-ea"/>
+                <a:cs typeface="+mn-cs"/>
+              </a:defRPr>
+            </a:lvl9pPr>
+          </a:lstStyle>
+          <a:p>
+            <a:r>
+              <a:rPr lang="en-GB" sz="1600" dirty="0">
+                <a:solidFill>
+                  <a:srgbClr val="21225A"/>
+                </a:solidFill>
+                <a:latin typeface="Arial"/>
+                <a:cs typeface="Arial"/>
+              </a:rPr>
+              <a:t>Absolute intensity of the </a:t>
+            </a:r>
+            <a:r>
+              <a:rPr lang="fr-CA" sz="1600" dirty="0">
+                <a:solidFill>
+                  <a:srgbClr val="21225A"/>
+                </a:solidFill>
+                <a:latin typeface="Arial"/>
+                <a:cs typeface="Arial"/>
+              </a:rPr>
+              <a:t>gamma</a:t>
+            </a:r>
+            <a:r>
+              <a:rPr lang="en-GB" sz="1600" dirty="0">
+                <a:solidFill>
+                  <a:srgbClr val="21225A"/>
+                </a:solidFill>
+                <a:latin typeface="Arial"/>
+                <a:cs typeface="Arial"/>
+              </a:rPr>
+              <a:t> ray</a:t>
+            </a:r>
+            <a:endParaRPr lang="en-GB" sz="1600" b="1" dirty="0">
+              <a:solidFill>
+                <a:srgbClr val="21225A"/>
+              </a:solidFill>
+              <a:latin typeface="Arial"/>
+              <a:cs typeface="Arial"/>
+            </a:endParaRPr>
           </a:p>
         </p:txBody>
       </p:sp>
-      <p:sp>
-        <p:nvSpPr>
-          <p:cNvPr id="19" name="CustomShape 3">
+      <p:pic>
+        <p:nvPicPr>
+          <p:cNvPr id="33" name="Image 32">
             <a:extLst>
               <a:ext uri="{FF2B5EF4-FFF2-40B4-BE49-F238E27FC236}">
-                <a16:creationId xmlns:a16="http://schemas.microsoft.com/office/drawing/2014/main" id="{AD980B27-A9CE-410E-89BA-E22C29C152CF}"/>
+                <a16:creationId xmlns:a16="http://schemas.microsoft.com/office/drawing/2014/main" id="{84E02985-27A6-4344-A404-AA943F1AECC0}"/>
               </a:ext>
             </a:extLst>
           </p:cNvPr>
-          <p:cNvSpPr/>
+          <p:cNvPicPr>
+            <a:picLocks noChangeAspect="1"/>
+          </p:cNvPicPr>
           <p:nvPr/>
-        </p:nvSpPr>
+        </p:nvPicPr>
+        <p:blipFill>
+          <a:blip r:embed="rId9"/>
+          <a:stretch>
+            <a:fillRect/>
+          </a:stretch>
+        </p:blipFill>
         <p:spPr>
           <a:xfrm>
-            <a:off x="141234" y="1670822"/>
-            <a:ext cx="3886995" cy="761968"/>
+            <a:off x="2762177" y="3890370"/>
+            <a:ext cx="4657725" cy="933450"/>
           </a:xfrm>
           <a:prstGeom prst="rect">
             <a:avLst/>
           </a:prstGeom>
-          <a:noFill/>
-          <a:ln>
-            <a:noFill/>
-          </a:ln>
         </p:spPr>
-        <p:style>
-          <a:lnRef idx="0">
-            <a:scrgbClr r="0" g="0" b="0"/>
-          </a:lnRef>
-          <a:fillRef idx="0">
-            <a:scrgbClr r="0" g="0" b="0"/>
-          </a:fillRef>
-          <a:effectRef idx="0">
-            <a:scrgbClr r="0" g="0" b="0"/>
-          </a:effectRef>
-          <a:fontRef idx="minor"/>
-        </p:style>
-        <p:txBody>
-          <a:bodyPr lIns="90000" tIns="45000" rIns="90000" bIns="45000"/>
-          <a:lstStyle/>
-          <a:p>
-            <a:pPr marL="343080" indent="-342720">
-              <a:lnSpc>
-                <a:spcPct val="100000"/>
-              </a:lnSpc>
-              <a:spcBef>
-                <a:spcPts val="320"/>
-              </a:spcBef>
-              <a:buClr>
-                <a:srgbClr val="002060"/>
-              </a:buClr>
-              <a:buFont typeface="Wingdings" charset="2"/>
-              <a:buChar char=""/>
-            </a:pPr>
-            <a:r>
-              <a:rPr lang="en-US" sz="1600" spc="-1" dirty="0">
-                <a:solidFill>
-                  <a:srgbClr val="002060"/>
-                </a:solidFill>
-                <a:latin typeface="Arial" panose="020B0604020202020204" pitchFamily="34" charset="0"/>
-                <a:ea typeface="ヒラギノ角ゴ Pro W3"/>
-                <a:cs typeface="Arial" panose="020B0604020202020204" pitchFamily="34" charset="0"/>
-              </a:rPr>
-              <a:t>The electrons and holes drift towards electrodes</a:t>
-            </a:r>
-            <a:r>
-              <a:rPr lang="en-ZA" sz="1600" spc="-1" dirty="0">
-                <a:solidFill>
-                  <a:srgbClr val="002060"/>
-                </a:solidFill>
-                <a:latin typeface="Arial" panose="020B0604020202020204" pitchFamily="34" charset="0"/>
-                <a:ea typeface="ヒラギノ角ゴ Pro W3"/>
-                <a:cs typeface="Arial" panose="020B0604020202020204" pitchFamily="34" charset="0"/>
-              </a:rPr>
-              <a:t> and the </a:t>
-            </a:r>
-            <a:r>
-              <a:rPr lang="en-US" sz="1600" spc="-1" dirty="0">
-                <a:solidFill>
-                  <a:srgbClr val="002060"/>
-                </a:solidFill>
-                <a:latin typeface="Arial" panose="020B0604020202020204" pitchFamily="34" charset="0"/>
-                <a:ea typeface="ヒラギノ角ゴ Pro W3"/>
-                <a:cs typeface="Arial" panose="020B0604020202020204" pitchFamily="34" charset="0"/>
-              </a:rPr>
-              <a:t>electric pulse is amplified and processed.</a:t>
-            </a:r>
-          </a:p>
-          <a:p>
-            <a:pPr marL="360">
-              <a:lnSpc>
-                <a:spcPct val="100000"/>
-              </a:lnSpc>
-              <a:spcBef>
-                <a:spcPts val="320"/>
-              </a:spcBef>
-              <a:buClr>
-                <a:srgbClr val="002060"/>
-              </a:buClr>
-            </a:pPr>
-            <a:endParaRPr lang="en-ZA" sz="1600" spc="-1" dirty="0">
-              <a:solidFill>
-                <a:srgbClr val="002060"/>
-              </a:solidFill>
-              <a:latin typeface="Arial" panose="020B0604020202020204" pitchFamily="34" charset="0"/>
-              <a:ea typeface="ヒラギノ角ゴ Pro W3"/>
-              <a:cs typeface="Arial" panose="020B0604020202020204" pitchFamily="34" charset="0"/>
-            </a:endParaRPr>
-          </a:p>
-          <a:p>
-            <a:pPr marL="343080" indent="-342720">
-              <a:lnSpc>
-                <a:spcPct val="100000"/>
-              </a:lnSpc>
-              <a:spcBef>
-                <a:spcPts val="320"/>
-              </a:spcBef>
-              <a:buClr>
-                <a:srgbClr val="002060"/>
-              </a:buClr>
-              <a:buFont typeface="Wingdings" charset="2"/>
-              <a:buChar char=""/>
-            </a:pPr>
-            <a:endParaRPr lang="en-ZA" sz="1600" spc="-1" dirty="0">
-              <a:solidFill>
-                <a:srgbClr val="002060"/>
-              </a:solidFill>
-              <a:latin typeface="Arial" panose="020B0604020202020204" pitchFamily="34" charset="0"/>
-              <a:ea typeface="ヒラギノ角ゴ Pro W3"/>
-              <a:cs typeface="Arial" panose="020B0604020202020204" pitchFamily="34" charset="0"/>
-            </a:endParaRPr>
-          </a:p>
-        </p:txBody>
-      </p:sp>
+      </p:pic>
     </p:spTree>
     <p:extLst>
       <p:ext uri="{BB962C8B-B14F-4D97-AF65-F5344CB8AC3E}">
-        <p14:creationId xmlns:p14="http://schemas.microsoft.com/office/powerpoint/2010/main" val="1790740401"/>
+        <p14:creationId xmlns:p14="http://schemas.microsoft.com/office/powerpoint/2010/main" val="2850480020"/>
       </p:ext>
     </p:extLst>
   </p:cSld>
@@ -9989,7 +10038,7 @@
                             </p:stCondLst>
                             <p:childTnLst>
                               <p:par>
-                                <p:cTn id="5" presetID="1" presetClass="entr" presetSubtype="0" fill="hold" grpId="0" nodeType="clickEffect">
+                                <p:cTn id="5" presetID="1" presetClass="entr" presetSubtype="0" fill="hold" nodeType="clickEffect">
                                   <p:stCondLst>
                                     <p:cond delay="0"/>
                                   </p:stCondLst>
@@ -10015,33 +10064,6 @@
                                   </p:childTnLst>
                                 </p:cTn>
                               </p:par>
-                              <p:par>
-                                <p:cTn id="7" presetID="1" presetClass="entr" presetSubtype="0" fill="hold" nodeType="withEffect">
-                                  <p:stCondLst>
-                                    <p:cond delay="0"/>
-                                  </p:stCondLst>
-                                  <p:childTnLst>
-                                    <p:set>
-                                      <p:cBhvr>
-                                        <p:cTn id="8" dur="1" fill="hold">
-                                          <p:stCondLst>
-                                            <p:cond delay="0"/>
-                                          </p:stCondLst>
-                                        </p:cTn>
-                                        <p:tgtEl>
-                                          <p:spTgt spid="3"/>
-                                        </p:tgtEl>
-                                        <p:attrNameLst>
-                                          <p:attrName>style.visibility</p:attrName>
-                                        </p:attrNameLst>
-                                      </p:cBhvr>
-                                      <p:to>
-                                        <p:strVal val="visible"/>
-                                      </p:to>
-                                    </p:set>
-                                  </p:childTnLst>
-                                </p:cTn>
-                              </p:par>
                             </p:childTnLst>
                           </p:cTn>
                         </p:par>
@@ -10049,32 +10071,32 @@
                     </p:cTn>
                   </p:par>
                   <p:par>
-                    <p:cTn id="9" fill="hold">
+                    <p:cTn id="7" fill="hold">
                       <p:stCondLst>
                         <p:cond delay="indefinite"/>
                       </p:stCondLst>
                       <p:childTnLst>
                         <p:par>
-                          <p:cTn id="10" fill="hold">
+                          <p:cTn id="8" fill="hold">
                             <p:stCondLst>
                               <p:cond delay="0"/>
                             </p:stCondLst>
                             <p:childTnLst>
                               <p:par>
-                                <p:cTn id="11" presetID="1" presetClass="entr" presetSubtype="0" fill="hold" grpId="0" nodeType="clickEffect">
+                                <p:cTn id="9" presetID="1" presetClass="entr" presetSubtype="0" fill="hold" nodeType="clickEffect">
                                   <p:stCondLst>
                                     <p:cond delay="0"/>
                                   </p:stCondLst>
                                   <p:childTnLst>
                                     <p:set>
                                       <p:cBhvr>
-                                        <p:cTn id="12" dur="1" fill="hold">
+                                        <p:cTn id="10" dur="1" fill="hold">
                                           <p:stCondLst>
                                             <p:cond delay="0"/>
                                           </p:stCondLst>
                                         </p:cTn>
                                         <p:tgtEl>
-                                          <p:spTgt spid="19"/>
+                                          <p:spTgt spid="15"/>
                                         </p:tgtEl>
                                         <p:attrNameLst>
                                           <p:attrName>style.visibility</p:attrName>
@@ -10088,65 +10110,20 @@
                                 </p:cTn>
                               </p:par>
                               <p:par>
-                                <p:cTn id="13" presetID="1" presetClass="entr" presetSubtype="0" fill="hold" nodeType="withEffect">
+                                <p:cTn id="11" presetID="1" presetClass="entr" presetSubtype="0" fill="hold" nodeType="withEffect">
                                   <p:stCondLst>
                                     <p:cond delay="0"/>
                                   </p:stCondLst>
                                   <p:childTnLst>
                                     <p:set>
                                       <p:cBhvr>
-                                        <p:cTn id="14" dur="1" fill="hold">
+                                        <p:cTn id="12" dur="1" fill="hold">
                                           <p:stCondLst>
                                             <p:cond delay="0"/>
                                           </p:stCondLst>
                                         </p:cTn>
                                         <p:tgtEl>
-                                          <p:spTgt spid="3074"/>
-                                        </p:tgtEl>
-                                        <p:attrNameLst>
-                                          <p:attrName>style.visibility</p:attrName>
-                                        </p:attrNameLst>
-                                      </p:cBhvr>
-                                      <p:to>
-                                        <p:strVal val="visible"/>
-                                      </p:to>
-                                    </p:set>
-                                  </p:childTnLst>
-                                </p:cTn>
-                              </p:par>
-                            </p:childTnLst>
-                          </p:cTn>
-                        </p:par>
-                      </p:childTnLst>
-                    </p:cTn>
-                  </p:par>
-                  <p:par>
-                    <p:cTn id="15" fill="hold">
-                      <p:stCondLst>
-                        <p:cond delay="indefinite"/>
-                      </p:stCondLst>
-                      <p:childTnLst>
-                        <p:par>
-                          <p:cTn id="16" fill="hold">
-                            <p:stCondLst>
-                              <p:cond delay="0"/>
-                            </p:stCondLst>
-                            <p:childTnLst>
-                              <p:par>
-                                <p:cTn id="17" presetID="1" presetClass="entr" presetSubtype="0" fill="hold" grpId="0" nodeType="clickEffect">
-                                  <p:stCondLst>
-                                    <p:cond delay="0"/>
-                                  </p:stCondLst>
-                                  <p:childTnLst>
-                                    <p:set>
-                                      <p:cBhvr>
-                                        <p:cTn id="18" dur="1" fill="hold">
-                                          <p:stCondLst>
-                                            <p:cond delay="0"/>
-                                          </p:stCondLst>
-                                        </p:cTn>
-                                        <p:tgtEl>
-                                          <p:spTgt spid="7"/>
+                                          <p:spTgt spid="24"/>
                                         </p:tgtEl>
                                         <p:attrNameLst>
                                           <p:attrName>style.visibility</p:attrName>
@@ -10160,7 +10137,88 @@
                                 </p:cTn>
                               </p:par>
                               <p:par>
-                                <p:cTn id="19" presetID="1" presetClass="entr" presetSubtype="0" fill="hold" grpId="0" nodeType="withEffect">
+                                <p:cTn id="13" presetID="1" presetClass="entr" presetSubtype="0" fill="hold" grpId="0" nodeType="withEffect">
+                                  <p:stCondLst>
+                                    <p:cond delay="0"/>
+                                  </p:stCondLst>
+                                  <p:childTnLst>
+                                    <p:set>
+                                      <p:cBhvr>
+                                        <p:cTn id="14" dur="1" fill="hold">
+                                          <p:stCondLst>
+                                            <p:cond delay="0"/>
+                                          </p:stCondLst>
+                                        </p:cTn>
+                                        <p:tgtEl>
+                                          <p:spTgt spid="37"/>
+                                        </p:tgtEl>
+                                        <p:attrNameLst>
+                                          <p:attrName>style.visibility</p:attrName>
+                                        </p:attrNameLst>
+                                      </p:cBhvr>
+                                      <p:to>
+                                        <p:strVal val="visible"/>
+                                      </p:to>
+                                    </p:set>
+                                  </p:childTnLst>
+                                </p:cTn>
+                              </p:par>
+                              <p:par>
+                                <p:cTn id="15" presetID="1" presetClass="entr" presetSubtype="0" fill="hold" grpId="0" nodeType="withEffect">
+                                  <p:stCondLst>
+                                    <p:cond delay="0"/>
+                                  </p:stCondLst>
+                                  <p:childTnLst>
+                                    <p:set>
+                                      <p:cBhvr>
+                                        <p:cTn id="16" dur="1" fill="hold">
+                                          <p:stCondLst>
+                                            <p:cond delay="0"/>
+                                          </p:stCondLst>
+                                        </p:cTn>
+                                        <p:tgtEl>
+                                          <p:spTgt spid="38"/>
+                                        </p:tgtEl>
+                                        <p:attrNameLst>
+                                          <p:attrName>style.visibility</p:attrName>
+                                        </p:attrNameLst>
+                                      </p:cBhvr>
+                                      <p:to>
+                                        <p:strVal val="visible"/>
+                                      </p:to>
+                                    </p:set>
+                                  </p:childTnLst>
+                                </p:cTn>
+                              </p:par>
+                              <p:par>
+                                <p:cTn id="17" presetID="1" presetClass="entr" presetSubtype="0" fill="hold" nodeType="withEffect">
+                                  <p:stCondLst>
+                                    <p:cond delay="0"/>
+                                  </p:stCondLst>
+                                  <p:childTnLst>
+                                    <p:set>
+                                      <p:cBhvr>
+                                        <p:cTn id="18" dur="1" fill="hold">
+                                          <p:stCondLst>
+                                            <p:cond delay="0"/>
+                                          </p:stCondLst>
+                                        </p:cTn>
+                                        <p:tgtEl>
+                                          <p:spTgt spid="26"/>
+                                        </p:tgtEl>
+                                        <p:attrNameLst>
+                                          <p:attrName>style.visibility</p:attrName>
+                                        </p:attrNameLst>
+                                      </p:cBhvr>
+                                      <p:to>
+                                        <p:strVal val="visible"/>
+                                      </p:to>
+                                    </p:set>
+                                  </p:childTnLst>
+                                </p:cTn>
+                              </p:par>
+                              <p:par>
+                                <p:cTn id="19" presetID="1" presetClass="entr" presetSubtype="0" fill="hold" nodeType="withEffect">
                                   <p:stCondLst>
                                     <p:cond delay="0"/>
                                   </p:stCondLst>
@@ -10173,7 +10231,7 @@
                                           </p:stCondLst>
                                         </p:cTn>
                                         <p:tgtEl>
-                                          <p:spTgt spid="17"/>
+                                          <p:spTgt spid="27"/>
                                         </p:tgtEl>
                                         <p:attrNameLst>
                                           <p:attrName>style.visibility</p:attrName>
@@ -10200,7 +10258,151 @@
                                           </p:stCondLst>
                                         </p:cTn>
                                         <p:tgtEl>
-                                          <p:spTgt spid="12"/>
+                                          <p:spTgt spid="39"/>
+                                        </p:tgtEl>
+                                        <p:attrNameLst>
+                                          <p:attrName>style.visibility</p:attrName>
+                                        </p:attrNameLst>
+                                      </p:cBhvr>
+                                      <p:to>
+                                        <p:strVal val="visible"/>
+                                      </p:to>
+                                    </p:set>
+                                  </p:childTnLst>
+                                </p:cTn>
+                              </p:par>
+                              <p:par>
+                                <p:cTn id="23" presetID="1" presetClass="entr" presetSubtype="0" fill="hold" nodeType="withEffect">
+                                  <p:stCondLst>
+                                    <p:cond delay="0"/>
+                                  </p:stCondLst>
+                                  <p:childTnLst>
+                                    <p:set>
+                                      <p:cBhvr>
+                                        <p:cTn id="24" dur="1" fill="hold">
+                                          <p:stCondLst>
+                                            <p:cond delay="0"/>
+                                          </p:stCondLst>
+                                        </p:cTn>
+                                        <p:tgtEl>
+                                          <p:spTgt spid="32"/>
+                                        </p:tgtEl>
+                                        <p:attrNameLst>
+                                          <p:attrName>style.visibility</p:attrName>
+                                        </p:attrNameLst>
+                                      </p:cBhvr>
+                                      <p:to>
+                                        <p:strVal val="visible"/>
+                                      </p:to>
+                                    </p:set>
+                                  </p:childTnLst>
+                                </p:cTn>
+                              </p:par>
+                              <p:par>
+                                <p:cTn id="25" presetID="1" presetClass="entr" presetSubtype="0" fill="hold" grpId="0" nodeType="withEffect">
+                                  <p:stCondLst>
+                                    <p:cond delay="0"/>
+                                  </p:stCondLst>
+                                  <p:childTnLst>
+                                    <p:set>
+                                      <p:cBhvr>
+                                        <p:cTn id="26" dur="1" fill="hold">
+                                          <p:stCondLst>
+                                            <p:cond delay="0"/>
+                                          </p:stCondLst>
+                                        </p:cTn>
+                                        <p:tgtEl>
+                                          <p:spTgt spid="40"/>
+                                        </p:tgtEl>
+                                        <p:attrNameLst>
+                                          <p:attrName>style.visibility</p:attrName>
+                                        </p:attrNameLst>
+                                      </p:cBhvr>
+                                      <p:to>
+                                        <p:strVal val="visible"/>
+                                      </p:to>
+                                    </p:set>
+                                  </p:childTnLst>
+                                </p:cTn>
+                              </p:par>
+                            </p:childTnLst>
+                          </p:cTn>
+                        </p:par>
+                      </p:childTnLst>
+                    </p:cTn>
+                  </p:par>
+                  <p:par>
+                    <p:cTn id="27" fill="hold">
+                      <p:stCondLst>
+                        <p:cond delay="indefinite"/>
+                      </p:stCondLst>
+                      <p:childTnLst>
+                        <p:par>
+                          <p:cTn id="28" fill="hold">
+                            <p:stCondLst>
+                              <p:cond delay="0"/>
+                            </p:stCondLst>
+                            <p:childTnLst>
+                              <p:par>
+                                <p:cTn id="29" presetID="1" presetClass="entr" presetSubtype="0" fill="hold" nodeType="clickEffect">
+                                  <p:stCondLst>
+                                    <p:cond delay="0"/>
+                                  </p:stCondLst>
+                                  <p:childTnLst>
+                                    <p:set>
+                                      <p:cBhvr>
+                                        <p:cTn id="30" dur="1" fill="hold">
+                                          <p:stCondLst>
+                                            <p:cond delay="0"/>
+                                          </p:stCondLst>
+                                        </p:cTn>
+                                        <p:tgtEl>
+                                          <p:spTgt spid="7"/>
+                                        </p:tgtEl>
+                                        <p:attrNameLst>
+                                          <p:attrName>style.visibility</p:attrName>
+                                        </p:attrNameLst>
+                                      </p:cBhvr>
+                                      <p:to>
+                                        <p:strVal val="visible"/>
+                                      </p:to>
+                                    </p:set>
+                                  </p:childTnLst>
+                                </p:cTn>
+                              </p:par>
+                            </p:childTnLst>
+                          </p:cTn>
+                        </p:par>
+                      </p:childTnLst>
+                    </p:cTn>
+                  </p:par>
+                  <p:par>
+                    <p:cTn id="31" fill="hold">
+                      <p:stCondLst>
+                        <p:cond delay="indefinite"/>
+                      </p:stCondLst>
+                      <p:childTnLst>
+                        <p:par>
+                          <p:cTn id="32" fill="hold">
+                            <p:stCondLst>
+                              <p:cond delay="0"/>
+                            </p:stCondLst>
+                            <p:childTnLst>
+                              <p:par>
+                                <p:cTn id="33" presetID="1" presetClass="entr" presetSubtype="0" fill="hold" nodeType="clickEffect">
+                                  <p:stCondLst>
+                                    <p:cond delay="0"/>
+                                  </p:stCondLst>
+                                  <p:childTnLst>
+                                    <p:set>
+                                      <p:cBhvr>
+                                        <p:cTn id="34" dur="1" fill="hold">
+                                          <p:stCondLst>
+                                            <p:cond delay="0"/>
+                                          </p:stCondLst>
+                                        </p:cTn>
+                                        <p:tgtEl>
+                                          <p:spTgt spid="33"/>
                                         </p:tgtEl>
                                         <p:attrNameLst>
                                           <p:attrName>style.visibility</p:attrName>
@@ -10241,11 +10443,10 @@
       </p:par>
     </p:tnLst>
     <p:bldLst>
-      <p:bldP spid="7" grpId="0"/>
-      <p:bldP spid="12" grpId="0"/>
-      <p:bldP spid="17" grpId="0"/>
-      <p:bldP spid="18" grpId="0"/>
-      <p:bldP spid="19" grpId="0"/>
+      <p:bldP spid="37" grpId="0"/>
+      <p:bldP spid="38" grpId="0"/>
+      <p:bldP spid="39" grpId="0"/>
+      <p:bldP spid="40" grpId="0"/>
     </p:bldLst>
   </p:timing>
 </p:sld>
@@ -10345,7 +10546,7 @@
                 </a:solidFill>
                 <a:latin typeface="Arial"/>
               </a:rPr>
-              <a:t>Semiconductors vs. Scintillators </a:t>
+              <a:t>How to Find Nuclear Information </a:t>
             </a:r>
             <a:endParaRPr lang="en-US" sz="2000" b="0" strike="noStrike" spc="-1" dirty="0">
               <a:solidFill>
@@ -10405,6 +10606,445 @@
                 <a:ea typeface="MS PGothic"/>
               </a:rPr>
               <a:t>5</a:t>
+            </a:r>
+            <a:endParaRPr lang="en-ZA" sz="1300" b="0" strike="noStrike" spc="-1" dirty="0">
+              <a:latin typeface="Arial"/>
+            </a:endParaRPr>
+          </a:p>
+        </p:txBody>
+      </p:sp>
+      <p:sp>
+        <p:nvSpPr>
+          <p:cNvPr id="8" name="CustomShape 3">
+            <a:extLst>
+              <a:ext uri="{FF2B5EF4-FFF2-40B4-BE49-F238E27FC236}">
+                <a16:creationId xmlns:a16="http://schemas.microsoft.com/office/drawing/2014/main" id="{47DCCAE0-5E0D-4AF9-BB4F-A5051CB85103}"/>
+              </a:ext>
+            </a:extLst>
+          </p:cNvPr>
+          <p:cNvSpPr/>
+          <p:nvPr/>
+        </p:nvSpPr>
+        <p:spPr>
+          <a:xfrm>
+            <a:off x="141236" y="624029"/>
+            <a:ext cx="8330819" cy="1142425"/>
+          </a:xfrm>
+          <a:prstGeom prst="rect">
+            <a:avLst/>
+          </a:prstGeom>
+          <a:noFill/>
+          <a:ln>
+            <a:noFill/>
+          </a:ln>
+        </p:spPr>
+        <p:style>
+          <a:lnRef idx="0">
+            <a:scrgbClr r="0" g="0" b="0"/>
+          </a:lnRef>
+          <a:fillRef idx="0">
+            <a:scrgbClr r="0" g="0" b="0"/>
+          </a:fillRef>
+          <a:effectRef idx="0">
+            <a:scrgbClr r="0" g="0" b="0"/>
+          </a:effectRef>
+          <a:fontRef idx="minor"/>
+        </p:style>
+        <p:txBody>
+          <a:bodyPr lIns="90000" tIns="45000" rIns="90000" bIns="45000"/>
+          <a:lstStyle/>
+          <a:p>
+            <a:pPr marL="343080" indent="-342720">
+              <a:lnSpc>
+                <a:spcPct val="100000"/>
+              </a:lnSpc>
+              <a:spcBef>
+                <a:spcPts val="320"/>
+              </a:spcBef>
+              <a:buClr>
+                <a:srgbClr val="002060"/>
+              </a:buClr>
+              <a:buFont typeface="Wingdings" charset="2"/>
+              <a:buChar char=""/>
+            </a:pPr>
+            <a:r>
+              <a:rPr lang="en-US" sz="1600" strike="noStrike" spc="-1" dirty="0">
+                <a:solidFill>
+                  <a:srgbClr val="002060"/>
+                </a:solidFill>
+                <a:latin typeface="Arial" panose="020B0604020202020204" pitchFamily="34" charset="0"/>
+                <a:ea typeface="ヒラギノ角ゴ Pro W3"/>
+                <a:cs typeface="Arial" panose="020B0604020202020204" pitchFamily="34" charset="0"/>
+              </a:rPr>
+              <a:t>Lund/LBNL Nuclear Data Search: </a:t>
+            </a:r>
+            <a:r>
+              <a:rPr lang="en-US" sz="1600" strike="noStrike" spc="-1" dirty="0">
+                <a:solidFill>
+                  <a:srgbClr val="002060"/>
+                </a:solidFill>
+                <a:latin typeface="Arial" panose="020B0604020202020204" pitchFamily="34" charset="0"/>
+                <a:ea typeface="ヒラギノ角ゴ Pro W3"/>
+                <a:cs typeface="Arial" panose="020B0604020202020204" pitchFamily="34" charset="0"/>
+                <a:hlinkClick r:id="rId4"/>
+              </a:rPr>
+              <a:t>http://nucleardata.nuclear.lu.se/toi/</a:t>
+            </a:r>
+            <a:endParaRPr lang="en-US" sz="1600" strike="noStrike" spc="-1" dirty="0">
+              <a:solidFill>
+                <a:srgbClr val="002060"/>
+              </a:solidFill>
+              <a:latin typeface="Arial" panose="020B0604020202020204" pitchFamily="34" charset="0"/>
+              <a:ea typeface="ヒラギノ角ゴ Pro W3"/>
+              <a:cs typeface="Arial" panose="020B0604020202020204" pitchFamily="34" charset="0"/>
+            </a:endParaRPr>
+          </a:p>
+          <a:p>
+            <a:pPr marL="343080" indent="-342720">
+              <a:lnSpc>
+                <a:spcPct val="100000"/>
+              </a:lnSpc>
+              <a:spcBef>
+                <a:spcPts val="320"/>
+              </a:spcBef>
+              <a:buClr>
+                <a:srgbClr val="002060"/>
+              </a:buClr>
+              <a:buFont typeface="Wingdings" charset="2"/>
+              <a:buChar char=""/>
+            </a:pPr>
+            <a:endParaRPr lang="en-US" sz="1600" strike="noStrike" spc="-1" dirty="0">
+              <a:solidFill>
+                <a:srgbClr val="002060"/>
+              </a:solidFill>
+              <a:latin typeface="Arial" panose="020B0604020202020204" pitchFamily="34" charset="0"/>
+              <a:ea typeface="ヒラギノ角ゴ Pro W3"/>
+              <a:cs typeface="Arial" panose="020B0604020202020204" pitchFamily="34" charset="0"/>
+            </a:endParaRPr>
+          </a:p>
+          <a:p>
+            <a:pPr marL="343080" indent="-342720">
+              <a:lnSpc>
+                <a:spcPct val="100000"/>
+              </a:lnSpc>
+              <a:spcBef>
+                <a:spcPts val="320"/>
+              </a:spcBef>
+              <a:buClr>
+                <a:srgbClr val="002060"/>
+              </a:buClr>
+              <a:buFont typeface="Wingdings" charset="2"/>
+              <a:buChar char=""/>
+            </a:pPr>
+            <a:r>
+              <a:rPr lang="en-US" sz="1600" strike="noStrike" spc="-1" dirty="0">
+                <a:solidFill>
+                  <a:srgbClr val="002060"/>
+                </a:solidFill>
+                <a:latin typeface="Arial" panose="020B0604020202020204" pitchFamily="34" charset="0"/>
+                <a:ea typeface="ヒラギノ角ゴ Pro W3"/>
+                <a:cs typeface="Arial" panose="020B0604020202020204" pitchFamily="34" charset="0"/>
+              </a:rPr>
+              <a:t>National Nuclear Data Center: </a:t>
+            </a:r>
+            <a:r>
+              <a:rPr lang="en-US" sz="1600" strike="noStrike" spc="-1" dirty="0">
+                <a:solidFill>
+                  <a:srgbClr val="002060"/>
+                </a:solidFill>
+                <a:latin typeface="Arial" panose="020B0604020202020204" pitchFamily="34" charset="0"/>
+                <a:ea typeface="ヒラギノ角ゴ Pro W3"/>
+                <a:cs typeface="Arial" panose="020B0604020202020204" pitchFamily="34" charset="0"/>
+                <a:hlinkClick r:id="rId5"/>
+              </a:rPr>
+              <a:t>https://www.nndc.bnl.gov/</a:t>
+            </a:r>
+            <a:endParaRPr lang="en-US" sz="1600" strike="noStrike" spc="-1" dirty="0">
+              <a:solidFill>
+                <a:srgbClr val="002060"/>
+              </a:solidFill>
+              <a:latin typeface="Arial" panose="020B0604020202020204" pitchFamily="34" charset="0"/>
+              <a:ea typeface="ヒラギノ角ゴ Pro W3"/>
+              <a:cs typeface="Arial" panose="020B0604020202020204" pitchFamily="34" charset="0"/>
+            </a:endParaRPr>
+          </a:p>
+          <a:p>
+            <a:pPr marL="360">
+              <a:lnSpc>
+                <a:spcPct val="100000"/>
+              </a:lnSpc>
+              <a:spcBef>
+                <a:spcPts val="320"/>
+              </a:spcBef>
+              <a:buClr>
+                <a:srgbClr val="002060"/>
+              </a:buClr>
+            </a:pPr>
+            <a:endParaRPr lang="en-ZA" sz="1600" spc="-1" dirty="0">
+              <a:solidFill>
+                <a:srgbClr val="002060"/>
+              </a:solidFill>
+              <a:latin typeface="Arial" panose="020B0604020202020204" pitchFamily="34" charset="0"/>
+              <a:ea typeface="ヒラギノ角ゴ Pro W3"/>
+              <a:cs typeface="Arial" panose="020B0604020202020204" pitchFamily="34" charset="0"/>
+            </a:endParaRPr>
+          </a:p>
+        </p:txBody>
+      </p:sp>
+      <p:pic>
+        <p:nvPicPr>
+          <p:cNvPr id="3" name="Image 2">
+            <a:extLst>
+              <a:ext uri="{FF2B5EF4-FFF2-40B4-BE49-F238E27FC236}">
+                <a16:creationId xmlns:a16="http://schemas.microsoft.com/office/drawing/2014/main" id="{70A60527-3271-4F97-A725-469FCECFDE68}"/>
+              </a:ext>
+            </a:extLst>
+          </p:cNvPr>
+          <p:cNvPicPr>
+            <a:picLocks noChangeAspect="1"/>
+          </p:cNvPicPr>
+          <p:nvPr/>
+        </p:nvPicPr>
+        <p:blipFill>
+          <a:blip r:embed="rId6"/>
+          <a:stretch>
+            <a:fillRect/>
+          </a:stretch>
+        </p:blipFill>
+        <p:spPr>
+          <a:xfrm>
+            <a:off x="90053" y="1644135"/>
+            <a:ext cx="4412673" cy="3465824"/>
+          </a:xfrm>
+          <a:prstGeom prst="rect">
+            <a:avLst/>
+          </a:prstGeom>
+        </p:spPr>
+      </p:pic>
+      <p:pic>
+        <p:nvPicPr>
+          <p:cNvPr id="5" name="Image 4">
+            <a:extLst>
+              <a:ext uri="{FF2B5EF4-FFF2-40B4-BE49-F238E27FC236}">
+                <a16:creationId xmlns:a16="http://schemas.microsoft.com/office/drawing/2014/main" id="{1CAE7284-BBC9-475E-8F12-B7EC9D07CA45}"/>
+              </a:ext>
+            </a:extLst>
+          </p:cNvPr>
+          <p:cNvPicPr>
+            <a:picLocks noChangeAspect="1"/>
+          </p:cNvPicPr>
+          <p:nvPr/>
+        </p:nvPicPr>
+        <p:blipFill>
+          <a:blip r:embed="rId7"/>
+          <a:stretch>
+            <a:fillRect/>
+          </a:stretch>
+        </p:blipFill>
+        <p:spPr>
+          <a:xfrm>
+            <a:off x="4641275" y="1610748"/>
+            <a:ext cx="4412673" cy="3532752"/>
+          </a:xfrm>
+          <a:prstGeom prst="rect">
+            <a:avLst/>
+          </a:prstGeom>
+        </p:spPr>
+      </p:pic>
+    </p:spTree>
+    <p:extLst>
+      <p:ext uri="{BB962C8B-B14F-4D97-AF65-F5344CB8AC3E}">
+        <p14:creationId xmlns:p14="http://schemas.microsoft.com/office/powerpoint/2010/main" val="3701917983"/>
+      </p:ext>
+    </p:extLst>
+  </p:cSld>
+  <p:clrMapOvr>
+    <a:masterClrMapping/>
+  </p:clrMapOvr>
+  <p:timing>
+    <p:tnLst>
+      <p:par>
+        <p:cTn id="1" dur="indefinite" restart="never" nodeType="tmRoot">
+          <p:childTnLst>
+            <p:seq>
+              <p:cTn id="2" dur="indefinite" nodeType="mainSeq"/>
+              <p:prevCondLst>
+                <p:cond evt="onPrev" delay="0">
+                  <p:tgtEl>
+                    <p:sldTgt/>
+                  </p:tgtEl>
+                </p:cond>
+              </p:prevCondLst>
+              <p:nextCondLst>
+                <p:cond evt="onNext" delay="0">
+                  <p:tgtEl>
+                    <p:sldTgt/>
+                  </p:tgtEl>
+                </p:cond>
+              </p:nextCondLst>
+            </p:seq>
+          </p:childTnLst>
+        </p:cTn>
+      </p:par>
+    </p:tnLst>
+  </p:timing>
+</p:sld>
+</file>
+
+<file path=ppt/slides/slide6.xml><?xml version="1.0" encoding="utf-8"?>
+<p:sld xmlns:a="http://schemas.openxmlformats.org/drawingml/2006/main" xmlns:r="http://schemas.openxmlformats.org/officeDocument/2006/relationships" xmlns:p="http://schemas.openxmlformats.org/presentationml/2006/main">
+  <p:cSld>
+    <p:spTree>
+      <p:nvGrpSpPr>
+        <p:cNvPr id="1" name=""/>
+        <p:cNvGrpSpPr/>
+        <p:nvPr/>
+      </p:nvGrpSpPr>
+      <p:grpSpPr>
+        <a:xfrm>
+          <a:off x="0" y="0"/>
+          <a:ext cx="0" cy="0"/>
+          <a:chOff x="0" y="0"/>
+          <a:chExt cx="0" cy="0"/>
+        </a:xfrm>
+      </p:grpSpPr>
+      <p:pic>
+        <p:nvPicPr>
+          <p:cNvPr id="55" name="Image 6"/>
+          <p:cNvPicPr/>
+          <p:nvPr/>
+        </p:nvPicPr>
+        <p:blipFill>
+          <a:blip r:embed="rId2"/>
+          <a:stretch/>
+        </p:blipFill>
+        <p:spPr>
+          <a:xfrm>
+            <a:off x="1404720" y="0"/>
+            <a:ext cx="7738920" cy="477000"/>
+          </a:xfrm>
+          <a:prstGeom prst="rect">
+            <a:avLst/>
+          </a:prstGeom>
+          <a:ln>
+            <a:noFill/>
+          </a:ln>
+        </p:spPr>
+      </p:pic>
+      <p:pic>
+        <p:nvPicPr>
+          <p:cNvPr id="56" name="Image 7"/>
+          <p:cNvPicPr/>
+          <p:nvPr/>
+        </p:nvPicPr>
+        <p:blipFill>
+          <a:blip r:embed="rId3"/>
+          <a:stretch/>
+        </p:blipFill>
+        <p:spPr>
+          <a:xfrm>
+            <a:off x="0" y="0"/>
+            <a:ext cx="1419120" cy="477000"/>
+          </a:xfrm>
+          <a:prstGeom prst="rect">
+            <a:avLst/>
+          </a:prstGeom>
+          <a:ln>
+            <a:noFill/>
+          </a:ln>
+        </p:spPr>
+      </p:pic>
+      <p:sp>
+        <p:nvSpPr>
+          <p:cNvPr id="57" name="TextShape 1"/>
+          <p:cNvSpPr txBox="1"/>
+          <p:nvPr/>
+        </p:nvSpPr>
+        <p:spPr>
+          <a:xfrm>
+            <a:off x="2646360" y="0"/>
+            <a:ext cx="6117480" cy="469440"/>
+          </a:xfrm>
+          <a:prstGeom prst="rect">
+            <a:avLst/>
+          </a:prstGeom>
+          <a:noFill/>
+          <a:ln>
+            <a:noFill/>
+          </a:ln>
+        </p:spPr>
+        <p:txBody>
+          <a:bodyPr anchor="ctr"/>
+          <a:lstStyle/>
+          <a:p>
+            <a:pPr algn="r"/>
+            <a:r>
+              <a:rPr lang="en-US" sz="2000" b="0" strike="noStrike" spc="-1" dirty="0">
+                <a:solidFill>
+                  <a:srgbClr val="FFFFFF"/>
+                </a:solidFill>
+                <a:latin typeface="Arial"/>
+              </a:rPr>
+              <a:t>Semiconductors vs. Scintillators </a:t>
+            </a:r>
+            <a:endParaRPr lang="en-US" sz="2000" b="0" strike="noStrike" spc="-1" dirty="0">
+              <a:solidFill>
+                <a:srgbClr val="000000"/>
+              </a:solidFill>
+              <a:latin typeface="Calibri"/>
+            </a:endParaRPr>
+          </a:p>
+        </p:txBody>
+      </p:sp>
+      <p:sp>
+        <p:nvSpPr>
+          <p:cNvPr id="58" name="CustomShape 2"/>
+          <p:cNvSpPr/>
+          <p:nvPr/>
+        </p:nvSpPr>
+        <p:spPr>
+          <a:xfrm>
+            <a:off x="8420760" y="-69840"/>
+            <a:ext cx="726120" cy="390240"/>
+          </a:xfrm>
+          <a:prstGeom prst="rect">
+            <a:avLst/>
+          </a:prstGeom>
+          <a:noFill/>
+          <a:ln>
+            <a:noFill/>
+          </a:ln>
+        </p:spPr>
+        <p:style>
+          <a:lnRef idx="0">
+            <a:scrgbClr r="0" g="0" b="0"/>
+          </a:lnRef>
+          <a:fillRef idx="0">
+            <a:scrgbClr r="0" g="0" b="0"/>
+          </a:fillRef>
+          <a:effectRef idx="0">
+            <a:scrgbClr r="0" g="0" b="0"/>
+          </a:effectRef>
+          <a:fontRef idx="minor"/>
+        </p:style>
+        <p:txBody>
+          <a:bodyPr lIns="90000" tIns="45000" rIns="90000" bIns="45000" anchor="ctr"/>
+          <a:lstStyle/>
+          <a:p>
+            <a:pPr algn="r">
+              <a:lnSpc>
+                <a:spcPts val="3039"/>
+              </a:lnSpc>
+            </a:pPr>
+            <a:r>
+              <a:rPr lang="en-ZA" sz="1300" b="1" strike="noStrike" spc="-1" dirty="0">
+                <a:solidFill>
+                  <a:srgbClr val="FFFFFF"/>
+                </a:solidFill>
+                <a:latin typeface="Arial"/>
+                <a:ea typeface="MS PGothic"/>
+              </a:rPr>
+              <a:t>6</a:t>
             </a:r>
           </a:p>
         </p:txBody>
@@ -12880,1594 +13520,6 @@
 </p:sld>
 </file>
 
-<file path=ppt/slides/slide6.xml><?xml version="1.0" encoding="utf-8"?>
-<p:sld xmlns:a="http://schemas.openxmlformats.org/drawingml/2006/main" xmlns:r="http://schemas.openxmlformats.org/officeDocument/2006/relationships" xmlns:p="http://schemas.openxmlformats.org/presentationml/2006/main">
-  <p:cSld>
-    <p:spTree>
-      <p:nvGrpSpPr>
-        <p:cNvPr id="1" name=""/>
-        <p:cNvGrpSpPr/>
-        <p:nvPr/>
-      </p:nvGrpSpPr>
-      <p:grpSpPr>
-        <a:xfrm>
-          <a:off x="0" y="0"/>
-          <a:ext cx="0" cy="0"/>
-          <a:chOff x="0" y="0"/>
-          <a:chExt cx="0" cy="0"/>
-        </a:xfrm>
-      </p:grpSpPr>
-      <p:pic>
-        <p:nvPicPr>
-          <p:cNvPr id="2050" name="Picture 2" descr="Learn Behaviour of Radiations in Electric and Magnetic Fields in 3 minutes.">
-            <a:extLst>
-              <a:ext uri="{FF2B5EF4-FFF2-40B4-BE49-F238E27FC236}">
-                <a16:creationId xmlns:a16="http://schemas.microsoft.com/office/drawing/2014/main" id="{2820D00A-A393-4ADE-BDC0-8BF24ADBB510}"/>
-              </a:ext>
-            </a:extLst>
-          </p:cNvPr>
-          <p:cNvPicPr>
-            <a:picLocks noChangeAspect="1" noChangeArrowheads="1" noCrop="1"/>
-          </p:cNvPicPr>
-          <p:nvPr/>
-        </p:nvPicPr>
-        <p:blipFill>
-          <a:blip r:embed="rId2">
-            <a:extLst>
-              <a:ext uri="{28A0092B-C50C-407E-A947-70E740481C1C}">
-                <a14:useLocalDpi xmlns:a14="http://schemas.microsoft.com/office/drawing/2010/main" val="0"/>
-              </a:ext>
-            </a:extLst>
-          </a:blip>
-          <a:srcRect/>
-          <a:stretch>
-            <a:fillRect/>
-          </a:stretch>
-        </p:blipFill>
-        <p:spPr bwMode="auto">
-          <a:xfrm>
-            <a:off x="-337427" y="2394571"/>
-            <a:ext cx="2093974" cy="1612280"/>
-          </a:xfrm>
-          <a:prstGeom prst="rect">
-            <a:avLst/>
-          </a:prstGeom>
-          <a:noFill/>
-          <a:extLst>
-            <a:ext uri="{909E8E84-426E-40DD-AFC4-6F175D3DCCD1}">
-              <a14:hiddenFill xmlns:a14="http://schemas.microsoft.com/office/drawing/2010/main">
-                <a:solidFill>
-                  <a:srgbClr val="FFFFFF"/>
-                </a:solidFill>
-              </a14:hiddenFill>
-            </a:ext>
-          </a:extLst>
-        </p:spPr>
-      </p:pic>
-      <p:pic>
-        <p:nvPicPr>
-          <p:cNvPr id="20" name="Image 19">
-            <a:extLst>
-              <a:ext uri="{FF2B5EF4-FFF2-40B4-BE49-F238E27FC236}">
-                <a16:creationId xmlns:a16="http://schemas.microsoft.com/office/drawing/2014/main" id="{28EB1300-C349-4CBD-8A18-616AA2F4C951}"/>
-              </a:ext>
-            </a:extLst>
-          </p:cNvPr>
-          <p:cNvPicPr>
-            <a:picLocks noChangeAspect="1"/>
-          </p:cNvPicPr>
-          <p:nvPr/>
-        </p:nvPicPr>
-        <p:blipFill>
-          <a:blip r:embed="rId3"/>
-          <a:stretch>
-            <a:fillRect/>
-          </a:stretch>
-        </p:blipFill>
-        <p:spPr>
-          <a:xfrm rot="2257161">
-            <a:off x="971763" y="595186"/>
-            <a:ext cx="1803416" cy="2293543"/>
-          </a:xfrm>
-          <a:prstGeom prst="rect">
-            <a:avLst/>
-          </a:prstGeom>
-        </p:spPr>
-      </p:pic>
-      <p:pic>
-        <p:nvPicPr>
-          <p:cNvPr id="56" name="Image 7"/>
-          <p:cNvPicPr/>
-          <p:nvPr/>
-        </p:nvPicPr>
-        <p:blipFill>
-          <a:blip r:embed="rId4"/>
-          <a:stretch/>
-        </p:blipFill>
-        <p:spPr>
-          <a:xfrm>
-            <a:off x="0" y="0"/>
-            <a:ext cx="1419120" cy="477000"/>
-          </a:xfrm>
-          <a:prstGeom prst="rect">
-            <a:avLst/>
-          </a:prstGeom>
-          <a:ln>
-            <a:noFill/>
-          </a:ln>
-        </p:spPr>
-      </p:pic>
-      <p:pic>
-        <p:nvPicPr>
-          <p:cNvPr id="55" name="Image 6"/>
-          <p:cNvPicPr/>
-          <p:nvPr/>
-        </p:nvPicPr>
-        <p:blipFill>
-          <a:blip r:embed="rId5"/>
-          <a:stretch/>
-        </p:blipFill>
-        <p:spPr>
-          <a:xfrm>
-            <a:off x="1404720" y="0"/>
-            <a:ext cx="7738920" cy="477000"/>
-          </a:xfrm>
-          <a:prstGeom prst="rect">
-            <a:avLst/>
-          </a:prstGeom>
-          <a:ln>
-            <a:noFill/>
-          </a:ln>
-        </p:spPr>
-      </p:pic>
-      <p:sp>
-        <p:nvSpPr>
-          <p:cNvPr id="57" name="TextShape 1"/>
-          <p:cNvSpPr txBox="1"/>
-          <p:nvPr/>
-        </p:nvSpPr>
-        <p:spPr>
-          <a:xfrm>
-            <a:off x="2646360" y="0"/>
-            <a:ext cx="6117480" cy="469440"/>
-          </a:xfrm>
-          <a:prstGeom prst="rect">
-            <a:avLst/>
-          </a:prstGeom>
-          <a:noFill/>
-          <a:ln>
-            <a:noFill/>
-          </a:ln>
-        </p:spPr>
-        <p:txBody>
-          <a:bodyPr anchor="ctr"/>
-          <a:lstStyle/>
-          <a:p>
-            <a:pPr algn="r"/>
-            <a:r>
-              <a:rPr lang="en-US" sz="2000" b="0" strike="noStrike" spc="-1" dirty="0">
-                <a:solidFill>
-                  <a:srgbClr val="FFFFFF"/>
-                </a:solidFill>
-                <a:latin typeface="Arial"/>
-              </a:rPr>
-              <a:t>How to Determine the Detection Efficiency </a:t>
-            </a:r>
-            <a:endParaRPr lang="en-US" sz="2000" b="0" strike="noStrike" spc="-1" dirty="0">
-              <a:solidFill>
-                <a:srgbClr val="000000"/>
-              </a:solidFill>
-              <a:latin typeface="Calibri"/>
-            </a:endParaRPr>
-          </a:p>
-        </p:txBody>
-      </p:sp>
-      <p:sp>
-        <p:nvSpPr>
-          <p:cNvPr id="58" name="CustomShape 2"/>
-          <p:cNvSpPr/>
-          <p:nvPr/>
-        </p:nvSpPr>
-        <p:spPr>
-          <a:xfrm>
-            <a:off x="8420760" y="-69840"/>
-            <a:ext cx="726120" cy="390240"/>
-          </a:xfrm>
-          <a:prstGeom prst="rect">
-            <a:avLst/>
-          </a:prstGeom>
-          <a:noFill/>
-          <a:ln>
-            <a:noFill/>
-          </a:ln>
-        </p:spPr>
-        <p:style>
-          <a:lnRef idx="0">
-            <a:scrgbClr r="0" g="0" b="0"/>
-          </a:lnRef>
-          <a:fillRef idx="0">
-            <a:scrgbClr r="0" g="0" b="0"/>
-          </a:fillRef>
-          <a:effectRef idx="0">
-            <a:scrgbClr r="0" g="0" b="0"/>
-          </a:effectRef>
-          <a:fontRef idx="minor"/>
-        </p:style>
-        <p:txBody>
-          <a:bodyPr lIns="90000" tIns="45000" rIns="90000" bIns="45000" anchor="ctr"/>
-          <a:lstStyle/>
-          <a:p>
-            <a:pPr algn="r">
-              <a:lnSpc>
-                <a:spcPts val="3039"/>
-              </a:lnSpc>
-            </a:pPr>
-            <a:r>
-              <a:rPr lang="en-ZA" sz="1300" b="1" strike="noStrike" spc="-1" dirty="0">
-                <a:solidFill>
-                  <a:srgbClr val="FFFFFF"/>
-                </a:solidFill>
-                <a:latin typeface="Arial"/>
-                <a:ea typeface="MS PGothic"/>
-              </a:rPr>
-              <a:t>6</a:t>
-            </a:r>
-            <a:endParaRPr lang="en-ZA" sz="1300" b="0" strike="noStrike" spc="-1" dirty="0">
-              <a:latin typeface="Arial"/>
-            </a:endParaRPr>
-          </a:p>
-        </p:txBody>
-      </p:sp>
-      <p:pic>
-        <p:nvPicPr>
-          <p:cNvPr id="7" name="Image 6">
-            <a:extLst>
-              <a:ext uri="{FF2B5EF4-FFF2-40B4-BE49-F238E27FC236}">
-                <a16:creationId xmlns:a16="http://schemas.microsoft.com/office/drawing/2014/main" id="{9221DD59-D502-43B4-B0A1-F2AEFD705786}"/>
-              </a:ext>
-            </a:extLst>
-          </p:cNvPr>
-          <p:cNvPicPr>
-            <a:picLocks noChangeAspect="1"/>
-          </p:cNvPicPr>
-          <p:nvPr/>
-        </p:nvPicPr>
-        <p:blipFill>
-          <a:blip r:embed="rId6"/>
-          <a:stretch>
-            <a:fillRect/>
-          </a:stretch>
-        </p:blipFill>
-        <p:spPr>
-          <a:xfrm>
-            <a:off x="2780580" y="3006915"/>
-            <a:ext cx="4052960" cy="726065"/>
-          </a:xfrm>
-          <a:prstGeom prst="rect">
-            <a:avLst/>
-          </a:prstGeom>
-          <a:ln w="19050">
-            <a:solidFill>
-              <a:schemeClr val="accent1"/>
-            </a:solidFill>
-          </a:ln>
-        </p:spPr>
-      </p:pic>
-      <p:pic>
-        <p:nvPicPr>
-          <p:cNvPr id="15" name="Image 14">
-            <a:extLst>
-              <a:ext uri="{FF2B5EF4-FFF2-40B4-BE49-F238E27FC236}">
-                <a16:creationId xmlns:a16="http://schemas.microsoft.com/office/drawing/2014/main" id="{64615BC0-9482-4043-B2E8-54434B498850}"/>
-              </a:ext>
-            </a:extLst>
-          </p:cNvPr>
-          <p:cNvPicPr>
-            <a:picLocks noChangeAspect="1"/>
-          </p:cNvPicPr>
-          <p:nvPr/>
-        </p:nvPicPr>
-        <p:blipFill>
-          <a:blip r:embed="rId7"/>
-          <a:stretch>
-            <a:fillRect/>
-          </a:stretch>
-        </p:blipFill>
-        <p:spPr>
-          <a:xfrm>
-            <a:off x="4853916" y="1329977"/>
-            <a:ext cx="1190625" cy="666750"/>
-          </a:xfrm>
-          <a:prstGeom prst="rect">
-            <a:avLst/>
-          </a:prstGeom>
-        </p:spPr>
-      </p:pic>
-      <p:pic>
-        <p:nvPicPr>
-          <p:cNvPr id="18" name="Image 17">
-            <a:extLst>
-              <a:ext uri="{FF2B5EF4-FFF2-40B4-BE49-F238E27FC236}">
-                <a16:creationId xmlns:a16="http://schemas.microsoft.com/office/drawing/2014/main" id="{2C28A64E-26C0-4317-9CD0-C886E5575ADB}"/>
-              </a:ext>
-            </a:extLst>
-          </p:cNvPr>
-          <p:cNvPicPr>
-            <a:picLocks noChangeAspect="1"/>
-          </p:cNvPicPr>
-          <p:nvPr/>
-        </p:nvPicPr>
-        <p:blipFill>
-          <a:blip r:embed="rId8"/>
-          <a:stretch>
-            <a:fillRect/>
-          </a:stretch>
-        </p:blipFill>
-        <p:spPr>
-          <a:xfrm>
-            <a:off x="2848635" y="672241"/>
-            <a:ext cx="4695825" cy="600075"/>
-          </a:xfrm>
-          <a:prstGeom prst="rect">
-            <a:avLst/>
-          </a:prstGeom>
-        </p:spPr>
-      </p:pic>
-      <p:cxnSp>
-        <p:nvCxnSpPr>
-          <p:cNvPr id="24" name="Straight Arrow Connector 26">
-            <a:extLst>
-              <a:ext uri="{FF2B5EF4-FFF2-40B4-BE49-F238E27FC236}">
-                <a16:creationId xmlns:a16="http://schemas.microsoft.com/office/drawing/2014/main" id="{CF3C1D8E-5E6E-4153-8B0C-B890B7CE533C}"/>
-              </a:ext>
-            </a:extLst>
-          </p:cNvPr>
-          <p:cNvCxnSpPr>
-            <a:cxnSpLocks/>
-          </p:cNvCxnSpPr>
-          <p:nvPr/>
-        </p:nvCxnSpPr>
-        <p:spPr>
-          <a:xfrm flipH="1">
-            <a:off x="6144872" y="1536261"/>
-            <a:ext cx="590465" cy="0"/>
-          </a:xfrm>
-          <a:prstGeom prst="straightConnector1">
-            <a:avLst/>
-          </a:prstGeom>
-          <a:ln w="12700">
-            <a:solidFill>
-              <a:schemeClr val="tx1"/>
-            </a:solidFill>
-            <a:headEnd type="none"/>
-            <a:tailEnd type="arrow"/>
-          </a:ln>
-        </p:spPr>
-        <p:style>
-          <a:lnRef idx="1">
-            <a:schemeClr val="accent1"/>
-          </a:lnRef>
-          <a:fillRef idx="0">
-            <a:schemeClr val="accent1"/>
-          </a:fillRef>
-          <a:effectRef idx="0">
-            <a:schemeClr val="accent1"/>
-          </a:effectRef>
-          <a:fontRef idx="minor">
-            <a:schemeClr val="tx1"/>
-          </a:fontRef>
-        </p:style>
-      </p:cxnSp>
-      <p:cxnSp>
-        <p:nvCxnSpPr>
-          <p:cNvPr id="26" name="Straight Arrow Connector 26">
-            <a:extLst>
-              <a:ext uri="{FF2B5EF4-FFF2-40B4-BE49-F238E27FC236}">
-                <a16:creationId xmlns:a16="http://schemas.microsoft.com/office/drawing/2014/main" id="{6D47C796-AA9D-41AD-A1CB-462CA0643554}"/>
-              </a:ext>
-            </a:extLst>
-          </p:cNvPr>
-          <p:cNvCxnSpPr>
-            <a:cxnSpLocks/>
-          </p:cNvCxnSpPr>
-          <p:nvPr/>
-        </p:nvCxnSpPr>
-        <p:spPr>
-          <a:xfrm flipH="1">
-            <a:off x="6144872" y="1829910"/>
-            <a:ext cx="590465" cy="0"/>
-          </a:xfrm>
-          <a:prstGeom prst="straightConnector1">
-            <a:avLst/>
-          </a:prstGeom>
-          <a:ln w="12700">
-            <a:solidFill>
-              <a:schemeClr val="tx1"/>
-            </a:solidFill>
-            <a:headEnd type="none"/>
-            <a:tailEnd type="arrow"/>
-          </a:ln>
-        </p:spPr>
-        <p:style>
-          <a:lnRef idx="1">
-            <a:schemeClr val="accent1"/>
-          </a:lnRef>
-          <a:fillRef idx="0">
-            <a:schemeClr val="accent1"/>
-          </a:fillRef>
-          <a:effectRef idx="0">
-            <a:schemeClr val="accent1"/>
-          </a:effectRef>
-          <a:fontRef idx="minor">
-            <a:schemeClr val="tx1"/>
-          </a:fontRef>
-        </p:style>
-      </p:cxnSp>
-      <p:cxnSp>
-        <p:nvCxnSpPr>
-          <p:cNvPr id="27" name="Straight Arrow Connector 26">
-            <a:extLst>
-              <a:ext uri="{FF2B5EF4-FFF2-40B4-BE49-F238E27FC236}">
-                <a16:creationId xmlns:a16="http://schemas.microsoft.com/office/drawing/2014/main" id="{DC8813FC-61F6-4015-8556-831416EBA4BA}"/>
-              </a:ext>
-            </a:extLst>
-          </p:cNvPr>
-          <p:cNvCxnSpPr>
-            <a:cxnSpLocks/>
-          </p:cNvCxnSpPr>
-          <p:nvPr/>
-        </p:nvCxnSpPr>
-        <p:spPr>
-          <a:xfrm flipH="1" flipV="1">
-            <a:off x="5634018" y="2014408"/>
-            <a:ext cx="1101319" cy="151353"/>
-          </a:xfrm>
-          <a:prstGeom prst="straightConnector1">
-            <a:avLst/>
-          </a:prstGeom>
-          <a:ln w="12700">
-            <a:solidFill>
-              <a:schemeClr val="tx1"/>
-            </a:solidFill>
-            <a:headEnd type="none"/>
-            <a:tailEnd type="arrow"/>
-          </a:ln>
-        </p:spPr>
-        <p:style>
-          <a:lnRef idx="1">
-            <a:schemeClr val="accent1"/>
-          </a:lnRef>
-          <a:fillRef idx="0">
-            <a:schemeClr val="accent1"/>
-          </a:fillRef>
-          <a:effectRef idx="0">
-            <a:schemeClr val="accent1"/>
-          </a:effectRef>
-          <a:fontRef idx="minor">
-            <a:schemeClr val="tx1"/>
-          </a:fontRef>
-        </p:style>
-      </p:cxnSp>
-      <p:cxnSp>
-        <p:nvCxnSpPr>
-          <p:cNvPr id="32" name="Straight Arrow Connector 26">
-            <a:extLst>
-              <a:ext uri="{FF2B5EF4-FFF2-40B4-BE49-F238E27FC236}">
-                <a16:creationId xmlns:a16="http://schemas.microsoft.com/office/drawing/2014/main" id="{E27915E7-0F0B-4BC5-B1E2-F48B8C2D737C}"/>
-              </a:ext>
-            </a:extLst>
-          </p:cNvPr>
-          <p:cNvCxnSpPr>
-            <a:cxnSpLocks/>
-          </p:cNvCxnSpPr>
-          <p:nvPr/>
-        </p:nvCxnSpPr>
-        <p:spPr>
-          <a:xfrm flipH="1" flipV="1">
-            <a:off x="5330283" y="2054388"/>
-            <a:ext cx="1405054" cy="420486"/>
-          </a:xfrm>
-          <a:prstGeom prst="straightConnector1">
-            <a:avLst/>
-          </a:prstGeom>
-          <a:ln w="12700">
-            <a:solidFill>
-              <a:schemeClr val="tx1"/>
-            </a:solidFill>
-            <a:headEnd type="none"/>
-            <a:tailEnd type="arrow"/>
-          </a:ln>
-        </p:spPr>
-        <p:style>
-          <a:lnRef idx="1">
-            <a:schemeClr val="accent1"/>
-          </a:lnRef>
-          <a:fillRef idx="0">
-            <a:schemeClr val="accent1"/>
-          </a:fillRef>
-          <a:effectRef idx="0">
-            <a:schemeClr val="accent1"/>
-          </a:effectRef>
-          <a:fontRef idx="minor">
-            <a:schemeClr val="tx1"/>
-          </a:fontRef>
-        </p:style>
-      </p:cxnSp>
-      <p:sp>
-        <p:nvSpPr>
-          <p:cNvPr id="37" name="TextBox 3">
-            <a:extLst>
-              <a:ext uri="{FF2B5EF4-FFF2-40B4-BE49-F238E27FC236}">
-                <a16:creationId xmlns:a16="http://schemas.microsoft.com/office/drawing/2014/main" id="{1A432730-817B-4703-972D-3F3B7577B326}"/>
-              </a:ext>
-            </a:extLst>
-          </p:cNvPr>
-          <p:cNvSpPr txBox="1"/>
-          <p:nvPr/>
-        </p:nvSpPr>
-        <p:spPr>
-          <a:xfrm>
-            <a:off x="6835668" y="1355098"/>
-            <a:ext cx="2307972" cy="338554"/>
-          </a:xfrm>
-          <a:prstGeom prst="rect">
-            <a:avLst/>
-          </a:prstGeom>
-          <a:noFill/>
-        </p:spPr>
-        <p:txBody>
-          <a:bodyPr rot="0" spcFirstLastPara="0" vert="horz" wrap="square" lIns="91440" tIns="45720" rIns="91440" bIns="45720" numCol="1" spcCol="0" rtlCol="0" fromWordArt="0" anchor="t" anchorCtr="0" forceAA="0" compatLnSpc="1">
-            <a:prstTxWarp prst="textNoShape">
-              <a:avLst/>
-            </a:prstTxWarp>
-            <a:spAutoFit/>
-          </a:bodyPr>
-          <a:lstStyle>
-            <a:defPPr>
-              <a:defRPr lang="en-US"/>
-            </a:defPPr>
-            <a:lvl1pPr marL="0" algn="l" defTabSz="457200" rtl="0" eaLnBrk="1" latinLnBrk="0" hangingPunct="1">
-              <a:defRPr sz="1800" kern="1200">
-                <a:solidFill>
-                  <a:schemeClr val="tx1"/>
-                </a:solidFill>
-                <a:latin typeface="+mn-lt"/>
-                <a:ea typeface="+mn-ea"/>
-                <a:cs typeface="+mn-cs"/>
-              </a:defRPr>
-            </a:lvl1pPr>
-            <a:lvl2pPr marL="457200" algn="l" defTabSz="457200" rtl="0" eaLnBrk="1" latinLnBrk="0" hangingPunct="1">
-              <a:defRPr sz="1800" kern="1200">
-                <a:solidFill>
-                  <a:schemeClr val="tx1"/>
-                </a:solidFill>
-                <a:latin typeface="+mn-lt"/>
-                <a:ea typeface="+mn-ea"/>
-                <a:cs typeface="+mn-cs"/>
-              </a:defRPr>
-            </a:lvl2pPr>
-            <a:lvl3pPr marL="914400" algn="l" defTabSz="457200" rtl="0" eaLnBrk="1" latinLnBrk="0" hangingPunct="1">
-              <a:defRPr sz="1800" kern="1200">
-                <a:solidFill>
-                  <a:schemeClr val="tx1"/>
-                </a:solidFill>
-                <a:latin typeface="+mn-lt"/>
-                <a:ea typeface="+mn-ea"/>
-                <a:cs typeface="+mn-cs"/>
-              </a:defRPr>
-            </a:lvl3pPr>
-            <a:lvl4pPr marL="1371600" algn="l" defTabSz="457200" rtl="0" eaLnBrk="1" latinLnBrk="0" hangingPunct="1">
-              <a:defRPr sz="1800" kern="1200">
-                <a:solidFill>
-                  <a:schemeClr val="tx1"/>
-                </a:solidFill>
-                <a:latin typeface="+mn-lt"/>
-                <a:ea typeface="+mn-ea"/>
-                <a:cs typeface="+mn-cs"/>
-              </a:defRPr>
-            </a:lvl4pPr>
-            <a:lvl5pPr marL="1828800" algn="l" defTabSz="457200" rtl="0" eaLnBrk="1" latinLnBrk="0" hangingPunct="1">
-              <a:defRPr sz="1800" kern="1200">
-                <a:solidFill>
-                  <a:schemeClr val="tx1"/>
-                </a:solidFill>
-                <a:latin typeface="+mn-lt"/>
-                <a:ea typeface="+mn-ea"/>
-                <a:cs typeface="+mn-cs"/>
-              </a:defRPr>
-            </a:lvl5pPr>
-            <a:lvl6pPr marL="2286000" algn="l" defTabSz="457200" rtl="0" eaLnBrk="1" latinLnBrk="0" hangingPunct="1">
-              <a:defRPr sz="1800" kern="1200">
-                <a:solidFill>
-                  <a:schemeClr val="tx1"/>
-                </a:solidFill>
-                <a:latin typeface="+mn-lt"/>
-                <a:ea typeface="+mn-ea"/>
-                <a:cs typeface="+mn-cs"/>
-              </a:defRPr>
-            </a:lvl6pPr>
-            <a:lvl7pPr marL="2743200" algn="l" defTabSz="457200" rtl="0" eaLnBrk="1" latinLnBrk="0" hangingPunct="1">
-              <a:defRPr sz="1800" kern="1200">
-                <a:solidFill>
-                  <a:schemeClr val="tx1"/>
-                </a:solidFill>
-                <a:latin typeface="+mn-lt"/>
-                <a:ea typeface="+mn-ea"/>
-                <a:cs typeface="+mn-cs"/>
-              </a:defRPr>
-            </a:lvl7pPr>
-            <a:lvl8pPr marL="3200400" algn="l" defTabSz="457200" rtl="0" eaLnBrk="1" latinLnBrk="0" hangingPunct="1">
-              <a:defRPr sz="1800" kern="1200">
-                <a:solidFill>
-                  <a:schemeClr val="tx1"/>
-                </a:solidFill>
-                <a:latin typeface="+mn-lt"/>
-                <a:ea typeface="+mn-ea"/>
-                <a:cs typeface="+mn-cs"/>
-              </a:defRPr>
-            </a:lvl8pPr>
-            <a:lvl9pPr marL="3657600" algn="l" defTabSz="457200" rtl="0" eaLnBrk="1" latinLnBrk="0" hangingPunct="1">
-              <a:defRPr sz="1800" kern="1200">
-                <a:solidFill>
-                  <a:schemeClr val="tx1"/>
-                </a:solidFill>
-                <a:latin typeface="+mn-lt"/>
-                <a:ea typeface="+mn-ea"/>
-                <a:cs typeface="+mn-cs"/>
-              </a:defRPr>
-            </a:lvl9pPr>
-          </a:lstStyle>
-          <a:p>
-            <a:r>
-              <a:rPr lang="en-GB" sz="1600" dirty="0">
-                <a:solidFill>
-                  <a:srgbClr val="21225A"/>
-                </a:solidFill>
-                <a:latin typeface="Arial"/>
-                <a:cs typeface="Arial"/>
-              </a:rPr>
-              <a:t>Area of the photopeak</a:t>
-            </a:r>
-            <a:endParaRPr lang="en-GB" sz="1600" b="1" dirty="0">
-              <a:solidFill>
-                <a:srgbClr val="21225A"/>
-              </a:solidFill>
-              <a:latin typeface="Arial"/>
-              <a:cs typeface="Arial"/>
-            </a:endParaRPr>
-          </a:p>
-        </p:txBody>
-      </p:sp>
-      <p:sp>
-        <p:nvSpPr>
-          <p:cNvPr id="38" name="TextBox 3">
-            <a:extLst>
-              <a:ext uri="{FF2B5EF4-FFF2-40B4-BE49-F238E27FC236}">
-                <a16:creationId xmlns:a16="http://schemas.microsoft.com/office/drawing/2014/main" id="{B1B75497-7286-49CD-800C-C4ABE78AB9CF}"/>
-              </a:ext>
-            </a:extLst>
-          </p:cNvPr>
-          <p:cNvSpPr txBox="1"/>
-          <p:nvPr/>
-        </p:nvSpPr>
-        <p:spPr>
-          <a:xfrm>
-            <a:off x="6833540" y="1663352"/>
-            <a:ext cx="2307972" cy="338554"/>
-          </a:xfrm>
-          <a:prstGeom prst="rect">
-            <a:avLst/>
-          </a:prstGeom>
-          <a:noFill/>
-        </p:spPr>
-        <p:txBody>
-          <a:bodyPr rot="0" spcFirstLastPara="0" vert="horz" wrap="square" lIns="91440" tIns="45720" rIns="91440" bIns="45720" numCol="1" spcCol="0" rtlCol="0" fromWordArt="0" anchor="t" anchorCtr="0" forceAA="0" compatLnSpc="1">
-            <a:prstTxWarp prst="textNoShape">
-              <a:avLst/>
-            </a:prstTxWarp>
-            <a:spAutoFit/>
-          </a:bodyPr>
-          <a:lstStyle>
-            <a:defPPr>
-              <a:defRPr lang="en-US"/>
-            </a:defPPr>
-            <a:lvl1pPr marL="0" algn="l" defTabSz="457200" rtl="0" eaLnBrk="1" latinLnBrk="0" hangingPunct="1">
-              <a:defRPr sz="1800" kern="1200">
-                <a:solidFill>
-                  <a:schemeClr val="tx1"/>
-                </a:solidFill>
-                <a:latin typeface="+mn-lt"/>
-                <a:ea typeface="+mn-ea"/>
-                <a:cs typeface="+mn-cs"/>
-              </a:defRPr>
-            </a:lvl1pPr>
-            <a:lvl2pPr marL="457200" algn="l" defTabSz="457200" rtl="0" eaLnBrk="1" latinLnBrk="0" hangingPunct="1">
-              <a:defRPr sz="1800" kern="1200">
-                <a:solidFill>
-                  <a:schemeClr val="tx1"/>
-                </a:solidFill>
-                <a:latin typeface="+mn-lt"/>
-                <a:ea typeface="+mn-ea"/>
-                <a:cs typeface="+mn-cs"/>
-              </a:defRPr>
-            </a:lvl2pPr>
-            <a:lvl3pPr marL="914400" algn="l" defTabSz="457200" rtl="0" eaLnBrk="1" latinLnBrk="0" hangingPunct="1">
-              <a:defRPr sz="1800" kern="1200">
-                <a:solidFill>
-                  <a:schemeClr val="tx1"/>
-                </a:solidFill>
-                <a:latin typeface="+mn-lt"/>
-                <a:ea typeface="+mn-ea"/>
-                <a:cs typeface="+mn-cs"/>
-              </a:defRPr>
-            </a:lvl3pPr>
-            <a:lvl4pPr marL="1371600" algn="l" defTabSz="457200" rtl="0" eaLnBrk="1" latinLnBrk="0" hangingPunct="1">
-              <a:defRPr sz="1800" kern="1200">
-                <a:solidFill>
-                  <a:schemeClr val="tx1"/>
-                </a:solidFill>
-                <a:latin typeface="+mn-lt"/>
-                <a:ea typeface="+mn-ea"/>
-                <a:cs typeface="+mn-cs"/>
-              </a:defRPr>
-            </a:lvl4pPr>
-            <a:lvl5pPr marL="1828800" algn="l" defTabSz="457200" rtl="0" eaLnBrk="1" latinLnBrk="0" hangingPunct="1">
-              <a:defRPr sz="1800" kern="1200">
-                <a:solidFill>
-                  <a:schemeClr val="tx1"/>
-                </a:solidFill>
-                <a:latin typeface="+mn-lt"/>
-                <a:ea typeface="+mn-ea"/>
-                <a:cs typeface="+mn-cs"/>
-              </a:defRPr>
-            </a:lvl5pPr>
-            <a:lvl6pPr marL="2286000" algn="l" defTabSz="457200" rtl="0" eaLnBrk="1" latinLnBrk="0" hangingPunct="1">
-              <a:defRPr sz="1800" kern="1200">
-                <a:solidFill>
-                  <a:schemeClr val="tx1"/>
-                </a:solidFill>
-                <a:latin typeface="+mn-lt"/>
-                <a:ea typeface="+mn-ea"/>
-                <a:cs typeface="+mn-cs"/>
-              </a:defRPr>
-            </a:lvl6pPr>
-            <a:lvl7pPr marL="2743200" algn="l" defTabSz="457200" rtl="0" eaLnBrk="1" latinLnBrk="0" hangingPunct="1">
-              <a:defRPr sz="1800" kern="1200">
-                <a:solidFill>
-                  <a:schemeClr val="tx1"/>
-                </a:solidFill>
-                <a:latin typeface="+mn-lt"/>
-                <a:ea typeface="+mn-ea"/>
-                <a:cs typeface="+mn-cs"/>
-              </a:defRPr>
-            </a:lvl7pPr>
-            <a:lvl8pPr marL="3200400" algn="l" defTabSz="457200" rtl="0" eaLnBrk="1" latinLnBrk="0" hangingPunct="1">
-              <a:defRPr sz="1800" kern="1200">
-                <a:solidFill>
-                  <a:schemeClr val="tx1"/>
-                </a:solidFill>
-                <a:latin typeface="+mn-lt"/>
-                <a:ea typeface="+mn-ea"/>
-                <a:cs typeface="+mn-cs"/>
-              </a:defRPr>
-            </a:lvl8pPr>
-            <a:lvl9pPr marL="3657600" algn="l" defTabSz="457200" rtl="0" eaLnBrk="1" latinLnBrk="0" hangingPunct="1">
-              <a:defRPr sz="1800" kern="1200">
-                <a:solidFill>
-                  <a:schemeClr val="tx1"/>
-                </a:solidFill>
-                <a:latin typeface="+mn-lt"/>
-                <a:ea typeface="+mn-ea"/>
-                <a:cs typeface="+mn-cs"/>
-              </a:defRPr>
-            </a:lvl9pPr>
-          </a:lstStyle>
-          <a:p>
-            <a:r>
-              <a:rPr lang="en-GB" sz="1600" dirty="0">
-                <a:solidFill>
-                  <a:srgbClr val="21225A"/>
-                </a:solidFill>
-                <a:latin typeface="Arial"/>
-                <a:cs typeface="Arial"/>
-              </a:rPr>
-              <a:t>Data collection time</a:t>
-            </a:r>
-            <a:endParaRPr lang="en-GB" sz="1600" b="1" dirty="0">
-              <a:solidFill>
-                <a:srgbClr val="21225A"/>
-              </a:solidFill>
-              <a:latin typeface="Arial"/>
-              <a:cs typeface="Arial"/>
-            </a:endParaRPr>
-          </a:p>
-        </p:txBody>
-      </p:sp>
-      <p:sp>
-        <p:nvSpPr>
-          <p:cNvPr id="39" name="TextBox 3">
-            <a:extLst>
-              <a:ext uri="{FF2B5EF4-FFF2-40B4-BE49-F238E27FC236}">
-                <a16:creationId xmlns:a16="http://schemas.microsoft.com/office/drawing/2014/main" id="{DFAD5014-2545-4E76-9C2E-60F6F919B585}"/>
-              </a:ext>
-            </a:extLst>
-          </p:cNvPr>
-          <p:cNvSpPr txBox="1"/>
-          <p:nvPr/>
-        </p:nvSpPr>
-        <p:spPr>
-          <a:xfrm>
-            <a:off x="6836028" y="2014408"/>
-            <a:ext cx="2307972" cy="338554"/>
-          </a:xfrm>
-          <a:prstGeom prst="rect">
-            <a:avLst/>
-          </a:prstGeom>
-          <a:noFill/>
-        </p:spPr>
-        <p:txBody>
-          <a:bodyPr rot="0" spcFirstLastPara="0" vert="horz" wrap="square" lIns="91440" tIns="45720" rIns="91440" bIns="45720" numCol="1" spcCol="0" rtlCol="0" fromWordArt="0" anchor="t" anchorCtr="0" forceAA="0" compatLnSpc="1">
-            <a:prstTxWarp prst="textNoShape">
-              <a:avLst/>
-            </a:prstTxWarp>
-            <a:spAutoFit/>
-          </a:bodyPr>
-          <a:lstStyle>
-            <a:defPPr>
-              <a:defRPr lang="en-US"/>
-            </a:defPPr>
-            <a:lvl1pPr marL="0" algn="l" defTabSz="457200" rtl="0" eaLnBrk="1" latinLnBrk="0" hangingPunct="1">
-              <a:defRPr sz="1800" kern="1200">
-                <a:solidFill>
-                  <a:schemeClr val="tx1"/>
-                </a:solidFill>
-                <a:latin typeface="+mn-lt"/>
-                <a:ea typeface="+mn-ea"/>
-                <a:cs typeface="+mn-cs"/>
-              </a:defRPr>
-            </a:lvl1pPr>
-            <a:lvl2pPr marL="457200" algn="l" defTabSz="457200" rtl="0" eaLnBrk="1" latinLnBrk="0" hangingPunct="1">
-              <a:defRPr sz="1800" kern="1200">
-                <a:solidFill>
-                  <a:schemeClr val="tx1"/>
-                </a:solidFill>
-                <a:latin typeface="+mn-lt"/>
-                <a:ea typeface="+mn-ea"/>
-                <a:cs typeface="+mn-cs"/>
-              </a:defRPr>
-            </a:lvl2pPr>
-            <a:lvl3pPr marL="914400" algn="l" defTabSz="457200" rtl="0" eaLnBrk="1" latinLnBrk="0" hangingPunct="1">
-              <a:defRPr sz="1800" kern="1200">
-                <a:solidFill>
-                  <a:schemeClr val="tx1"/>
-                </a:solidFill>
-                <a:latin typeface="+mn-lt"/>
-                <a:ea typeface="+mn-ea"/>
-                <a:cs typeface="+mn-cs"/>
-              </a:defRPr>
-            </a:lvl3pPr>
-            <a:lvl4pPr marL="1371600" algn="l" defTabSz="457200" rtl="0" eaLnBrk="1" latinLnBrk="0" hangingPunct="1">
-              <a:defRPr sz="1800" kern="1200">
-                <a:solidFill>
-                  <a:schemeClr val="tx1"/>
-                </a:solidFill>
-                <a:latin typeface="+mn-lt"/>
-                <a:ea typeface="+mn-ea"/>
-                <a:cs typeface="+mn-cs"/>
-              </a:defRPr>
-            </a:lvl4pPr>
-            <a:lvl5pPr marL="1828800" algn="l" defTabSz="457200" rtl="0" eaLnBrk="1" latinLnBrk="0" hangingPunct="1">
-              <a:defRPr sz="1800" kern="1200">
-                <a:solidFill>
-                  <a:schemeClr val="tx1"/>
-                </a:solidFill>
-                <a:latin typeface="+mn-lt"/>
-                <a:ea typeface="+mn-ea"/>
-                <a:cs typeface="+mn-cs"/>
-              </a:defRPr>
-            </a:lvl5pPr>
-            <a:lvl6pPr marL="2286000" algn="l" defTabSz="457200" rtl="0" eaLnBrk="1" latinLnBrk="0" hangingPunct="1">
-              <a:defRPr sz="1800" kern="1200">
-                <a:solidFill>
-                  <a:schemeClr val="tx1"/>
-                </a:solidFill>
-                <a:latin typeface="+mn-lt"/>
-                <a:ea typeface="+mn-ea"/>
-                <a:cs typeface="+mn-cs"/>
-              </a:defRPr>
-            </a:lvl6pPr>
-            <a:lvl7pPr marL="2743200" algn="l" defTabSz="457200" rtl="0" eaLnBrk="1" latinLnBrk="0" hangingPunct="1">
-              <a:defRPr sz="1800" kern="1200">
-                <a:solidFill>
-                  <a:schemeClr val="tx1"/>
-                </a:solidFill>
-                <a:latin typeface="+mn-lt"/>
-                <a:ea typeface="+mn-ea"/>
-                <a:cs typeface="+mn-cs"/>
-              </a:defRPr>
-            </a:lvl7pPr>
-            <a:lvl8pPr marL="3200400" algn="l" defTabSz="457200" rtl="0" eaLnBrk="1" latinLnBrk="0" hangingPunct="1">
-              <a:defRPr sz="1800" kern="1200">
-                <a:solidFill>
-                  <a:schemeClr val="tx1"/>
-                </a:solidFill>
-                <a:latin typeface="+mn-lt"/>
-                <a:ea typeface="+mn-ea"/>
-                <a:cs typeface="+mn-cs"/>
-              </a:defRPr>
-            </a:lvl8pPr>
-            <a:lvl9pPr marL="3657600" algn="l" defTabSz="457200" rtl="0" eaLnBrk="1" latinLnBrk="0" hangingPunct="1">
-              <a:defRPr sz="1800" kern="1200">
-                <a:solidFill>
-                  <a:schemeClr val="tx1"/>
-                </a:solidFill>
-                <a:latin typeface="+mn-lt"/>
-                <a:ea typeface="+mn-ea"/>
-                <a:cs typeface="+mn-cs"/>
-              </a:defRPr>
-            </a:lvl9pPr>
-          </a:lstStyle>
-          <a:p>
-            <a:r>
-              <a:rPr lang="en-GB" sz="1600" dirty="0">
-                <a:solidFill>
-                  <a:srgbClr val="21225A"/>
-                </a:solidFill>
-                <a:latin typeface="Arial"/>
-                <a:cs typeface="Arial"/>
-              </a:rPr>
-              <a:t>Activity of the source</a:t>
-            </a:r>
-            <a:endParaRPr lang="en-GB" sz="1600" b="1" dirty="0">
-              <a:solidFill>
-                <a:srgbClr val="21225A"/>
-              </a:solidFill>
-              <a:latin typeface="Arial"/>
-              <a:cs typeface="Arial"/>
-            </a:endParaRPr>
-          </a:p>
-        </p:txBody>
-      </p:sp>
-      <p:sp>
-        <p:nvSpPr>
-          <p:cNvPr id="40" name="TextBox 3">
-            <a:extLst>
-              <a:ext uri="{FF2B5EF4-FFF2-40B4-BE49-F238E27FC236}">
-                <a16:creationId xmlns:a16="http://schemas.microsoft.com/office/drawing/2014/main" id="{2CBBA0DA-1BEF-44F9-A58C-FECEEE76E7C6}"/>
-              </a:ext>
-            </a:extLst>
-          </p:cNvPr>
-          <p:cNvSpPr txBox="1"/>
-          <p:nvPr/>
-        </p:nvSpPr>
-        <p:spPr>
-          <a:xfrm>
-            <a:off x="6833540" y="2352962"/>
-            <a:ext cx="2307972" cy="584775"/>
-          </a:xfrm>
-          <a:prstGeom prst="rect">
-            <a:avLst/>
-          </a:prstGeom>
-          <a:noFill/>
-        </p:spPr>
-        <p:txBody>
-          <a:bodyPr rot="0" spcFirstLastPara="0" vert="horz" wrap="square" lIns="91440" tIns="45720" rIns="91440" bIns="45720" numCol="1" spcCol="0" rtlCol="0" fromWordArt="0" anchor="t" anchorCtr="0" forceAA="0" compatLnSpc="1">
-            <a:prstTxWarp prst="textNoShape">
-              <a:avLst/>
-            </a:prstTxWarp>
-            <a:spAutoFit/>
-          </a:bodyPr>
-          <a:lstStyle>
-            <a:defPPr>
-              <a:defRPr lang="en-US"/>
-            </a:defPPr>
-            <a:lvl1pPr marL="0" algn="l" defTabSz="457200" rtl="0" eaLnBrk="1" latinLnBrk="0" hangingPunct="1">
-              <a:defRPr sz="1800" kern="1200">
-                <a:solidFill>
-                  <a:schemeClr val="tx1"/>
-                </a:solidFill>
-                <a:latin typeface="+mn-lt"/>
-                <a:ea typeface="+mn-ea"/>
-                <a:cs typeface="+mn-cs"/>
-              </a:defRPr>
-            </a:lvl1pPr>
-            <a:lvl2pPr marL="457200" algn="l" defTabSz="457200" rtl="0" eaLnBrk="1" latinLnBrk="0" hangingPunct="1">
-              <a:defRPr sz="1800" kern="1200">
-                <a:solidFill>
-                  <a:schemeClr val="tx1"/>
-                </a:solidFill>
-                <a:latin typeface="+mn-lt"/>
-                <a:ea typeface="+mn-ea"/>
-                <a:cs typeface="+mn-cs"/>
-              </a:defRPr>
-            </a:lvl2pPr>
-            <a:lvl3pPr marL="914400" algn="l" defTabSz="457200" rtl="0" eaLnBrk="1" latinLnBrk="0" hangingPunct="1">
-              <a:defRPr sz="1800" kern="1200">
-                <a:solidFill>
-                  <a:schemeClr val="tx1"/>
-                </a:solidFill>
-                <a:latin typeface="+mn-lt"/>
-                <a:ea typeface="+mn-ea"/>
-                <a:cs typeface="+mn-cs"/>
-              </a:defRPr>
-            </a:lvl3pPr>
-            <a:lvl4pPr marL="1371600" algn="l" defTabSz="457200" rtl="0" eaLnBrk="1" latinLnBrk="0" hangingPunct="1">
-              <a:defRPr sz="1800" kern="1200">
-                <a:solidFill>
-                  <a:schemeClr val="tx1"/>
-                </a:solidFill>
-                <a:latin typeface="+mn-lt"/>
-                <a:ea typeface="+mn-ea"/>
-                <a:cs typeface="+mn-cs"/>
-              </a:defRPr>
-            </a:lvl4pPr>
-            <a:lvl5pPr marL="1828800" algn="l" defTabSz="457200" rtl="0" eaLnBrk="1" latinLnBrk="0" hangingPunct="1">
-              <a:defRPr sz="1800" kern="1200">
-                <a:solidFill>
-                  <a:schemeClr val="tx1"/>
-                </a:solidFill>
-                <a:latin typeface="+mn-lt"/>
-                <a:ea typeface="+mn-ea"/>
-                <a:cs typeface="+mn-cs"/>
-              </a:defRPr>
-            </a:lvl5pPr>
-            <a:lvl6pPr marL="2286000" algn="l" defTabSz="457200" rtl="0" eaLnBrk="1" latinLnBrk="0" hangingPunct="1">
-              <a:defRPr sz="1800" kern="1200">
-                <a:solidFill>
-                  <a:schemeClr val="tx1"/>
-                </a:solidFill>
-                <a:latin typeface="+mn-lt"/>
-                <a:ea typeface="+mn-ea"/>
-                <a:cs typeface="+mn-cs"/>
-              </a:defRPr>
-            </a:lvl6pPr>
-            <a:lvl7pPr marL="2743200" algn="l" defTabSz="457200" rtl="0" eaLnBrk="1" latinLnBrk="0" hangingPunct="1">
-              <a:defRPr sz="1800" kern="1200">
-                <a:solidFill>
-                  <a:schemeClr val="tx1"/>
-                </a:solidFill>
-                <a:latin typeface="+mn-lt"/>
-                <a:ea typeface="+mn-ea"/>
-                <a:cs typeface="+mn-cs"/>
-              </a:defRPr>
-            </a:lvl7pPr>
-            <a:lvl8pPr marL="3200400" algn="l" defTabSz="457200" rtl="0" eaLnBrk="1" latinLnBrk="0" hangingPunct="1">
-              <a:defRPr sz="1800" kern="1200">
-                <a:solidFill>
-                  <a:schemeClr val="tx1"/>
-                </a:solidFill>
-                <a:latin typeface="+mn-lt"/>
-                <a:ea typeface="+mn-ea"/>
-                <a:cs typeface="+mn-cs"/>
-              </a:defRPr>
-            </a:lvl8pPr>
-            <a:lvl9pPr marL="3657600" algn="l" defTabSz="457200" rtl="0" eaLnBrk="1" latinLnBrk="0" hangingPunct="1">
-              <a:defRPr sz="1800" kern="1200">
-                <a:solidFill>
-                  <a:schemeClr val="tx1"/>
-                </a:solidFill>
-                <a:latin typeface="+mn-lt"/>
-                <a:ea typeface="+mn-ea"/>
-                <a:cs typeface="+mn-cs"/>
-              </a:defRPr>
-            </a:lvl9pPr>
-          </a:lstStyle>
-          <a:p>
-            <a:r>
-              <a:rPr lang="en-GB" sz="1600" dirty="0">
-                <a:solidFill>
-                  <a:srgbClr val="21225A"/>
-                </a:solidFill>
-                <a:latin typeface="Arial"/>
-                <a:cs typeface="Arial"/>
-              </a:rPr>
-              <a:t>Absolute intensity of the </a:t>
-            </a:r>
-            <a:r>
-              <a:rPr lang="fr-CA" sz="1600" dirty="0">
-                <a:solidFill>
-                  <a:srgbClr val="21225A"/>
-                </a:solidFill>
-                <a:latin typeface="Arial"/>
-                <a:cs typeface="Arial"/>
-              </a:rPr>
-              <a:t>gamma</a:t>
-            </a:r>
-            <a:r>
-              <a:rPr lang="en-GB" sz="1600" dirty="0">
-                <a:solidFill>
-                  <a:srgbClr val="21225A"/>
-                </a:solidFill>
-                <a:latin typeface="Arial"/>
-                <a:cs typeface="Arial"/>
-              </a:rPr>
-              <a:t> ray</a:t>
-            </a:r>
-            <a:endParaRPr lang="en-GB" sz="1600" b="1" dirty="0">
-              <a:solidFill>
-                <a:srgbClr val="21225A"/>
-              </a:solidFill>
-              <a:latin typeface="Arial"/>
-              <a:cs typeface="Arial"/>
-            </a:endParaRPr>
-          </a:p>
-        </p:txBody>
-      </p:sp>
-      <p:pic>
-        <p:nvPicPr>
-          <p:cNvPr id="33" name="Image 32">
-            <a:extLst>
-              <a:ext uri="{FF2B5EF4-FFF2-40B4-BE49-F238E27FC236}">
-                <a16:creationId xmlns:a16="http://schemas.microsoft.com/office/drawing/2014/main" id="{84E02985-27A6-4344-A404-AA943F1AECC0}"/>
-              </a:ext>
-            </a:extLst>
-          </p:cNvPr>
-          <p:cNvPicPr>
-            <a:picLocks noChangeAspect="1"/>
-          </p:cNvPicPr>
-          <p:nvPr/>
-        </p:nvPicPr>
-        <p:blipFill>
-          <a:blip r:embed="rId9"/>
-          <a:stretch>
-            <a:fillRect/>
-          </a:stretch>
-        </p:blipFill>
-        <p:spPr>
-          <a:xfrm>
-            <a:off x="2762177" y="3890370"/>
-            <a:ext cx="4657725" cy="933450"/>
-          </a:xfrm>
-          <a:prstGeom prst="rect">
-            <a:avLst/>
-          </a:prstGeom>
-        </p:spPr>
-      </p:pic>
-    </p:spTree>
-    <p:extLst>
-      <p:ext uri="{BB962C8B-B14F-4D97-AF65-F5344CB8AC3E}">
-        <p14:creationId xmlns:p14="http://schemas.microsoft.com/office/powerpoint/2010/main" val="2850480020"/>
-      </p:ext>
-    </p:extLst>
-  </p:cSld>
-  <p:clrMapOvr>
-    <a:masterClrMapping/>
-  </p:clrMapOvr>
-  <p:timing>
-    <p:tnLst>
-      <p:par>
-        <p:cTn id="1" dur="indefinite" restart="never" nodeType="tmRoot">
-          <p:childTnLst>
-            <p:seq>
-              <p:cTn id="2" dur="indefinite" nodeType="mainSeq">
-                <p:childTnLst>
-                  <p:par>
-                    <p:cTn id="3" fill="hold">
-                      <p:stCondLst>
-                        <p:cond delay="indefinite"/>
-                      </p:stCondLst>
-                      <p:childTnLst>
-                        <p:par>
-                          <p:cTn id="4" fill="hold">
-                            <p:stCondLst>
-                              <p:cond delay="0"/>
-                            </p:stCondLst>
-                            <p:childTnLst>
-                              <p:par>
-                                <p:cTn id="5" presetID="1" presetClass="entr" presetSubtype="0" fill="hold" nodeType="clickEffect">
-                                  <p:stCondLst>
-                                    <p:cond delay="0"/>
-                                  </p:stCondLst>
-                                  <p:childTnLst>
-                                    <p:set>
-                                      <p:cBhvr>
-                                        <p:cTn id="6" dur="1" fill="hold">
-                                          <p:stCondLst>
-                                            <p:cond delay="0"/>
-                                          </p:stCondLst>
-                                        </p:cTn>
-                                        <p:tgtEl>
-                                          <p:spTgt spid="18"/>
-                                        </p:tgtEl>
-                                        <p:attrNameLst>
-                                          <p:attrName>style.visibility</p:attrName>
-                                        </p:attrNameLst>
-                                      </p:cBhvr>
-                                      <p:to>
-                                        <p:strVal val="visible"/>
-                                      </p:to>
-                                    </p:set>
-                                  </p:childTnLst>
-                                </p:cTn>
-                              </p:par>
-                            </p:childTnLst>
-                          </p:cTn>
-                        </p:par>
-                      </p:childTnLst>
-                    </p:cTn>
-                  </p:par>
-                  <p:par>
-                    <p:cTn id="7" fill="hold">
-                      <p:stCondLst>
-                        <p:cond delay="indefinite"/>
-                      </p:stCondLst>
-                      <p:childTnLst>
-                        <p:par>
-                          <p:cTn id="8" fill="hold">
-                            <p:stCondLst>
-                              <p:cond delay="0"/>
-                            </p:stCondLst>
-                            <p:childTnLst>
-                              <p:par>
-                                <p:cTn id="9" presetID="1" presetClass="entr" presetSubtype="0" fill="hold" nodeType="clickEffect">
-                                  <p:stCondLst>
-                                    <p:cond delay="0"/>
-                                  </p:stCondLst>
-                                  <p:childTnLst>
-                                    <p:set>
-                                      <p:cBhvr>
-                                        <p:cTn id="10" dur="1" fill="hold">
-                                          <p:stCondLst>
-                                            <p:cond delay="0"/>
-                                          </p:stCondLst>
-                                        </p:cTn>
-                                        <p:tgtEl>
-                                          <p:spTgt spid="15"/>
-                                        </p:tgtEl>
-                                        <p:attrNameLst>
-                                          <p:attrName>style.visibility</p:attrName>
-                                        </p:attrNameLst>
-                                      </p:cBhvr>
-                                      <p:to>
-                                        <p:strVal val="visible"/>
-                                      </p:to>
-                                    </p:set>
-                                  </p:childTnLst>
-                                </p:cTn>
-                              </p:par>
-                              <p:par>
-                                <p:cTn id="11" presetID="1" presetClass="entr" presetSubtype="0" fill="hold" nodeType="withEffect">
-                                  <p:stCondLst>
-                                    <p:cond delay="0"/>
-                                  </p:stCondLst>
-                                  <p:childTnLst>
-                                    <p:set>
-                                      <p:cBhvr>
-                                        <p:cTn id="12" dur="1" fill="hold">
-                                          <p:stCondLst>
-                                            <p:cond delay="0"/>
-                                          </p:stCondLst>
-                                        </p:cTn>
-                                        <p:tgtEl>
-                                          <p:spTgt spid="24"/>
-                                        </p:tgtEl>
-                                        <p:attrNameLst>
-                                          <p:attrName>style.visibility</p:attrName>
-                                        </p:attrNameLst>
-                                      </p:cBhvr>
-                                      <p:to>
-                                        <p:strVal val="visible"/>
-                                      </p:to>
-                                    </p:set>
-                                  </p:childTnLst>
-                                </p:cTn>
-                              </p:par>
-                              <p:par>
-                                <p:cTn id="13" presetID="1" presetClass="entr" presetSubtype="0" fill="hold" grpId="0" nodeType="withEffect">
-                                  <p:stCondLst>
-                                    <p:cond delay="0"/>
-                                  </p:stCondLst>
-                                  <p:childTnLst>
-                                    <p:set>
-                                      <p:cBhvr>
-                                        <p:cTn id="14" dur="1" fill="hold">
-                                          <p:stCondLst>
-                                            <p:cond delay="0"/>
-                                          </p:stCondLst>
-                                        </p:cTn>
-                                        <p:tgtEl>
-                                          <p:spTgt spid="37"/>
-                                        </p:tgtEl>
-                                        <p:attrNameLst>
-                                          <p:attrName>style.visibility</p:attrName>
-                                        </p:attrNameLst>
-                                      </p:cBhvr>
-                                      <p:to>
-                                        <p:strVal val="visible"/>
-                                      </p:to>
-                                    </p:set>
-                                  </p:childTnLst>
-                                </p:cTn>
-                              </p:par>
-                              <p:par>
-                                <p:cTn id="15" presetID="1" presetClass="entr" presetSubtype="0" fill="hold" grpId="0" nodeType="withEffect">
-                                  <p:stCondLst>
-                                    <p:cond delay="0"/>
-                                  </p:stCondLst>
-                                  <p:childTnLst>
-                                    <p:set>
-                                      <p:cBhvr>
-                                        <p:cTn id="16" dur="1" fill="hold">
-                                          <p:stCondLst>
-                                            <p:cond delay="0"/>
-                                          </p:stCondLst>
-                                        </p:cTn>
-                                        <p:tgtEl>
-                                          <p:spTgt spid="38"/>
-                                        </p:tgtEl>
-                                        <p:attrNameLst>
-                                          <p:attrName>style.visibility</p:attrName>
-                                        </p:attrNameLst>
-                                      </p:cBhvr>
-                                      <p:to>
-                                        <p:strVal val="visible"/>
-                                      </p:to>
-                                    </p:set>
-                                  </p:childTnLst>
-                                </p:cTn>
-                              </p:par>
-                              <p:par>
-                                <p:cTn id="17" presetID="1" presetClass="entr" presetSubtype="0" fill="hold" nodeType="withEffect">
-                                  <p:stCondLst>
-                                    <p:cond delay="0"/>
-                                  </p:stCondLst>
-                                  <p:childTnLst>
-                                    <p:set>
-                                      <p:cBhvr>
-                                        <p:cTn id="18" dur="1" fill="hold">
-                                          <p:stCondLst>
-                                            <p:cond delay="0"/>
-                                          </p:stCondLst>
-                                        </p:cTn>
-                                        <p:tgtEl>
-                                          <p:spTgt spid="26"/>
-                                        </p:tgtEl>
-                                        <p:attrNameLst>
-                                          <p:attrName>style.visibility</p:attrName>
-                                        </p:attrNameLst>
-                                      </p:cBhvr>
-                                      <p:to>
-                                        <p:strVal val="visible"/>
-                                      </p:to>
-                                    </p:set>
-                                  </p:childTnLst>
-                                </p:cTn>
-                              </p:par>
-                              <p:par>
-                                <p:cTn id="19" presetID="1" presetClass="entr" presetSubtype="0" fill="hold" nodeType="withEffect">
-                                  <p:stCondLst>
-                                    <p:cond delay="0"/>
-                                  </p:stCondLst>
-                                  <p:childTnLst>
-                                    <p:set>
-                                      <p:cBhvr>
-                                        <p:cTn id="20" dur="1" fill="hold">
-                                          <p:stCondLst>
-                                            <p:cond delay="0"/>
-                                          </p:stCondLst>
-                                        </p:cTn>
-                                        <p:tgtEl>
-                                          <p:spTgt spid="27"/>
-                                        </p:tgtEl>
-                                        <p:attrNameLst>
-                                          <p:attrName>style.visibility</p:attrName>
-                                        </p:attrNameLst>
-                                      </p:cBhvr>
-                                      <p:to>
-                                        <p:strVal val="visible"/>
-                                      </p:to>
-                                    </p:set>
-                                  </p:childTnLst>
-                                </p:cTn>
-                              </p:par>
-                              <p:par>
-                                <p:cTn id="21" presetID="1" presetClass="entr" presetSubtype="0" fill="hold" grpId="0" nodeType="withEffect">
-                                  <p:stCondLst>
-                                    <p:cond delay="0"/>
-                                  </p:stCondLst>
-                                  <p:childTnLst>
-                                    <p:set>
-                                      <p:cBhvr>
-                                        <p:cTn id="22" dur="1" fill="hold">
-                                          <p:stCondLst>
-                                            <p:cond delay="0"/>
-                                          </p:stCondLst>
-                                        </p:cTn>
-                                        <p:tgtEl>
-                                          <p:spTgt spid="39"/>
-                                        </p:tgtEl>
-                                        <p:attrNameLst>
-                                          <p:attrName>style.visibility</p:attrName>
-                                        </p:attrNameLst>
-                                      </p:cBhvr>
-                                      <p:to>
-                                        <p:strVal val="visible"/>
-                                      </p:to>
-                                    </p:set>
-                                  </p:childTnLst>
-                                </p:cTn>
-                              </p:par>
-                              <p:par>
-                                <p:cTn id="23" presetID="1" presetClass="entr" presetSubtype="0" fill="hold" nodeType="withEffect">
-                                  <p:stCondLst>
-                                    <p:cond delay="0"/>
-                                  </p:stCondLst>
-                                  <p:childTnLst>
-                                    <p:set>
-                                      <p:cBhvr>
-                                        <p:cTn id="24" dur="1" fill="hold">
-                                          <p:stCondLst>
-                                            <p:cond delay="0"/>
-                                          </p:stCondLst>
-                                        </p:cTn>
-                                        <p:tgtEl>
-                                          <p:spTgt spid="32"/>
-                                        </p:tgtEl>
-                                        <p:attrNameLst>
-                                          <p:attrName>style.visibility</p:attrName>
-                                        </p:attrNameLst>
-                                      </p:cBhvr>
-                                      <p:to>
-                                        <p:strVal val="visible"/>
-                                      </p:to>
-                                    </p:set>
-                                  </p:childTnLst>
-                                </p:cTn>
-                              </p:par>
-                              <p:par>
-                                <p:cTn id="25" presetID="1" presetClass="entr" presetSubtype="0" fill="hold" grpId="0" nodeType="withEffect">
-                                  <p:stCondLst>
-                                    <p:cond delay="0"/>
-                                  </p:stCondLst>
-                                  <p:childTnLst>
-                                    <p:set>
-                                      <p:cBhvr>
-                                        <p:cTn id="26" dur="1" fill="hold">
-                                          <p:stCondLst>
-                                            <p:cond delay="0"/>
-                                          </p:stCondLst>
-                                        </p:cTn>
-                                        <p:tgtEl>
-                                          <p:spTgt spid="40"/>
-                                        </p:tgtEl>
-                                        <p:attrNameLst>
-                                          <p:attrName>style.visibility</p:attrName>
-                                        </p:attrNameLst>
-                                      </p:cBhvr>
-                                      <p:to>
-                                        <p:strVal val="visible"/>
-                                      </p:to>
-                                    </p:set>
-                                  </p:childTnLst>
-                                </p:cTn>
-                              </p:par>
-                            </p:childTnLst>
-                          </p:cTn>
-                        </p:par>
-                      </p:childTnLst>
-                    </p:cTn>
-                  </p:par>
-                  <p:par>
-                    <p:cTn id="27" fill="hold">
-                      <p:stCondLst>
-                        <p:cond delay="indefinite"/>
-                      </p:stCondLst>
-                      <p:childTnLst>
-                        <p:par>
-                          <p:cTn id="28" fill="hold">
-                            <p:stCondLst>
-                              <p:cond delay="0"/>
-                            </p:stCondLst>
-                            <p:childTnLst>
-                              <p:par>
-                                <p:cTn id="29" presetID="1" presetClass="entr" presetSubtype="0" fill="hold" nodeType="clickEffect">
-                                  <p:stCondLst>
-                                    <p:cond delay="0"/>
-                                  </p:stCondLst>
-                                  <p:childTnLst>
-                                    <p:set>
-                                      <p:cBhvr>
-                                        <p:cTn id="30" dur="1" fill="hold">
-                                          <p:stCondLst>
-                                            <p:cond delay="0"/>
-                                          </p:stCondLst>
-                                        </p:cTn>
-                                        <p:tgtEl>
-                                          <p:spTgt spid="7"/>
-                                        </p:tgtEl>
-                                        <p:attrNameLst>
-                                          <p:attrName>style.visibility</p:attrName>
-                                        </p:attrNameLst>
-                                      </p:cBhvr>
-                                      <p:to>
-                                        <p:strVal val="visible"/>
-                                      </p:to>
-                                    </p:set>
-                                  </p:childTnLst>
-                                </p:cTn>
-                              </p:par>
-                            </p:childTnLst>
-                          </p:cTn>
-                        </p:par>
-                      </p:childTnLst>
-                    </p:cTn>
-                  </p:par>
-                  <p:par>
-                    <p:cTn id="31" fill="hold">
-                      <p:stCondLst>
-                        <p:cond delay="indefinite"/>
-                      </p:stCondLst>
-                      <p:childTnLst>
-                        <p:par>
-                          <p:cTn id="32" fill="hold">
-                            <p:stCondLst>
-                              <p:cond delay="0"/>
-                            </p:stCondLst>
-                            <p:childTnLst>
-                              <p:par>
-                                <p:cTn id="33" presetID="1" presetClass="entr" presetSubtype="0" fill="hold" nodeType="clickEffect">
-                                  <p:stCondLst>
-                                    <p:cond delay="0"/>
-                                  </p:stCondLst>
-                                  <p:childTnLst>
-                                    <p:set>
-                                      <p:cBhvr>
-                                        <p:cTn id="34" dur="1" fill="hold">
-                                          <p:stCondLst>
-                                            <p:cond delay="0"/>
-                                          </p:stCondLst>
-                                        </p:cTn>
-                                        <p:tgtEl>
-                                          <p:spTgt spid="33"/>
-                                        </p:tgtEl>
-                                        <p:attrNameLst>
-                                          <p:attrName>style.visibility</p:attrName>
-                                        </p:attrNameLst>
-                                      </p:cBhvr>
-                                      <p:to>
-                                        <p:strVal val="visible"/>
-                                      </p:to>
-                                    </p:set>
-                                  </p:childTnLst>
-                                </p:cTn>
-                              </p:par>
-                            </p:childTnLst>
-                          </p:cTn>
-                        </p:par>
-                      </p:childTnLst>
-                    </p:cTn>
-                  </p:par>
-                </p:childTnLst>
-              </p:cTn>
-              <p:prevCondLst>
-                <p:cond evt="onPrev" delay="0">
-                  <p:tgtEl>
-                    <p:sldTgt/>
-                  </p:tgtEl>
-                </p:cond>
-              </p:prevCondLst>
-              <p:nextCondLst>
-                <p:cond evt="onNext" delay="0">
-                  <p:tgtEl>
-                    <p:sldTgt/>
-                  </p:tgtEl>
-                </p:cond>
-              </p:nextCondLst>
-            </p:seq>
-          </p:childTnLst>
-        </p:cTn>
-      </p:par>
-    </p:tnLst>
-    <p:bldLst>
-      <p:bldP spid="37" grpId="0"/>
-      <p:bldP spid="38" grpId="0"/>
-      <p:bldP spid="39" grpId="0"/>
-      <p:bldP spid="40" grpId="0"/>
-    </p:bldLst>
-  </p:timing>
-</p:sld>
-</file>
-
 <file path=ppt/slides/slide7.xml><?xml version="1.0" encoding="utf-8"?>
 <p:sld xmlns:a="http://schemas.openxmlformats.org/drawingml/2006/main" xmlns:r="http://schemas.openxmlformats.org/officeDocument/2006/relationships" xmlns:p="http://schemas.openxmlformats.org/presentationml/2006/main">
   <p:cSld>
@@ -14562,14 +13614,8 @@
                 </a:solidFill>
                 <a:latin typeface="Arial"/>
               </a:rPr>
-              <a:t>How to Find Nuclear Information </a:t>
-            </a:r>
-            <a:endParaRPr lang="en-US" sz="2000" b="0" strike="noStrike" spc="-1" dirty="0">
-              <a:solidFill>
-                <a:srgbClr val="000000"/>
-              </a:solidFill>
-              <a:latin typeface="Calibri"/>
-            </a:endParaRPr>
+              <a:t>How Semiconductor Detectors Work</a:t>
+            </a:r>
           </a:p>
         </p:txBody>
       </p:sp>
@@ -14623,9 +13669,6 @@
               </a:rPr>
               <a:t>7</a:t>
             </a:r>
-            <a:endParaRPr lang="en-ZA" sz="1300" b="0" strike="noStrike" spc="-1" dirty="0">
-              <a:latin typeface="Arial"/>
-            </a:endParaRPr>
           </a:p>
         </p:txBody>
       </p:sp>
@@ -14643,8 +13686,8 @@
         </p:nvSpPr>
         <p:spPr>
           <a:xfrm>
-            <a:off x="141236" y="624029"/>
-            <a:ext cx="8330819" cy="1142425"/>
+            <a:off x="141235" y="624030"/>
+            <a:ext cx="3886995" cy="574388"/>
           </a:xfrm>
           <a:prstGeom prst="rect">
             <a:avLst/>
@@ -14692,21 +13735,9 @@
                 <a:ea typeface="ヒラギノ角ゴ Pro W3"/>
                 <a:cs typeface="Arial" panose="020B0604020202020204" pitchFamily="34" charset="0"/>
               </a:rPr>
-              <a:t>Lund/LBNL Nuclear Data Search: </a:t>
-            </a:r>
-            <a:r>
-              <a:rPr lang="en-US" sz="1600" strike="noStrike" spc="-1" dirty="0">
-                <a:solidFill>
-                  <a:srgbClr val="002060"/>
-                </a:solidFill>
-                <a:latin typeface="Arial" panose="020B0604020202020204" pitchFamily="34" charset="0"/>
-                <a:ea typeface="ヒラギノ角ゴ Pro W3"/>
-                <a:cs typeface="Arial" panose="020B0604020202020204" pitchFamily="34" charset="0"/>
-                <a:hlinkClick r:id="rId4"/>
-              </a:rPr>
-              <a:t>http://nucleardata.nuclear.lu.se/toi/</a:t>
-            </a:r>
-            <a:endParaRPr lang="en-US" sz="1600" strike="noStrike" spc="-1" dirty="0">
+              <a:t>An external field creates an area depleted of free charge carriers.</a:t>
+            </a:r>
+            <a:endParaRPr lang="en-ZA" sz="1600" spc="-1" dirty="0">
               <a:solidFill>
                 <a:srgbClr val="002060"/>
               </a:solidFill>
@@ -14715,6 +13746,659 @@
               <a:cs typeface="Arial" panose="020B0604020202020204" pitchFamily="34" charset="0"/>
             </a:endParaRPr>
           </a:p>
+        </p:txBody>
+      </p:sp>
+      <p:sp>
+        <p:nvSpPr>
+          <p:cNvPr id="7" name="TextBox 3">
+            <a:extLst>
+              <a:ext uri="{FF2B5EF4-FFF2-40B4-BE49-F238E27FC236}">
+                <a16:creationId xmlns:a16="http://schemas.microsoft.com/office/drawing/2014/main" id="{740533F4-08BC-4160-90CF-EC420AA07E96}"/>
+              </a:ext>
+            </a:extLst>
+          </p:cNvPr>
+          <p:cNvSpPr txBox="1"/>
+          <p:nvPr/>
+        </p:nvSpPr>
+        <p:spPr>
+          <a:xfrm>
+            <a:off x="3908498" y="4866501"/>
+            <a:ext cx="5283993" cy="276999"/>
+          </a:xfrm>
+          <a:prstGeom prst="rect">
+            <a:avLst/>
+          </a:prstGeom>
+          <a:noFill/>
+        </p:spPr>
+        <p:txBody>
+          <a:bodyPr rot="0" spcFirstLastPara="0" vert="horz" wrap="square" lIns="91440" tIns="45720" rIns="91440" bIns="45720" numCol="1" spcCol="0" rtlCol="0" fromWordArt="0" anchor="t" anchorCtr="0" forceAA="0" compatLnSpc="1">
+            <a:prstTxWarp prst="textNoShape">
+              <a:avLst/>
+            </a:prstTxWarp>
+            <a:spAutoFit/>
+          </a:bodyPr>
+          <a:lstStyle>
+            <a:defPPr>
+              <a:defRPr lang="en-US"/>
+            </a:defPPr>
+            <a:lvl1pPr marL="0" algn="l" defTabSz="457200" rtl="0" eaLnBrk="1" latinLnBrk="0" hangingPunct="1">
+              <a:defRPr sz="1800" kern="1200">
+                <a:solidFill>
+                  <a:schemeClr val="tx1"/>
+                </a:solidFill>
+                <a:latin typeface="+mn-lt"/>
+                <a:ea typeface="+mn-ea"/>
+                <a:cs typeface="+mn-cs"/>
+              </a:defRPr>
+            </a:lvl1pPr>
+            <a:lvl2pPr marL="457200" algn="l" defTabSz="457200" rtl="0" eaLnBrk="1" latinLnBrk="0" hangingPunct="1">
+              <a:defRPr sz="1800" kern="1200">
+                <a:solidFill>
+                  <a:schemeClr val="tx1"/>
+                </a:solidFill>
+                <a:latin typeface="+mn-lt"/>
+                <a:ea typeface="+mn-ea"/>
+                <a:cs typeface="+mn-cs"/>
+              </a:defRPr>
+            </a:lvl2pPr>
+            <a:lvl3pPr marL="914400" algn="l" defTabSz="457200" rtl="0" eaLnBrk="1" latinLnBrk="0" hangingPunct="1">
+              <a:defRPr sz="1800" kern="1200">
+                <a:solidFill>
+                  <a:schemeClr val="tx1"/>
+                </a:solidFill>
+                <a:latin typeface="+mn-lt"/>
+                <a:ea typeface="+mn-ea"/>
+                <a:cs typeface="+mn-cs"/>
+              </a:defRPr>
+            </a:lvl3pPr>
+            <a:lvl4pPr marL="1371600" algn="l" defTabSz="457200" rtl="0" eaLnBrk="1" latinLnBrk="0" hangingPunct="1">
+              <a:defRPr sz="1800" kern="1200">
+                <a:solidFill>
+                  <a:schemeClr val="tx1"/>
+                </a:solidFill>
+                <a:latin typeface="+mn-lt"/>
+                <a:ea typeface="+mn-ea"/>
+                <a:cs typeface="+mn-cs"/>
+              </a:defRPr>
+            </a:lvl4pPr>
+            <a:lvl5pPr marL="1828800" algn="l" defTabSz="457200" rtl="0" eaLnBrk="1" latinLnBrk="0" hangingPunct="1">
+              <a:defRPr sz="1800" kern="1200">
+                <a:solidFill>
+                  <a:schemeClr val="tx1"/>
+                </a:solidFill>
+                <a:latin typeface="+mn-lt"/>
+                <a:ea typeface="+mn-ea"/>
+                <a:cs typeface="+mn-cs"/>
+              </a:defRPr>
+            </a:lvl5pPr>
+            <a:lvl6pPr marL="2286000" algn="l" defTabSz="457200" rtl="0" eaLnBrk="1" latinLnBrk="0" hangingPunct="1">
+              <a:defRPr sz="1800" kern="1200">
+                <a:solidFill>
+                  <a:schemeClr val="tx1"/>
+                </a:solidFill>
+                <a:latin typeface="+mn-lt"/>
+                <a:ea typeface="+mn-ea"/>
+                <a:cs typeface="+mn-cs"/>
+              </a:defRPr>
+            </a:lvl6pPr>
+            <a:lvl7pPr marL="2743200" algn="l" defTabSz="457200" rtl="0" eaLnBrk="1" latinLnBrk="0" hangingPunct="1">
+              <a:defRPr sz="1800" kern="1200">
+                <a:solidFill>
+                  <a:schemeClr val="tx1"/>
+                </a:solidFill>
+                <a:latin typeface="+mn-lt"/>
+                <a:ea typeface="+mn-ea"/>
+                <a:cs typeface="+mn-cs"/>
+              </a:defRPr>
+            </a:lvl7pPr>
+            <a:lvl8pPr marL="3200400" algn="l" defTabSz="457200" rtl="0" eaLnBrk="1" latinLnBrk="0" hangingPunct="1">
+              <a:defRPr sz="1800" kern="1200">
+                <a:solidFill>
+                  <a:schemeClr val="tx1"/>
+                </a:solidFill>
+                <a:latin typeface="+mn-lt"/>
+                <a:ea typeface="+mn-ea"/>
+                <a:cs typeface="+mn-cs"/>
+              </a:defRPr>
+            </a:lvl8pPr>
+            <a:lvl9pPr marL="3657600" algn="l" defTabSz="457200" rtl="0" eaLnBrk="1" latinLnBrk="0" hangingPunct="1">
+              <a:defRPr sz="1800" kern="1200">
+                <a:solidFill>
+                  <a:schemeClr val="tx1"/>
+                </a:solidFill>
+                <a:latin typeface="+mn-lt"/>
+                <a:ea typeface="+mn-ea"/>
+                <a:cs typeface="+mn-cs"/>
+              </a:defRPr>
+            </a:lvl9pPr>
+          </a:lstStyle>
+          <a:p>
+            <a:r>
+              <a:rPr lang="en-GB" sz="1200" dirty="0">
+                <a:solidFill>
+                  <a:srgbClr val="21225A"/>
+                </a:solidFill>
+                <a:latin typeface="Arial"/>
+                <a:cs typeface="Arial"/>
+              </a:rPr>
+              <a:t>W.R. Leo, </a:t>
+            </a:r>
+            <a:r>
+              <a:rPr lang="en-GB" sz="1200" i="1" dirty="0">
+                <a:solidFill>
+                  <a:srgbClr val="21225A"/>
+                </a:solidFill>
+                <a:latin typeface="Arial"/>
+                <a:cs typeface="Arial"/>
+              </a:rPr>
+              <a:t>Techniques for Nuclear and Particle Physics Experiments </a:t>
+            </a:r>
+            <a:r>
+              <a:rPr lang="en-GB" sz="1200" dirty="0">
+                <a:solidFill>
+                  <a:srgbClr val="21225A"/>
+                </a:solidFill>
+                <a:latin typeface="Arial"/>
+                <a:cs typeface="Arial"/>
+              </a:rPr>
+              <a:t>(1994)</a:t>
+            </a:r>
+            <a:r>
+              <a:rPr lang="en-GB" sz="1200" b="1" dirty="0">
+                <a:solidFill>
+                  <a:srgbClr val="21225A"/>
+                </a:solidFill>
+                <a:latin typeface="Arial"/>
+                <a:cs typeface="Arial"/>
+              </a:rPr>
+              <a:t>.</a:t>
+            </a:r>
+          </a:p>
+        </p:txBody>
+      </p:sp>
+      <p:sp>
+        <p:nvSpPr>
+          <p:cNvPr id="12" name="TextBox 3">
+            <a:extLst>
+              <a:ext uri="{FF2B5EF4-FFF2-40B4-BE49-F238E27FC236}">
+                <a16:creationId xmlns:a16="http://schemas.microsoft.com/office/drawing/2014/main" id="{CC149BE6-8A42-47FD-9F93-878EC5E8DD3F}"/>
+              </a:ext>
+            </a:extLst>
+          </p:cNvPr>
+          <p:cNvSpPr txBox="1"/>
+          <p:nvPr/>
+        </p:nvSpPr>
+        <p:spPr>
+          <a:xfrm>
+            <a:off x="5139531" y="4651080"/>
+            <a:ext cx="4052960" cy="276999"/>
+          </a:xfrm>
+          <a:prstGeom prst="rect">
+            <a:avLst/>
+          </a:prstGeom>
+          <a:noFill/>
+        </p:spPr>
+        <p:txBody>
+          <a:bodyPr rot="0" spcFirstLastPara="0" vert="horz" wrap="square" lIns="91440" tIns="45720" rIns="91440" bIns="45720" numCol="1" spcCol="0" rtlCol="0" fromWordArt="0" anchor="t" anchorCtr="0" forceAA="0" compatLnSpc="1">
+            <a:prstTxWarp prst="textNoShape">
+              <a:avLst/>
+            </a:prstTxWarp>
+            <a:spAutoFit/>
+          </a:bodyPr>
+          <a:lstStyle>
+            <a:defPPr>
+              <a:defRPr lang="en-US"/>
+            </a:defPPr>
+            <a:lvl1pPr marL="0" algn="l" defTabSz="457200" rtl="0" eaLnBrk="1" latinLnBrk="0" hangingPunct="1">
+              <a:defRPr sz="1800" kern="1200">
+                <a:solidFill>
+                  <a:schemeClr val="tx1"/>
+                </a:solidFill>
+                <a:latin typeface="+mn-lt"/>
+                <a:ea typeface="+mn-ea"/>
+                <a:cs typeface="+mn-cs"/>
+              </a:defRPr>
+            </a:lvl1pPr>
+            <a:lvl2pPr marL="457200" algn="l" defTabSz="457200" rtl="0" eaLnBrk="1" latinLnBrk="0" hangingPunct="1">
+              <a:defRPr sz="1800" kern="1200">
+                <a:solidFill>
+                  <a:schemeClr val="tx1"/>
+                </a:solidFill>
+                <a:latin typeface="+mn-lt"/>
+                <a:ea typeface="+mn-ea"/>
+                <a:cs typeface="+mn-cs"/>
+              </a:defRPr>
+            </a:lvl2pPr>
+            <a:lvl3pPr marL="914400" algn="l" defTabSz="457200" rtl="0" eaLnBrk="1" latinLnBrk="0" hangingPunct="1">
+              <a:defRPr sz="1800" kern="1200">
+                <a:solidFill>
+                  <a:schemeClr val="tx1"/>
+                </a:solidFill>
+                <a:latin typeface="+mn-lt"/>
+                <a:ea typeface="+mn-ea"/>
+                <a:cs typeface="+mn-cs"/>
+              </a:defRPr>
+            </a:lvl3pPr>
+            <a:lvl4pPr marL="1371600" algn="l" defTabSz="457200" rtl="0" eaLnBrk="1" latinLnBrk="0" hangingPunct="1">
+              <a:defRPr sz="1800" kern="1200">
+                <a:solidFill>
+                  <a:schemeClr val="tx1"/>
+                </a:solidFill>
+                <a:latin typeface="+mn-lt"/>
+                <a:ea typeface="+mn-ea"/>
+                <a:cs typeface="+mn-cs"/>
+              </a:defRPr>
+            </a:lvl4pPr>
+            <a:lvl5pPr marL="1828800" algn="l" defTabSz="457200" rtl="0" eaLnBrk="1" latinLnBrk="0" hangingPunct="1">
+              <a:defRPr sz="1800" kern="1200">
+                <a:solidFill>
+                  <a:schemeClr val="tx1"/>
+                </a:solidFill>
+                <a:latin typeface="+mn-lt"/>
+                <a:ea typeface="+mn-ea"/>
+                <a:cs typeface="+mn-cs"/>
+              </a:defRPr>
+            </a:lvl5pPr>
+            <a:lvl6pPr marL="2286000" algn="l" defTabSz="457200" rtl="0" eaLnBrk="1" latinLnBrk="0" hangingPunct="1">
+              <a:defRPr sz="1800" kern="1200">
+                <a:solidFill>
+                  <a:schemeClr val="tx1"/>
+                </a:solidFill>
+                <a:latin typeface="+mn-lt"/>
+                <a:ea typeface="+mn-ea"/>
+                <a:cs typeface="+mn-cs"/>
+              </a:defRPr>
+            </a:lvl6pPr>
+            <a:lvl7pPr marL="2743200" algn="l" defTabSz="457200" rtl="0" eaLnBrk="1" latinLnBrk="0" hangingPunct="1">
+              <a:defRPr sz="1800" kern="1200">
+                <a:solidFill>
+                  <a:schemeClr val="tx1"/>
+                </a:solidFill>
+                <a:latin typeface="+mn-lt"/>
+                <a:ea typeface="+mn-ea"/>
+                <a:cs typeface="+mn-cs"/>
+              </a:defRPr>
+            </a:lvl7pPr>
+            <a:lvl8pPr marL="3200400" algn="l" defTabSz="457200" rtl="0" eaLnBrk="1" latinLnBrk="0" hangingPunct="1">
+              <a:defRPr sz="1800" kern="1200">
+                <a:solidFill>
+                  <a:schemeClr val="tx1"/>
+                </a:solidFill>
+                <a:latin typeface="+mn-lt"/>
+                <a:ea typeface="+mn-ea"/>
+                <a:cs typeface="+mn-cs"/>
+              </a:defRPr>
+            </a:lvl8pPr>
+            <a:lvl9pPr marL="3657600" algn="l" defTabSz="457200" rtl="0" eaLnBrk="1" latinLnBrk="0" hangingPunct="1">
+              <a:defRPr sz="1800" kern="1200">
+                <a:solidFill>
+                  <a:schemeClr val="tx1"/>
+                </a:solidFill>
+                <a:latin typeface="+mn-lt"/>
+                <a:ea typeface="+mn-ea"/>
+                <a:cs typeface="+mn-cs"/>
+              </a:defRPr>
+            </a:lvl9pPr>
+          </a:lstStyle>
+          <a:p>
+            <a:r>
+              <a:rPr lang="en-GB" sz="1200" dirty="0">
+                <a:solidFill>
+                  <a:srgbClr val="21225A"/>
+                </a:solidFill>
+                <a:latin typeface="Arial"/>
+                <a:cs typeface="Arial"/>
+              </a:rPr>
+              <a:t>G.F. Knoll, </a:t>
+            </a:r>
+            <a:r>
+              <a:rPr lang="en-GB" sz="1200" i="1" dirty="0">
+                <a:solidFill>
+                  <a:srgbClr val="21225A"/>
+                </a:solidFill>
+                <a:latin typeface="Arial"/>
+                <a:cs typeface="Arial"/>
+              </a:rPr>
+              <a:t>Radiation Detection and Measurement </a:t>
+            </a:r>
+            <a:r>
+              <a:rPr lang="en-GB" sz="1200" dirty="0">
+                <a:solidFill>
+                  <a:srgbClr val="21225A"/>
+                </a:solidFill>
+                <a:latin typeface="Arial"/>
+                <a:cs typeface="Arial"/>
+              </a:rPr>
+              <a:t>(1989)</a:t>
+            </a:r>
+            <a:r>
+              <a:rPr lang="en-GB" sz="1200" b="1" dirty="0">
+                <a:solidFill>
+                  <a:srgbClr val="21225A"/>
+                </a:solidFill>
+                <a:latin typeface="Arial"/>
+                <a:cs typeface="Arial"/>
+              </a:rPr>
+              <a:t>.</a:t>
+            </a:r>
+          </a:p>
+        </p:txBody>
+      </p:sp>
+      <p:pic>
+        <p:nvPicPr>
+          <p:cNvPr id="3074" name="Picture 2" descr="Coaxial detector cross-sections. The HPGe material may be either high-purity p or n-type. The corresponding electrode configurations are shown for each type (Knoll 2000).">
+            <a:extLst>
+              <a:ext uri="{FF2B5EF4-FFF2-40B4-BE49-F238E27FC236}">
+                <a16:creationId xmlns:a16="http://schemas.microsoft.com/office/drawing/2014/main" id="{646915B5-E0F0-4763-BFB7-EA0DE537783B}"/>
+              </a:ext>
+            </a:extLst>
+          </p:cNvPr>
+          <p:cNvPicPr>
+            <a:picLocks noChangeAspect="1" noChangeArrowheads="1"/>
+          </p:cNvPicPr>
+          <p:nvPr/>
+        </p:nvPicPr>
+        <p:blipFill>
+          <a:blip r:embed="rId4">
+            <a:extLst>
+              <a:ext uri="{28A0092B-C50C-407E-A947-70E740481C1C}">
+                <a14:useLocalDpi xmlns:a14="http://schemas.microsoft.com/office/drawing/2010/main" val="0"/>
+              </a:ext>
+            </a:extLst>
+          </a:blip>
+          <a:srcRect/>
+          <a:stretch>
+            <a:fillRect/>
+          </a:stretch>
+        </p:blipFill>
+        <p:spPr bwMode="auto">
+          <a:xfrm>
+            <a:off x="4161055" y="2538690"/>
+            <a:ext cx="4855150" cy="1885949"/>
+          </a:xfrm>
+          <a:prstGeom prst="rect">
+            <a:avLst/>
+          </a:prstGeom>
+          <a:noFill/>
+          <a:extLst>
+            <a:ext uri="{909E8E84-426E-40DD-AFC4-6F175D3DCCD1}">
+              <a14:hiddenFill xmlns:a14="http://schemas.microsoft.com/office/drawing/2010/main">
+                <a:solidFill>
+                  <a:srgbClr val="FFFFFF"/>
+                </a:solidFill>
+              </a14:hiddenFill>
+            </a:ext>
+          </a:extLst>
+        </p:spPr>
+      </p:pic>
+      <p:pic>
+        <p:nvPicPr>
+          <p:cNvPr id="3" name="Image 2">
+            <a:extLst>
+              <a:ext uri="{FF2B5EF4-FFF2-40B4-BE49-F238E27FC236}">
+                <a16:creationId xmlns:a16="http://schemas.microsoft.com/office/drawing/2014/main" id="{ED65578C-341B-41C0-ABDA-136E9420EB6B}"/>
+              </a:ext>
+            </a:extLst>
+          </p:cNvPr>
+          <p:cNvPicPr>
+            <a:picLocks noChangeAspect="1"/>
+          </p:cNvPicPr>
+          <p:nvPr/>
+        </p:nvPicPr>
+        <p:blipFill>
+          <a:blip r:embed="rId5"/>
+          <a:stretch>
+            <a:fillRect/>
+          </a:stretch>
+        </p:blipFill>
+        <p:spPr>
+          <a:xfrm>
+            <a:off x="21504" y="2557621"/>
+            <a:ext cx="3886994" cy="2487230"/>
+          </a:xfrm>
+          <a:prstGeom prst="rect">
+            <a:avLst/>
+          </a:prstGeom>
+        </p:spPr>
+      </p:pic>
+      <p:pic>
+        <p:nvPicPr>
+          <p:cNvPr id="5" name="Image 4">
+            <a:extLst>
+              <a:ext uri="{FF2B5EF4-FFF2-40B4-BE49-F238E27FC236}">
+                <a16:creationId xmlns:a16="http://schemas.microsoft.com/office/drawing/2014/main" id="{1B04B2E0-A3F7-441A-A6CC-13656ED7DF41}"/>
+              </a:ext>
+            </a:extLst>
+          </p:cNvPr>
+          <p:cNvPicPr>
+            <a:picLocks noChangeAspect="1"/>
+          </p:cNvPicPr>
+          <p:nvPr/>
+        </p:nvPicPr>
+        <p:blipFill>
+          <a:blip r:embed="rId6"/>
+          <a:stretch>
+            <a:fillRect/>
+          </a:stretch>
+        </p:blipFill>
+        <p:spPr>
+          <a:xfrm>
+            <a:off x="5274180" y="546840"/>
+            <a:ext cx="2628900" cy="1885950"/>
+          </a:xfrm>
+          <a:prstGeom prst="rect">
+            <a:avLst/>
+          </a:prstGeom>
+        </p:spPr>
+      </p:pic>
+      <p:sp>
+        <p:nvSpPr>
+          <p:cNvPr id="17" name="TextBox 3">
+            <a:extLst>
+              <a:ext uri="{FF2B5EF4-FFF2-40B4-BE49-F238E27FC236}">
+                <a16:creationId xmlns:a16="http://schemas.microsoft.com/office/drawing/2014/main" id="{C0A03F53-3894-49E3-ACAA-14ACEA560EFF}"/>
+              </a:ext>
+            </a:extLst>
+          </p:cNvPr>
+          <p:cNvSpPr txBox="1"/>
+          <p:nvPr/>
+        </p:nvSpPr>
+        <p:spPr>
+          <a:xfrm>
+            <a:off x="5718954" y="4451233"/>
+            <a:ext cx="3526487" cy="276999"/>
+          </a:xfrm>
+          <a:prstGeom prst="rect">
+            <a:avLst/>
+          </a:prstGeom>
+          <a:noFill/>
+        </p:spPr>
+        <p:txBody>
+          <a:bodyPr rot="0" spcFirstLastPara="0" vert="horz" wrap="square" lIns="91440" tIns="45720" rIns="91440" bIns="45720" numCol="1" spcCol="0" rtlCol="0" fromWordArt="0" anchor="t" anchorCtr="0" forceAA="0" compatLnSpc="1">
+            <a:prstTxWarp prst="textNoShape">
+              <a:avLst/>
+            </a:prstTxWarp>
+            <a:spAutoFit/>
+          </a:bodyPr>
+          <a:lstStyle>
+            <a:defPPr>
+              <a:defRPr lang="en-US"/>
+            </a:defPPr>
+            <a:lvl1pPr marL="0" algn="l" defTabSz="457200" rtl="0" eaLnBrk="1" latinLnBrk="0" hangingPunct="1">
+              <a:defRPr sz="1800" kern="1200">
+                <a:solidFill>
+                  <a:schemeClr val="tx1"/>
+                </a:solidFill>
+                <a:latin typeface="+mn-lt"/>
+                <a:ea typeface="+mn-ea"/>
+                <a:cs typeface="+mn-cs"/>
+              </a:defRPr>
+            </a:lvl1pPr>
+            <a:lvl2pPr marL="457200" algn="l" defTabSz="457200" rtl="0" eaLnBrk="1" latinLnBrk="0" hangingPunct="1">
+              <a:defRPr sz="1800" kern="1200">
+                <a:solidFill>
+                  <a:schemeClr val="tx1"/>
+                </a:solidFill>
+                <a:latin typeface="+mn-lt"/>
+                <a:ea typeface="+mn-ea"/>
+                <a:cs typeface="+mn-cs"/>
+              </a:defRPr>
+            </a:lvl2pPr>
+            <a:lvl3pPr marL="914400" algn="l" defTabSz="457200" rtl="0" eaLnBrk="1" latinLnBrk="0" hangingPunct="1">
+              <a:defRPr sz="1800" kern="1200">
+                <a:solidFill>
+                  <a:schemeClr val="tx1"/>
+                </a:solidFill>
+                <a:latin typeface="+mn-lt"/>
+                <a:ea typeface="+mn-ea"/>
+                <a:cs typeface="+mn-cs"/>
+              </a:defRPr>
+            </a:lvl3pPr>
+            <a:lvl4pPr marL="1371600" algn="l" defTabSz="457200" rtl="0" eaLnBrk="1" latinLnBrk="0" hangingPunct="1">
+              <a:defRPr sz="1800" kern="1200">
+                <a:solidFill>
+                  <a:schemeClr val="tx1"/>
+                </a:solidFill>
+                <a:latin typeface="+mn-lt"/>
+                <a:ea typeface="+mn-ea"/>
+                <a:cs typeface="+mn-cs"/>
+              </a:defRPr>
+            </a:lvl4pPr>
+            <a:lvl5pPr marL="1828800" algn="l" defTabSz="457200" rtl="0" eaLnBrk="1" latinLnBrk="0" hangingPunct="1">
+              <a:defRPr sz="1800" kern="1200">
+                <a:solidFill>
+                  <a:schemeClr val="tx1"/>
+                </a:solidFill>
+                <a:latin typeface="+mn-lt"/>
+                <a:ea typeface="+mn-ea"/>
+                <a:cs typeface="+mn-cs"/>
+              </a:defRPr>
+            </a:lvl5pPr>
+            <a:lvl6pPr marL="2286000" algn="l" defTabSz="457200" rtl="0" eaLnBrk="1" latinLnBrk="0" hangingPunct="1">
+              <a:defRPr sz="1800" kern="1200">
+                <a:solidFill>
+                  <a:schemeClr val="tx1"/>
+                </a:solidFill>
+                <a:latin typeface="+mn-lt"/>
+                <a:ea typeface="+mn-ea"/>
+                <a:cs typeface="+mn-cs"/>
+              </a:defRPr>
+            </a:lvl6pPr>
+            <a:lvl7pPr marL="2743200" algn="l" defTabSz="457200" rtl="0" eaLnBrk="1" latinLnBrk="0" hangingPunct="1">
+              <a:defRPr sz="1800" kern="1200">
+                <a:solidFill>
+                  <a:schemeClr val="tx1"/>
+                </a:solidFill>
+                <a:latin typeface="+mn-lt"/>
+                <a:ea typeface="+mn-ea"/>
+                <a:cs typeface="+mn-cs"/>
+              </a:defRPr>
+            </a:lvl7pPr>
+            <a:lvl8pPr marL="3200400" algn="l" defTabSz="457200" rtl="0" eaLnBrk="1" latinLnBrk="0" hangingPunct="1">
+              <a:defRPr sz="1800" kern="1200">
+                <a:solidFill>
+                  <a:schemeClr val="tx1"/>
+                </a:solidFill>
+                <a:latin typeface="+mn-lt"/>
+                <a:ea typeface="+mn-ea"/>
+                <a:cs typeface="+mn-cs"/>
+              </a:defRPr>
+            </a:lvl8pPr>
+            <a:lvl9pPr marL="3657600" algn="l" defTabSz="457200" rtl="0" eaLnBrk="1" latinLnBrk="0" hangingPunct="1">
+              <a:defRPr sz="1800" kern="1200">
+                <a:solidFill>
+                  <a:schemeClr val="tx1"/>
+                </a:solidFill>
+                <a:latin typeface="+mn-lt"/>
+                <a:ea typeface="+mn-ea"/>
+                <a:cs typeface="+mn-cs"/>
+              </a:defRPr>
+            </a:lvl9pPr>
+          </a:lstStyle>
+          <a:p>
+            <a:r>
+              <a:rPr lang="en-GB" sz="1200" dirty="0">
+                <a:solidFill>
+                  <a:srgbClr val="21225A"/>
+                </a:solidFill>
+                <a:latin typeface="Arial"/>
+                <a:cs typeface="Arial"/>
+              </a:rPr>
+              <a:t>K.S. Krane, </a:t>
+            </a:r>
+            <a:r>
+              <a:rPr lang="en-GB" sz="1200" i="1" dirty="0">
+                <a:solidFill>
+                  <a:srgbClr val="21225A"/>
+                </a:solidFill>
+                <a:latin typeface="Arial"/>
+                <a:cs typeface="Arial"/>
+              </a:rPr>
+              <a:t>Introductory Nuclear Physics </a:t>
+            </a:r>
+            <a:r>
+              <a:rPr lang="en-GB" sz="1200" dirty="0">
+                <a:solidFill>
+                  <a:srgbClr val="21225A"/>
+                </a:solidFill>
+                <a:latin typeface="Arial"/>
+                <a:cs typeface="Arial"/>
+              </a:rPr>
+              <a:t>(1988)</a:t>
+            </a:r>
+            <a:r>
+              <a:rPr lang="en-GB" sz="1200" b="1" dirty="0">
+                <a:solidFill>
+                  <a:srgbClr val="21225A"/>
+                </a:solidFill>
+                <a:latin typeface="Arial"/>
+                <a:cs typeface="Arial"/>
+              </a:rPr>
+              <a:t>.</a:t>
+            </a:r>
+          </a:p>
+        </p:txBody>
+      </p:sp>
+      <p:sp>
+        <p:nvSpPr>
+          <p:cNvPr id="18" name="CustomShape 3">
+            <a:extLst>
+              <a:ext uri="{FF2B5EF4-FFF2-40B4-BE49-F238E27FC236}">
+                <a16:creationId xmlns:a16="http://schemas.microsoft.com/office/drawing/2014/main" id="{D4616CE4-0206-4208-9381-019ED1F0CB43}"/>
+              </a:ext>
+            </a:extLst>
+          </p:cNvPr>
+          <p:cNvSpPr/>
+          <p:nvPr/>
+        </p:nvSpPr>
+        <p:spPr>
+          <a:xfrm>
+            <a:off x="141234" y="1154353"/>
+            <a:ext cx="3886995" cy="574388"/>
+          </a:xfrm>
+          <a:prstGeom prst="rect">
+            <a:avLst/>
+          </a:prstGeom>
+          <a:noFill/>
+          <a:ln>
+            <a:noFill/>
+          </a:ln>
+        </p:spPr>
+        <p:style>
+          <a:lnRef idx="0">
+            <a:scrgbClr r="0" g="0" b="0"/>
+          </a:lnRef>
+          <a:fillRef idx="0">
+            <a:scrgbClr r="0" g="0" b="0"/>
+          </a:fillRef>
+          <a:effectRef idx="0">
+            <a:scrgbClr r="0" g="0" b="0"/>
+          </a:effectRef>
+          <a:fontRef idx="minor"/>
+        </p:style>
+        <p:txBody>
+          <a:bodyPr lIns="90000" tIns="45000" rIns="90000" bIns="45000"/>
+          <a:lstStyle/>
           <a:p>
             <a:pPr marL="343080" indent="-342720">
               <a:lnSpc>
@@ -14729,15 +14413,71 @@
               <a:buFont typeface="Wingdings" charset="2"/>
               <a:buChar char=""/>
             </a:pPr>
-            <a:endParaRPr lang="en-US" sz="1600" strike="noStrike" spc="-1" dirty="0">
-              <a:solidFill>
-                <a:srgbClr val="002060"/>
-              </a:solidFill>
-              <a:latin typeface="Arial" panose="020B0604020202020204" pitchFamily="34" charset="0"/>
-              <a:ea typeface="ヒラギノ角ゴ Pro W3"/>
-              <a:cs typeface="Arial" panose="020B0604020202020204" pitchFamily="34" charset="0"/>
-            </a:endParaRPr>
-          </a:p>
+            <a:r>
+              <a:rPr lang="en-US" sz="1600" strike="noStrike" spc="-1" dirty="0">
+                <a:solidFill>
+                  <a:srgbClr val="002060"/>
+                </a:solidFill>
+                <a:latin typeface="Arial" panose="020B0604020202020204" pitchFamily="34" charset="0"/>
+                <a:ea typeface="ヒラギノ角ゴ Pro W3"/>
+                <a:cs typeface="Arial" panose="020B0604020202020204" pitchFamily="34" charset="0"/>
+              </a:rPr>
+              <a:t>Radiation interacts with the crystal and produces of electron-hole pairs</a:t>
+            </a:r>
+            <a:r>
+              <a:rPr lang="en-ZA" sz="1600" strike="noStrike" spc="-1" dirty="0">
+                <a:solidFill>
+                  <a:srgbClr val="002060"/>
+                </a:solidFill>
+                <a:latin typeface="Arial" panose="020B0604020202020204" pitchFamily="34" charset="0"/>
+                <a:ea typeface="ヒラギノ角ゴ Pro W3"/>
+                <a:cs typeface="Arial" panose="020B0604020202020204" pitchFamily="34" charset="0"/>
+              </a:rPr>
+              <a:t>.</a:t>
+            </a:r>
+          </a:p>
+        </p:txBody>
+      </p:sp>
+      <p:sp>
+        <p:nvSpPr>
+          <p:cNvPr id="19" name="CustomShape 3">
+            <a:extLst>
+              <a:ext uri="{FF2B5EF4-FFF2-40B4-BE49-F238E27FC236}">
+                <a16:creationId xmlns:a16="http://schemas.microsoft.com/office/drawing/2014/main" id="{AD980B27-A9CE-410E-89BA-E22C29C152CF}"/>
+              </a:ext>
+            </a:extLst>
+          </p:cNvPr>
+          <p:cNvSpPr/>
+          <p:nvPr/>
+        </p:nvSpPr>
+        <p:spPr>
+          <a:xfrm>
+            <a:off x="141234" y="1670822"/>
+            <a:ext cx="3886995" cy="761968"/>
+          </a:xfrm>
+          <a:prstGeom prst="rect">
+            <a:avLst/>
+          </a:prstGeom>
+          <a:noFill/>
+          <a:ln>
+            <a:noFill/>
+          </a:ln>
+        </p:spPr>
+        <p:style>
+          <a:lnRef idx="0">
+            <a:scrgbClr r="0" g="0" b="0"/>
+          </a:lnRef>
+          <a:fillRef idx="0">
+            <a:scrgbClr r="0" g="0" b="0"/>
+          </a:fillRef>
+          <a:effectRef idx="0">
+            <a:scrgbClr r="0" g="0" b="0"/>
+          </a:effectRef>
+          <a:fontRef idx="minor"/>
+        </p:style>
+        <p:txBody>
+          <a:bodyPr lIns="90000" tIns="45000" rIns="90000" bIns="45000"/>
+          <a:lstStyle/>
           <a:p>
             <a:pPr marL="343080" indent="-342720">
               <a:lnSpc>
@@ -14753,7 +14493,7 @@
               <a:buChar char=""/>
             </a:pPr>
             <a:r>
-              <a:rPr lang="en-US" sz="1600" strike="noStrike" spc="-1" dirty="0">
+              <a:rPr lang="en-US" sz="1600" spc="-1" dirty="0">
                 <a:solidFill>
                   <a:srgbClr val="002060"/>
                 </a:solidFill>
@@ -14761,28 +14501,30 @@
                 <a:ea typeface="ヒラギノ角ゴ Pro W3"/>
                 <a:cs typeface="Arial" panose="020B0604020202020204" pitchFamily="34" charset="0"/>
               </a:rPr>
-              <a:t>National Nuclear Data Center: </a:t>
-            </a:r>
-            <a:r>
-              <a:rPr lang="en-US" sz="1600" strike="noStrike" spc="-1" dirty="0">
+              <a:t>The electrons and holes drift towards electrodes</a:t>
+            </a:r>
+            <a:r>
+              <a:rPr lang="en-ZA" sz="1600" spc="-1" dirty="0">
                 <a:solidFill>
                   <a:srgbClr val="002060"/>
                 </a:solidFill>
                 <a:latin typeface="Arial" panose="020B0604020202020204" pitchFamily="34" charset="0"/>
                 <a:ea typeface="ヒラギノ角ゴ Pro W3"/>
                 <a:cs typeface="Arial" panose="020B0604020202020204" pitchFamily="34" charset="0"/>
-                <a:hlinkClick r:id="rId5"/>
-              </a:rPr>
-              <a:t>https://www.nndc.bnl.gov/</a:t>
-            </a:r>
-            <a:endParaRPr lang="en-US" sz="1600" strike="noStrike" spc="-1" dirty="0">
-              <a:solidFill>
-                <a:srgbClr val="002060"/>
-              </a:solidFill>
-              <a:latin typeface="Arial" panose="020B0604020202020204" pitchFamily="34" charset="0"/>
-              <a:ea typeface="ヒラギノ角ゴ Pro W3"/>
-              <a:cs typeface="Arial" panose="020B0604020202020204" pitchFamily="34" charset="0"/>
-            </a:endParaRPr>
+              </a:rPr>
+              <a:t> and the </a:t>
+            </a:r>
+            <a:r>
+              <a:rPr lang="en-US" sz="1600" spc="-1" dirty="0">
+                <a:solidFill>
+                  <a:srgbClr val="002060"/>
+                </a:solidFill>
+                <a:latin typeface="Arial" panose="020B0604020202020204" pitchFamily="34" charset="0"/>
+                <a:ea typeface="ヒラギノ角ゴ Pro W3"/>
+                <a:cs typeface="Arial" panose="020B0604020202020204" pitchFamily="34" charset="0"/>
+              </a:rPr>
+              <a:t>electric pulse is amplified and processed.</a:t>
+            </a:r>
           </a:p>
           <a:p>
             <a:pPr marL="360">
@@ -14805,72 +14547,35 @@
               <a:cs typeface="Arial" panose="020B0604020202020204" pitchFamily="34" charset="0"/>
             </a:endParaRPr>
           </a:p>
+          <a:p>
+            <a:pPr marL="343080" indent="-342720">
+              <a:lnSpc>
+                <a:spcPct val="100000"/>
+              </a:lnSpc>
+              <a:spcBef>
+                <a:spcPts val="320"/>
+              </a:spcBef>
+              <a:buClr>
+                <a:srgbClr val="002060"/>
+              </a:buClr>
+              <a:buFont typeface="Wingdings" charset="2"/>
+              <a:buChar char=""/>
+            </a:pPr>
+            <a:endParaRPr lang="en-ZA" sz="1600" spc="-1" dirty="0">
+              <a:solidFill>
+                <a:srgbClr val="002060"/>
+              </a:solidFill>
+              <a:latin typeface="Arial" panose="020B0604020202020204" pitchFamily="34" charset="0"/>
+              <a:ea typeface="ヒラギノ角ゴ Pro W3"/>
+              <a:cs typeface="Arial" panose="020B0604020202020204" pitchFamily="34" charset="0"/>
+            </a:endParaRPr>
+          </a:p>
         </p:txBody>
       </p:sp>
-      <p:pic>
-        <p:nvPicPr>
-          <p:cNvPr id="3" name="Image 2">
-            <a:extLst>
-              <a:ext uri="{FF2B5EF4-FFF2-40B4-BE49-F238E27FC236}">
-                <a16:creationId xmlns:a16="http://schemas.microsoft.com/office/drawing/2014/main" id="{70A60527-3271-4F97-A725-469FCECFDE68}"/>
-              </a:ext>
-            </a:extLst>
-          </p:cNvPr>
-          <p:cNvPicPr>
-            <a:picLocks noChangeAspect="1"/>
-          </p:cNvPicPr>
-          <p:nvPr/>
-        </p:nvPicPr>
-        <p:blipFill>
-          <a:blip r:embed="rId6"/>
-          <a:stretch>
-            <a:fillRect/>
-          </a:stretch>
-        </p:blipFill>
-        <p:spPr>
-          <a:xfrm>
-            <a:off x="90053" y="1644135"/>
-            <a:ext cx="4412673" cy="3465824"/>
-          </a:xfrm>
-          <a:prstGeom prst="rect">
-            <a:avLst/>
-          </a:prstGeom>
-        </p:spPr>
-      </p:pic>
-      <p:pic>
-        <p:nvPicPr>
-          <p:cNvPr id="5" name="Image 4">
-            <a:extLst>
-              <a:ext uri="{FF2B5EF4-FFF2-40B4-BE49-F238E27FC236}">
-                <a16:creationId xmlns:a16="http://schemas.microsoft.com/office/drawing/2014/main" id="{1CAE7284-BBC9-475E-8F12-B7EC9D07CA45}"/>
-              </a:ext>
-            </a:extLst>
-          </p:cNvPr>
-          <p:cNvPicPr>
-            <a:picLocks noChangeAspect="1"/>
-          </p:cNvPicPr>
-          <p:nvPr/>
-        </p:nvPicPr>
-        <p:blipFill>
-          <a:blip r:embed="rId7"/>
-          <a:stretch>
-            <a:fillRect/>
-          </a:stretch>
-        </p:blipFill>
-        <p:spPr>
-          <a:xfrm>
-            <a:off x="4641275" y="1610748"/>
-            <a:ext cx="4412673" cy="3532752"/>
-          </a:xfrm>
-          <a:prstGeom prst="rect">
-            <a:avLst/>
-          </a:prstGeom>
-        </p:spPr>
-      </p:pic>
     </p:spTree>
     <p:extLst>
       <p:ext uri="{BB962C8B-B14F-4D97-AF65-F5344CB8AC3E}">
-        <p14:creationId xmlns:p14="http://schemas.microsoft.com/office/powerpoint/2010/main" val="3701917983"/>
+        <p14:creationId xmlns:p14="http://schemas.microsoft.com/office/powerpoint/2010/main" val="1790740401"/>
       </p:ext>
     </p:extLst>
   </p:cSld>
@@ -14883,7 +14588,253 @@
         <p:cTn id="1" dur="indefinite" restart="never" nodeType="tmRoot">
           <p:childTnLst>
             <p:seq>
-              <p:cTn id="2" dur="indefinite" nodeType="mainSeq"/>
+              <p:cTn id="2" dur="indefinite" nodeType="mainSeq">
+                <p:childTnLst>
+                  <p:par>
+                    <p:cTn id="3" fill="hold">
+                      <p:stCondLst>
+                        <p:cond delay="indefinite"/>
+                      </p:stCondLst>
+                      <p:childTnLst>
+                        <p:par>
+                          <p:cTn id="4" fill="hold">
+                            <p:stCondLst>
+                              <p:cond delay="0"/>
+                            </p:stCondLst>
+                            <p:childTnLst>
+                              <p:par>
+                                <p:cTn id="5" presetID="1" presetClass="entr" presetSubtype="0" fill="hold" grpId="0" nodeType="clickEffect">
+                                  <p:stCondLst>
+                                    <p:cond delay="0"/>
+                                  </p:stCondLst>
+                                  <p:childTnLst>
+                                    <p:set>
+                                      <p:cBhvr>
+                                        <p:cTn id="6" dur="1" fill="hold">
+                                          <p:stCondLst>
+                                            <p:cond delay="0"/>
+                                          </p:stCondLst>
+                                        </p:cTn>
+                                        <p:tgtEl>
+                                          <p:spTgt spid="18"/>
+                                        </p:tgtEl>
+                                        <p:attrNameLst>
+                                          <p:attrName>style.visibility</p:attrName>
+                                        </p:attrNameLst>
+                                      </p:cBhvr>
+                                      <p:to>
+                                        <p:strVal val="visible"/>
+                                      </p:to>
+                                    </p:set>
+                                  </p:childTnLst>
+                                </p:cTn>
+                              </p:par>
+                              <p:par>
+                                <p:cTn id="7" presetID="1" presetClass="entr" presetSubtype="0" fill="hold" nodeType="withEffect">
+                                  <p:stCondLst>
+                                    <p:cond delay="0"/>
+                                  </p:stCondLst>
+                                  <p:childTnLst>
+                                    <p:set>
+                                      <p:cBhvr>
+                                        <p:cTn id="8" dur="1" fill="hold">
+                                          <p:stCondLst>
+                                            <p:cond delay="0"/>
+                                          </p:stCondLst>
+                                        </p:cTn>
+                                        <p:tgtEl>
+                                          <p:spTgt spid="3"/>
+                                        </p:tgtEl>
+                                        <p:attrNameLst>
+                                          <p:attrName>style.visibility</p:attrName>
+                                        </p:attrNameLst>
+                                      </p:cBhvr>
+                                      <p:to>
+                                        <p:strVal val="visible"/>
+                                      </p:to>
+                                    </p:set>
+                                  </p:childTnLst>
+                                </p:cTn>
+                              </p:par>
+                            </p:childTnLst>
+                          </p:cTn>
+                        </p:par>
+                      </p:childTnLst>
+                    </p:cTn>
+                  </p:par>
+                  <p:par>
+                    <p:cTn id="9" fill="hold">
+                      <p:stCondLst>
+                        <p:cond delay="indefinite"/>
+                      </p:stCondLst>
+                      <p:childTnLst>
+                        <p:par>
+                          <p:cTn id="10" fill="hold">
+                            <p:stCondLst>
+                              <p:cond delay="0"/>
+                            </p:stCondLst>
+                            <p:childTnLst>
+                              <p:par>
+                                <p:cTn id="11" presetID="1" presetClass="entr" presetSubtype="0" fill="hold" grpId="0" nodeType="clickEffect">
+                                  <p:stCondLst>
+                                    <p:cond delay="0"/>
+                                  </p:stCondLst>
+                                  <p:childTnLst>
+                                    <p:set>
+                                      <p:cBhvr>
+                                        <p:cTn id="12" dur="1" fill="hold">
+                                          <p:stCondLst>
+                                            <p:cond delay="0"/>
+                                          </p:stCondLst>
+                                        </p:cTn>
+                                        <p:tgtEl>
+                                          <p:spTgt spid="19"/>
+                                        </p:tgtEl>
+                                        <p:attrNameLst>
+                                          <p:attrName>style.visibility</p:attrName>
+                                        </p:attrNameLst>
+                                      </p:cBhvr>
+                                      <p:to>
+                                        <p:strVal val="visible"/>
+                                      </p:to>
+                                    </p:set>
+                                  </p:childTnLst>
+                                </p:cTn>
+                              </p:par>
+                              <p:par>
+                                <p:cTn id="13" presetID="1" presetClass="entr" presetSubtype="0" fill="hold" nodeType="withEffect">
+                                  <p:stCondLst>
+                                    <p:cond delay="0"/>
+                                  </p:stCondLst>
+                                  <p:childTnLst>
+                                    <p:set>
+                                      <p:cBhvr>
+                                        <p:cTn id="14" dur="1" fill="hold">
+                                          <p:stCondLst>
+                                            <p:cond delay="0"/>
+                                          </p:stCondLst>
+                                        </p:cTn>
+                                        <p:tgtEl>
+                                          <p:spTgt spid="3074"/>
+                                        </p:tgtEl>
+                                        <p:attrNameLst>
+                                          <p:attrName>style.visibility</p:attrName>
+                                        </p:attrNameLst>
+                                      </p:cBhvr>
+                                      <p:to>
+                                        <p:strVal val="visible"/>
+                                      </p:to>
+                                    </p:set>
+                                  </p:childTnLst>
+                                </p:cTn>
+                              </p:par>
+                            </p:childTnLst>
+                          </p:cTn>
+                        </p:par>
+                      </p:childTnLst>
+                    </p:cTn>
+                  </p:par>
+                  <p:par>
+                    <p:cTn id="15" fill="hold">
+                      <p:stCondLst>
+                        <p:cond delay="indefinite"/>
+                      </p:stCondLst>
+                      <p:childTnLst>
+                        <p:par>
+                          <p:cTn id="16" fill="hold">
+                            <p:stCondLst>
+                              <p:cond delay="0"/>
+                            </p:stCondLst>
+                            <p:childTnLst>
+                              <p:par>
+                                <p:cTn id="17" presetID="1" presetClass="entr" presetSubtype="0" fill="hold" grpId="0" nodeType="clickEffect">
+                                  <p:stCondLst>
+                                    <p:cond delay="0"/>
+                                  </p:stCondLst>
+                                  <p:childTnLst>
+                                    <p:set>
+                                      <p:cBhvr>
+                                        <p:cTn id="18" dur="1" fill="hold">
+                                          <p:stCondLst>
+                                            <p:cond delay="0"/>
+                                          </p:stCondLst>
+                                        </p:cTn>
+                                        <p:tgtEl>
+                                          <p:spTgt spid="7"/>
+                                        </p:tgtEl>
+                                        <p:attrNameLst>
+                                          <p:attrName>style.visibility</p:attrName>
+                                        </p:attrNameLst>
+                                      </p:cBhvr>
+                                      <p:to>
+                                        <p:strVal val="visible"/>
+                                      </p:to>
+                                    </p:set>
+                                  </p:childTnLst>
+                                </p:cTn>
+                              </p:par>
+                              <p:par>
+                                <p:cTn id="19" presetID="1" presetClass="entr" presetSubtype="0" fill="hold" grpId="0" nodeType="withEffect">
+                                  <p:stCondLst>
+                                    <p:cond delay="0"/>
+                                  </p:stCondLst>
+                                  <p:childTnLst>
+                                    <p:set>
+                                      <p:cBhvr>
+                                        <p:cTn id="20" dur="1" fill="hold">
+                                          <p:stCondLst>
+                                            <p:cond delay="0"/>
+                                          </p:stCondLst>
+                                        </p:cTn>
+                                        <p:tgtEl>
+                                          <p:spTgt spid="17"/>
+                                        </p:tgtEl>
+                                        <p:attrNameLst>
+                                          <p:attrName>style.visibility</p:attrName>
+                                        </p:attrNameLst>
+                                      </p:cBhvr>
+                                      <p:to>
+                                        <p:strVal val="visible"/>
+                                      </p:to>
+                                    </p:set>
+                                  </p:childTnLst>
+                                </p:cTn>
+                              </p:par>
+                              <p:par>
+                                <p:cTn id="21" presetID="1" presetClass="entr" presetSubtype="0" fill="hold" grpId="0" nodeType="withEffect">
+                                  <p:stCondLst>
+                                    <p:cond delay="0"/>
+                                  </p:stCondLst>
+                                  <p:childTnLst>
+                                    <p:set>
+                                      <p:cBhvr>
+                                        <p:cTn id="22" dur="1" fill="hold">
+                                          <p:stCondLst>
+                                            <p:cond delay="0"/>
+                                          </p:stCondLst>
+                                        </p:cTn>
+                                        <p:tgtEl>
+                                          <p:spTgt spid="12"/>
+                                        </p:tgtEl>
+                                        <p:attrNameLst>
+                                          <p:attrName>style.visibility</p:attrName>
+                                        </p:attrNameLst>
+                                      </p:cBhvr>
+                                      <p:to>
+                                        <p:strVal val="visible"/>
+                                      </p:to>
+                                    </p:set>
+                                  </p:childTnLst>
+                                </p:cTn>
+                              </p:par>
+                            </p:childTnLst>
+                          </p:cTn>
+                        </p:par>
+                      </p:childTnLst>
+                    </p:cTn>
+                  </p:par>
+                </p:childTnLst>
+              </p:cTn>
               <p:prevCondLst>
                 <p:cond evt="onPrev" delay="0">
                   <p:tgtEl>
@@ -14903,6 +14854,13 @@
         </p:cTn>
       </p:par>
     </p:tnLst>
+    <p:bldLst>
+      <p:bldP spid="7" grpId="0"/>
+      <p:bldP spid="12" grpId="0"/>
+      <p:bldP spid="17" grpId="0"/>
+      <p:bldP spid="18" grpId="0"/>
+      <p:bldP spid="19" grpId="0"/>
+    </p:bldLst>
   </p:timing>
 </p:sld>
 </file>
